--- a/PPT/第三部分 软件测试应用/8 集成测试.pptx
+++ b/PPT/第三部分 软件测试应用/8 集成测试.pptx
@@ -6,7 +6,7 @@
     <p:sldMasterId id="2147483906" r:id="rId2"/>
   </p:sldMasterIdLst>
   <p:notesMasterIdLst>
-    <p:notesMasterId r:id="rId37"/>
+    <p:notesMasterId r:id="rId38"/>
   </p:notesMasterIdLst>
   <p:sldIdLst>
     <p:sldId id="256" r:id="rId3"/>
@@ -19,30 +19,31 @@
     <p:sldId id="319" r:id="rId10"/>
     <p:sldId id="265" r:id="rId11"/>
     <p:sldId id="270" r:id="rId12"/>
-    <p:sldId id="271" r:id="rId13"/>
-    <p:sldId id="325" r:id="rId14"/>
-    <p:sldId id="326" r:id="rId15"/>
-    <p:sldId id="327" r:id="rId16"/>
-    <p:sldId id="328" r:id="rId17"/>
-    <p:sldId id="329" r:id="rId18"/>
-    <p:sldId id="345" r:id="rId19"/>
-    <p:sldId id="346" r:id="rId20"/>
-    <p:sldId id="330" r:id="rId21"/>
-    <p:sldId id="347" r:id="rId22"/>
-    <p:sldId id="332" r:id="rId23"/>
-    <p:sldId id="333" r:id="rId24"/>
-    <p:sldId id="335" r:id="rId25"/>
-    <p:sldId id="348" r:id="rId26"/>
-    <p:sldId id="336" r:id="rId27"/>
-    <p:sldId id="340" r:id="rId28"/>
-    <p:sldId id="341" r:id="rId29"/>
-    <p:sldId id="342" r:id="rId30"/>
-    <p:sldId id="337" r:id="rId31"/>
-    <p:sldId id="349" r:id="rId32"/>
-    <p:sldId id="339" r:id="rId33"/>
-    <p:sldId id="343" r:id="rId34"/>
-    <p:sldId id="344" r:id="rId35"/>
-    <p:sldId id="316" r:id="rId36"/>
+    <p:sldId id="350" r:id="rId13"/>
+    <p:sldId id="271" r:id="rId14"/>
+    <p:sldId id="325" r:id="rId15"/>
+    <p:sldId id="326" r:id="rId16"/>
+    <p:sldId id="327" r:id="rId17"/>
+    <p:sldId id="328" r:id="rId18"/>
+    <p:sldId id="329" r:id="rId19"/>
+    <p:sldId id="345" r:id="rId20"/>
+    <p:sldId id="346" r:id="rId21"/>
+    <p:sldId id="330" r:id="rId22"/>
+    <p:sldId id="347" r:id="rId23"/>
+    <p:sldId id="332" r:id="rId24"/>
+    <p:sldId id="333" r:id="rId25"/>
+    <p:sldId id="335" r:id="rId26"/>
+    <p:sldId id="348" r:id="rId27"/>
+    <p:sldId id="336" r:id="rId28"/>
+    <p:sldId id="340" r:id="rId29"/>
+    <p:sldId id="341" r:id="rId30"/>
+    <p:sldId id="342" r:id="rId31"/>
+    <p:sldId id="337" r:id="rId32"/>
+    <p:sldId id="349" r:id="rId33"/>
+    <p:sldId id="339" r:id="rId34"/>
+    <p:sldId id="343" r:id="rId35"/>
+    <p:sldId id="344" r:id="rId36"/>
+    <p:sldId id="316" r:id="rId37"/>
   </p:sldIdLst>
   <p:sldSz cx="9144000" cy="6858000" type="screen4x3"/>
   <p:notesSz cx="6858000" cy="9144000"/>
@@ -329,7 +330,7 @@
         <p:nvSpPr>
           <p:cNvPr id="37892" name="Rectangle 4"/>
           <p:cNvSpPr>
-            <a:spLocks noGrp="1" noChangeArrowheads="1"/>
+            <a:spLocks noGrp="1" noRot="1" noChangeAspect="1" noChangeArrowheads="1"/>
           </p:cNvSpPr>
           <p:nvPr>
             <p:ph type="sldImg" idx="2"/>
@@ -8653,7 +8654,7 @@
       </p:grpSpPr>
       <p:sp>
         <p:nvSpPr>
-          <p:cNvPr id="13314" name="灯片编号占位符 5"/>
+          <p:cNvPr id="12290" name="灯片编号占位符 5"/>
           <p:cNvSpPr txBox="1">
             <a:spLocks noGrp="1" noChangeArrowheads="1"/>
           </p:cNvSpPr>
@@ -8802,7 +8803,7 @@
           </a:lstStyle>
           <a:p>
             <a:pPr algn="r" eaLnBrk="1" hangingPunct="1"/>
-            <a:fld id="{C91EB9EA-4F76-4C7E-A994-69CD83A9A34D}" type="slidenum">
+            <a:fld id="{657CC27B-3C7A-45EA-BF10-5986F8B76BA4}" type="slidenum">
               <a:rPr lang="en-US" altLang="zh-CN" sz="1200"/>
               <a:pPr algn="r" eaLnBrk="1" hangingPunct="1"/>
               <a:t>11</a:t>
@@ -8813,7 +8814,7 @@
       </p:sp>
       <p:sp>
         <p:nvSpPr>
-          <p:cNvPr id="13315" name="Rectangle 2"/>
+          <p:cNvPr id="12291" name="Rectangle 2"/>
           <p:cNvSpPr>
             <a:spLocks noGrp="1" noChangeArrowheads="1"/>
           </p:cNvSpPr>
@@ -8846,7 +8847,7 @@
       </p:sp>
       <p:sp>
         <p:nvSpPr>
-          <p:cNvPr id="13316" name="Rectangle 3"/>
+          <p:cNvPr id="12292" name="Rectangle 3"/>
           <p:cNvSpPr>
             <a:spLocks noGrp="1" noChangeArrowheads="1"/>
           </p:cNvSpPr>
@@ -8859,34 +8860,170 @@
           <a:bodyPr/>
           <a:lstStyle/>
           <a:p>
-            <a:pPr algn="just" eaLnBrk="1" hangingPunct="1"/>
-            <a:r>
-              <a:rPr lang="zh-CN" sz="3400" b="1" smtClean="0"/>
-              <a:t>基于独立路径的集成</a:t>
-            </a:r>
-            <a:endParaRPr lang="en-US" sz="3400" b="1" smtClean="0"/>
-          </a:p>
-          <a:p>
-            <a:pPr algn="just" eaLnBrk="1" hangingPunct="1"/>
-            <a:r>
-              <a:rPr lang="zh-CN" sz="3400" b="1" smtClean="0"/>
-              <a:t>基本思想：将函数调用图看做程序的控制流图或程序图，每个从根节点到叶子节点的调用形成了路径，每条独立路径即可构成一个集成测试用例</a:t>
-            </a:r>
-          </a:p>
-        </p:txBody>
-      </p:sp>
-      <p:sp>
-        <p:nvSpPr>
-          <p:cNvPr id="13317" name="Rectangle 6"/>
-          <p:cNvSpPr>
-            <a:spLocks noChangeArrowheads="1"/>
-          </p:cNvSpPr>
+            <a:pPr eaLnBrk="1" hangingPunct="1"/>
+            <a:r>
+              <a:rPr lang="zh-CN" sz="3800" b="1" dirty="0" smtClean="0">
+                <a:solidFill>
+                  <a:srgbClr val="0000FF"/>
+                </a:solidFill>
+                <a:ea typeface="华文新魏" pitchFamily="2" charset="-122"/>
+              </a:rPr>
+              <a:t>捉虫实践</a:t>
+            </a:r>
+            <a:r>
+              <a:rPr lang="en-US" altLang="zh-CN" sz="3800" b="1" dirty="0" smtClean="0">
+                <a:solidFill>
+                  <a:srgbClr val="0000FF"/>
+                </a:solidFill>
+                <a:ea typeface="华文新魏" pitchFamily="2" charset="-122"/>
+              </a:rPr>
+              <a:t>2</a:t>
+            </a:r>
+            <a:r>
+              <a:rPr lang="zh-CN" sz="3800" b="1" dirty="0" smtClean="0">
+                <a:solidFill>
+                  <a:srgbClr val="0000FF"/>
+                </a:solidFill>
+                <a:ea typeface="华文新魏" pitchFamily="2" charset="-122"/>
+              </a:rPr>
+              <a:t>：第二日</a:t>
+            </a:r>
+            <a:r>
+              <a:rPr lang="zh-CN" sz="3800" b="1" dirty="0" smtClean="0">
+                <a:solidFill>
+                  <a:srgbClr val="0000FF"/>
+                </a:solidFill>
+                <a:ea typeface="华文新魏" pitchFamily="2" charset="-122"/>
+              </a:rPr>
+              <a:t>问题</a:t>
+            </a:r>
+            <a:endParaRPr lang="en-US" altLang="zh-CN" sz="3800" b="1" dirty="0" smtClean="0">
+              <a:solidFill>
+                <a:srgbClr val="0000FF"/>
+              </a:solidFill>
+              <a:ea typeface="华文新魏" pitchFamily="2" charset="-122"/>
+            </a:endParaRPr>
+          </a:p>
+          <a:p>
+            <a:pPr marL="742950" indent="-742950" eaLnBrk="1" hangingPunct="1">
+              <a:buFont typeface="+mj-lt"/>
+              <a:buAutoNum type="arabicPeriod"/>
+            </a:pPr>
+            <a:r>
+              <a:rPr lang="en-US" altLang="zh-CN" sz="3800" b="1" dirty="0" smtClean="0">
+                <a:solidFill>
+                  <a:srgbClr val="0000FF"/>
+                </a:solidFill>
+                <a:ea typeface="华文新魏" pitchFamily="2" charset="-122"/>
+              </a:rPr>
+              <a:t>ND3,GD,VD</a:t>
+            </a:r>
+          </a:p>
+          <a:p>
+            <a:pPr marL="742950" indent="-742950" eaLnBrk="1" hangingPunct="1">
+              <a:buFont typeface="+mj-lt"/>
+              <a:buAutoNum type="arabicPeriod"/>
+            </a:pPr>
+            <a:r>
+              <a:rPr lang="en-US" altLang="zh-CN" sz="3800" b="1" dirty="0" err="1" smtClean="0">
+                <a:solidFill>
+                  <a:srgbClr val="0000FF"/>
+                </a:solidFill>
+                <a:ea typeface="华文新魏" pitchFamily="2" charset="-122"/>
+              </a:rPr>
+              <a:t>GD,VD,lDOM</a:t>
+            </a:r>
+            <a:endParaRPr lang="en-US" altLang="zh-CN" sz="3800" b="1" dirty="0" smtClean="0">
+              <a:solidFill>
+                <a:srgbClr val="0000FF"/>
+              </a:solidFill>
+              <a:ea typeface="华文新魏" pitchFamily="2" charset="-122"/>
+            </a:endParaRPr>
+          </a:p>
+          <a:p>
+            <a:pPr marL="742950" indent="-742950" eaLnBrk="1" hangingPunct="1">
+              <a:buFont typeface="+mj-lt"/>
+              <a:buAutoNum type="arabicPeriod"/>
+            </a:pPr>
+            <a:r>
+              <a:rPr lang="en-US" altLang="zh-CN" sz="3800" b="1" dirty="0" err="1" smtClean="0">
+                <a:solidFill>
+                  <a:srgbClr val="0000FF"/>
+                </a:solidFill>
+                <a:ea typeface="华文新魏" pitchFamily="2" charset="-122"/>
+              </a:rPr>
+              <a:t>VD,lDOM,iLY</a:t>
+            </a:r>
+            <a:endParaRPr lang="en-US" altLang="zh-CN" sz="3800" b="1" dirty="0" smtClean="0">
+              <a:solidFill>
+                <a:srgbClr val="0000FF"/>
+              </a:solidFill>
+              <a:ea typeface="华文新魏" pitchFamily="2" charset="-122"/>
+            </a:endParaRPr>
+          </a:p>
+          <a:p>
+            <a:pPr marL="742950" indent="-742950" eaLnBrk="1" hangingPunct="1">
+              <a:buFont typeface="+mj-lt"/>
+              <a:buAutoNum type="arabicPeriod"/>
+            </a:pPr>
+            <a:r>
+              <a:rPr lang="en-US" altLang="zh-CN" sz="3800" b="1" dirty="0" smtClean="0">
+                <a:solidFill>
+                  <a:srgbClr val="0000FF"/>
+                </a:solidFill>
+                <a:ea typeface="华文新魏" pitchFamily="2" charset="-122"/>
+              </a:rPr>
+              <a:t>ND3,ID,LDOM</a:t>
+            </a:r>
+          </a:p>
+          <a:p>
+            <a:pPr marL="742950" indent="-742950" eaLnBrk="1" hangingPunct="1">
+              <a:buFont typeface="+mj-lt"/>
+              <a:buAutoNum type="arabicPeriod"/>
+            </a:pPr>
+            <a:r>
+              <a:rPr lang="en-US" altLang="zh-CN" sz="3800" b="1" dirty="0" smtClean="0">
+                <a:solidFill>
+                  <a:srgbClr val="0000FF"/>
+                </a:solidFill>
+                <a:ea typeface="华文新魏" pitchFamily="2" charset="-122"/>
+              </a:rPr>
+              <a:t>ND3,PD</a:t>
+            </a:r>
+            <a:endParaRPr lang="zh-CN" sz="3800" b="1" dirty="0" smtClean="0">
+              <a:solidFill>
+                <a:srgbClr val="0000FF"/>
+              </a:solidFill>
+              <a:ea typeface="华文新魏" pitchFamily="2" charset="-122"/>
+            </a:endParaRPr>
+          </a:p>
+        </p:txBody>
+      </p:sp>
+      <p:pic>
+        <p:nvPicPr>
+          <p:cNvPr id="12293" name="Picture 6" descr="8t2"/>
+          <p:cNvPicPr>
+            <a:picLocks noChangeAspect="1" noChangeArrowheads="1"/>
+          </p:cNvPicPr>
           <p:nvPr/>
-        </p:nvSpPr>
+        </p:nvPicPr>
+        <p:blipFill>
+          <a:blip r:embed="rId2" cstate="print">
+            <a:extLst>
+              <a:ext uri="{28A0092B-C50C-407E-A947-70E740481C1C}">
+                <a14:useLocalDpi xmlns:a14="http://schemas.microsoft.com/office/drawing/2010/main" val="0"/>
+              </a:ext>
+            </a:extLst>
+          </a:blip>
+          <a:srcRect/>
+          <a:stretch>
+            <a:fillRect/>
+          </a:stretch>
+        </p:blipFill>
         <p:spPr bwMode="auto">
           <a:xfrm>
-            <a:off x="0" y="2476500"/>
-            <a:ext cx="9144000" cy="0"/>
+            <a:off x="5214938" y="2500313"/>
+            <a:ext cx="3571875" cy="3365500"/>
           </a:xfrm>
           <a:prstGeom prst="rect">
             <a:avLst/>
@@ -8915,17 +9052,13 @@
             </a:ext>
           </a:extLst>
         </p:spPr>
-        <p:txBody>
-          <a:bodyPr wrap="none" anchor="ctr">
-            <a:spAutoFit/>
-          </a:bodyPr>
-          <a:lstStyle/>
-          <a:p>
-            <a:endParaRPr lang="zh-CN" altLang="zh-CN"/>
-          </a:p>
-        </p:txBody>
-      </p:sp>
+      </p:pic>
     </p:spTree>
+    <p:extLst>
+      <p:ext uri="{BB962C8B-B14F-4D97-AF65-F5344CB8AC3E}">
+        <p14:creationId xmlns:p14="http://schemas.microsoft.com/office/powerpoint/2010/main" val="1403294150"/>
+      </p:ext>
+    </p:extLst>
   </p:cSld>
   <p:clrMapOvr>
     <a:masterClrMapping/>
@@ -8953,7 +9086,7 @@
       </p:grpSpPr>
       <p:sp>
         <p:nvSpPr>
-          <p:cNvPr id="14338" name="灯片编号占位符 5"/>
+          <p:cNvPr id="13314" name="灯片编号占位符 5"/>
           <p:cNvSpPr txBox="1">
             <a:spLocks noGrp="1" noChangeArrowheads="1"/>
           </p:cNvSpPr>
@@ -9102,7 +9235,7 @@
           </a:lstStyle>
           <a:p>
             <a:pPr algn="r" eaLnBrk="1" hangingPunct="1"/>
-            <a:fld id="{09A6D13C-D9D5-4979-9D1A-9A8515D1F2C5}" type="slidenum">
+            <a:fld id="{C91EB9EA-4F76-4C7E-A994-69CD83A9A34D}" type="slidenum">
               <a:rPr lang="en-US" altLang="zh-CN" sz="1200"/>
               <a:pPr algn="r" eaLnBrk="1" hangingPunct="1"/>
               <a:t>12</a:t>
@@ -9113,7 +9246,7 @@
       </p:sp>
       <p:sp>
         <p:nvSpPr>
-          <p:cNvPr id="14339" name="Rectangle 2"/>
+          <p:cNvPr id="13315" name="Rectangle 2"/>
           <p:cNvSpPr>
             <a:spLocks noGrp="1" noChangeArrowheads="1"/>
           </p:cNvSpPr>
@@ -9146,7 +9279,7 @@
       </p:sp>
       <p:sp>
         <p:nvSpPr>
-          <p:cNvPr id="14340" name="Rectangle 3"/>
+          <p:cNvPr id="13316" name="Rectangle 3"/>
           <p:cNvSpPr>
             <a:spLocks noGrp="1" noChangeArrowheads="1"/>
           </p:cNvSpPr>
@@ -9159,134 +9292,46 @@
           <a:bodyPr/>
           <a:lstStyle/>
           <a:p>
-            <a:pPr eaLnBrk="1" hangingPunct="1"/>
-            <a:r>
-              <a:rPr lang="zh-CN" sz="3800" b="1" smtClean="0">
-                <a:solidFill>
-                  <a:srgbClr val="0000FF"/>
-                </a:solidFill>
-                <a:ea typeface="华文新魏" pitchFamily="2" charset="-122"/>
+            <a:pPr algn="just" eaLnBrk="1" hangingPunct="1"/>
+            <a:r>
+              <a:rPr lang="zh-CN" sz="3400" b="1" dirty="0" smtClean="0"/>
+              <a:t>基于独立路径的集成</a:t>
+            </a:r>
+            <a:endParaRPr lang="en-US" sz="3400" b="1" dirty="0" smtClean="0"/>
+          </a:p>
+          <a:p>
+            <a:pPr algn="just" eaLnBrk="1" hangingPunct="1"/>
+            <a:r>
+              <a:rPr lang="zh-CN" sz="3400" b="1" dirty="0" smtClean="0"/>
+              <a:t>基本思想：将函数调用图看做</a:t>
+            </a:r>
+            <a:r>
+              <a:rPr lang="zh-CN" sz="3400" b="1" dirty="0" smtClean="0">
+                <a:solidFill>
+                  <a:srgbClr val="FF0000"/>
+                </a:solidFill>
               </a:rPr>
-              <a:t>捉虫实践</a:t>
-            </a:r>
-            <a:r>
-              <a:rPr lang="en-US" altLang="zh-CN" sz="3800" b="1" smtClean="0">
-                <a:solidFill>
-                  <a:srgbClr val="0000FF"/>
-                </a:solidFill>
-                <a:ea typeface="华文新魏" pitchFamily="2" charset="-122"/>
-              </a:rPr>
-              <a:t>3</a:t>
-            </a:r>
-            <a:r>
-              <a:rPr lang="zh-CN" sz="3800" b="1" smtClean="0">
-                <a:solidFill>
-                  <a:srgbClr val="0000FF"/>
-                </a:solidFill>
-                <a:ea typeface="华文新魏" pitchFamily="2" charset="-122"/>
-              </a:rPr>
-              <a:t>：第二日问题</a:t>
-            </a:r>
-          </a:p>
-          <a:p>
-            <a:pPr lvl="1" eaLnBrk="1" hangingPunct="1"/>
-            <a:r>
-              <a:rPr lang="zh-CN" sz="3400" b="1" smtClean="0">
-                <a:solidFill>
-                  <a:srgbClr val="0000FF"/>
-                </a:solidFill>
-                <a:ea typeface="华文新魏" pitchFamily="2" charset="-122"/>
-              </a:rPr>
-              <a:t>测试用例设计</a:t>
-            </a:r>
-            <a:endParaRPr lang="en-US" sz="3400" b="1" smtClean="0">
-              <a:solidFill>
-                <a:srgbClr val="0000FF"/>
-              </a:solidFill>
-              <a:ea typeface="华文新魏" pitchFamily="2" charset="-122"/>
-            </a:endParaRPr>
-          </a:p>
-          <a:p>
-            <a:pPr lvl="1" eaLnBrk="1" hangingPunct="1"/>
-            <a:r>
-              <a:rPr lang="zh-CN" sz="3400" b="1" smtClean="0">
-                <a:solidFill>
-                  <a:srgbClr val="0000FF"/>
-                </a:solidFill>
-                <a:ea typeface="华文新魏" pitchFamily="2" charset="-122"/>
-              </a:rPr>
-              <a:t>规模估算</a:t>
-            </a:r>
-            <a:endParaRPr lang="en-US" sz="3400" b="1" smtClean="0">
-              <a:solidFill>
-                <a:srgbClr val="0000FF"/>
-              </a:solidFill>
-              <a:ea typeface="华文新魏" pitchFamily="2" charset="-122"/>
-            </a:endParaRPr>
-          </a:p>
-          <a:p>
-            <a:pPr lvl="1" eaLnBrk="1" hangingPunct="1"/>
-            <a:r>
-              <a:rPr lang="zh-CN" sz="3400" b="1" smtClean="0">
-                <a:solidFill>
-                  <a:srgbClr val="0000FF"/>
-                </a:solidFill>
-                <a:ea typeface="华文新魏" pitchFamily="2" charset="-122"/>
-              </a:rPr>
-              <a:t>特点分析</a:t>
-            </a:r>
-            <a:endParaRPr lang="en-US" sz="3400" b="1" smtClean="0">
-              <a:solidFill>
-                <a:srgbClr val="0000FF"/>
-              </a:solidFill>
-              <a:ea typeface="华文新魏" pitchFamily="2" charset="-122"/>
-            </a:endParaRPr>
-          </a:p>
-          <a:p>
-            <a:pPr lvl="1" eaLnBrk="1" hangingPunct="1"/>
-            <a:r>
-              <a:rPr lang="zh-CN" sz="3400" b="1" smtClean="0">
-                <a:solidFill>
-                  <a:srgbClr val="0000FF"/>
-                </a:solidFill>
-                <a:ea typeface="华文新魏" pitchFamily="2" charset="-122"/>
-              </a:rPr>
-              <a:t>将单个测试用例范围从相邻模块向外扩展，直至达到根和叶子节点，形成完整的调用过程</a:t>
-            </a:r>
-            <a:endParaRPr lang="en-US" sz="3400" b="1" smtClean="0">
-              <a:solidFill>
-                <a:srgbClr val="0000FF"/>
-              </a:solidFill>
-              <a:ea typeface="华文新魏" pitchFamily="2" charset="-122"/>
-            </a:endParaRPr>
-          </a:p>
-        </p:txBody>
-      </p:sp>
-      <p:pic>
-        <p:nvPicPr>
-          <p:cNvPr id="14341" name="Picture 6" descr="8T3"/>
-          <p:cNvPicPr>
-            <a:picLocks noChangeAspect="1" noChangeArrowheads="1"/>
-          </p:cNvPicPr>
+              <a:t>程序的控制流图</a:t>
+            </a:r>
+            <a:r>
+              <a:rPr lang="zh-CN" sz="3400" b="1" dirty="0" smtClean="0"/>
+              <a:t>或程序图，每个从根节点到叶子节点的调用形成了路径，每条独立路径即可构成一个集成测试用例</a:t>
+            </a:r>
+          </a:p>
+        </p:txBody>
+      </p:sp>
+      <p:sp>
+        <p:nvSpPr>
+          <p:cNvPr id="13317" name="Rectangle 6"/>
+          <p:cNvSpPr>
+            <a:spLocks noChangeArrowheads="1"/>
+          </p:cNvSpPr>
           <p:nvPr/>
-        </p:nvPicPr>
-        <p:blipFill>
-          <a:blip r:embed="rId2">
-            <a:extLst>
-              <a:ext uri="{28A0092B-C50C-407E-A947-70E740481C1C}">
-                <a14:useLocalDpi xmlns:a14="http://schemas.microsoft.com/office/drawing/2010/main" val="0"/>
-              </a:ext>
-            </a:extLst>
-          </a:blip>
-          <a:srcRect/>
-          <a:stretch>
-            <a:fillRect/>
-          </a:stretch>
-        </p:blipFill>
+        </p:nvSpPr>
         <p:spPr bwMode="auto">
           <a:xfrm>
-            <a:off x="4572000" y="357188"/>
-            <a:ext cx="3857625" cy="3824287"/>
+            <a:off x="0" y="2476500"/>
+            <a:ext cx="9144000" cy="0"/>
           </a:xfrm>
           <a:prstGeom prst="rect">
             <a:avLst/>
@@ -9315,7 +9360,16 @@
             </a:ext>
           </a:extLst>
         </p:spPr>
-      </p:pic>
+        <p:txBody>
+          <a:bodyPr wrap="none" anchor="ctr">
+            <a:spAutoFit/>
+          </a:bodyPr>
+          <a:lstStyle/>
+          <a:p>
+            <a:endParaRPr lang="zh-CN" altLang="zh-CN"/>
+          </a:p>
+        </p:txBody>
+      </p:sp>
     </p:spTree>
   </p:cSld>
   <p:clrMapOvr>
@@ -9344,7 +9398,7 @@
       </p:grpSpPr>
       <p:sp>
         <p:nvSpPr>
-          <p:cNvPr id="15362" name="灯片编号占位符 5"/>
+          <p:cNvPr id="14338" name="灯片编号占位符 5"/>
           <p:cNvSpPr txBox="1">
             <a:spLocks noGrp="1" noChangeArrowheads="1"/>
           </p:cNvSpPr>
@@ -9493,7 +9547,7 @@
           </a:lstStyle>
           <a:p>
             <a:pPr algn="r" eaLnBrk="1" hangingPunct="1"/>
-            <a:fld id="{B988212B-E1FB-4A08-8B74-6D9A6F1B0B4E}" type="slidenum">
+            <a:fld id="{09A6D13C-D9D5-4979-9D1A-9A8515D1F2C5}" type="slidenum">
               <a:rPr lang="en-US" altLang="zh-CN" sz="1200"/>
               <a:pPr algn="r" eaLnBrk="1" hangingPunct="1"/>
               <a:t>13</a:t>
@@ -9504,7 +9558,7 @@
       </p:sp>
       <p:sp>
         <p:nvSpPr>
-          <p:cNvPr id="15363" name="Rectangle 2"/>
+          <p:cNvPr id="14339" name="Rectangle 2"/>
           <p:cNvSpPr>
             <a:spLocks noGrp="1" noChangeArrowheads="1"/>
           </p:cNvSpPr>
@@ -9523,21 +9577,21 @@
                 <a:latin typeface="黑体" pitchFamily="49" charset="-122"/>
                 <a:ea typeface="黑体" pitchFamily="49" charset="-122"/>
               </a:rPr>
-              <a:t>8.4 </a:t>
+              <a:t>8.3 </a:t>
             </a:r>
             <a:r>
               <a:rPr lang="zh-CN" b="1" smtClean="0">
                 <a:latin typeface="黑体" pitchFamily="49" charset="-122"/>
                 <a:ea typeface="黑体" pitchFamily="49" charset="-122"/>
               </a:rPr>
-              <a:t>集成测试遍历顺序的设计</a:t>
-            </a:r>
-          </a:p>
-        </p:txBody>
-      </p:sp>
-      <p:sp>
-        <p:nvSpPr>
-          <p:cNvPr id="15364" name="Rectangle 3"/>
+              <a:t>单个集成测试用例的设计</a:t>
+            </a:r>
+          </a:p>
+        </p:txBody>
+      </p:sp>
+      <p:sp>
+        <p:nvSpPr>
+          <p:cNvPr id="14340" name="Rectangle 3"/>
           <p:cNvSpPr>
             <a:spLocks noGrp="1" noChangeArrowheads="1"/>
           </p:cNvSpPr>
@@ -9550,34 +9604,134 @@
           <a:bodyPr/>
           <a:lstStyle/>
           <a:p>
-            <a:pPr algn="just" eaLnBrk="1" hangingPunct="1"/>
-            <a:r>
-              <a:rPr lang="zh-CN" sz="3400" b="1" smtClean="0"/>
-              <a:t>大爆炸集成</a:t>
-            </a:r>
-            <a:endParaRPr lang="en-US" sz="3400" b="1" smtClean="0"/>
-          </a:p>
-          <a:p>
-            <a:pPr algn="just" eaLnBrk="1" hangingPunct="1"/>
-            <a:r>
-              <a:rPr lang="zh-CN" sz="3400" b="1" smtClean="0"/>
-              <a:t>基本思想：将所有经过单元测试的模块一次性组装到被测系统中进行测试，完全不考虑模块之间的依赖性和可能的风险</a:t>
-            </a:r>
-          </a:p>
-        </p:txBody>
-      </p:sp>
-      <p:sp>
-        <p:nvSpPr>
-          <p:cNvPr id="15365" name="Rectangle 6"/>
-          <p:cNvSpPr>
-            <a:spLocks noChangeArrowheads="1"/>
-          </p:cNvSpPr>
+            <a:pPr eaLnBrk="1" hangingPunct="1"/>
+            <a:r>
+              <a:rPr lang="zh-CN" sz="3800" b="1" dirty="0" smtClean="0">
+                <a:solidFill>
+                  <a:srgbClr val="0000FF"/>
+                </a:solidFill>
+                <a:ea typeface="华文新魏" pitchFamily="2" charset="-122"/>
+              </a:rPr>
+              <a:t>捉虫实践</a:t>
+            </a:r>
+            <a:r>
+              <a:rPr lang="en-US" altLang="zh-CN" sz="3800" b="1" dirty="0" smtClean="0">
+                <a:solidFill>
+                  <a:srgbClr val="0000FF"/>
+                </a:solidFill>
+                <a:ea typeface="华文新魏" pitchFamily="2" charset="-122"/>
+              </a:rPr>
+              <a:t>3</a:t>
+            </a:r>
+            <a:r>
+              <a:rPr lang="zh-CN" sz="3800" b="1" dirty="0" smtClean="0">
+                <a:solidFill>
+                  <a:srgbClr val="0000FF"/>
+                </a:solidFill>
+                <a:ea typeface="华文新魏" pitchFamily="2" charset="-122"/>
+              </a:rPr>
+              <a:t>：第二日问题</a:t>
+            </a:r>
+          </a:p>
+          <a:p>
+            <a:pPr lvl="1" eaLnBrk="1" hangingPunct="1"/>
+            <a:r>
+              <a:rPr lang="zh-CN" sz="3400" b="1" dirty="0" smtClean="0">
+                <a:solidFill>
+                  <a:srgbClr val="0000FF"/>
+                </a:solidFill>
+                <a:ea typeface="华文新魏" pitchFamily="2" charset="-122"/>
+              </a:rPr>
+              <a:t>测试用例设计</a:t>
+            </a:r>
+            <a:endParaRPr lang="en-US" sz="3400" b="1" dirty="0" smtClean="0">
+              <a:solidFill>
+                <a:srgbClr val="0000FF"/>
+              </a:solidFill>
+              <a:ea typeface="华文新魏" pitchFamily="2" charset="-122"/>
+            </a:endParaRPr>
+          </a:p>
+          <a:p>
+            <a:pPr lvl="1" eaLnBrk="1" hangingPunct="1"/>
+            <a:r>
+              <a:rPr lang="zh-CN" sz="3400" b="1" dirty="0" smtClean="0">
+                <a:solidFill>
+                  <a:srgbClr val="0000FF"/>
+                </a:solidFill>
+                <a:ea typeface="华文新魏" pitchFamily="2" charset="-122"/>
+              </a:rPr>
+              <a:t>规模估算</a:t>
+            </a:r>
+            <a:endParaRPr lang="en-US" sz="3400" b="1" dirty="0" smtClean="0">
+              <a:solidFill>
+                <a:srgbClr val="0000FF"/>
+              </a:solidFill>
+              <a:ea typeface="华文新魏" pitchFamily="2" charset="-122"/>
+            </a:endParaRPr>
+          </a:p>
+          <a:p>
+            <a:pPr lvl="1" eaLnBrk="1" hangingPunct="1"/>
+            <a:r>
+              <a:rPr lang="zh-CN" sz="3400" b="1" dirty="0" smtClean="0">
+                <a:solidFill>
+                  <a:srgbClr val="0000FF"/>
+                </a:solidFill>
+                <a:ea typeface="华文新魏" pitchFamily="2" charset="-122"/>
+              </a:rPr>
+              <a:t>特点分析</a:t>
+            </a:r>
+            <a:endParaRPr lang="en-US" sz="3400" b="1" dirty="0" smtClean="0">
+              <a:solidFill>
+                <a:srgbClr val="0000FF"/>
+              </a:solidFill>
+              <a:ea typeface="华文新魏" pitchFamily="2" charset="-122"/>
+            </a:endParaRPr>
+          </a:p>
+          <a:p>
+            <a:pPr lvl="1" eaLnBrk="1" hangingPunct="1"/>
+            <a:r>
+              <a:rPr lang="zh-CN" sz="3400" b="1" dirty="0" smtClean="0">
+                <a:solidFill>
+                  <a:srgbClr val="0000FF"/>
+                </a:solidFill>
+                <a:ea typeface="华文新魏" pitchFamily="2" charset="-122"/>
+              </a:rPr>
+              <a:t>将单个测试用例范围从相邻模块向外扩展，直至达到根和叶子节点，形成完整的调用过程</a:t>
+            </a:r>
+            <a:endParaRPr lang="en-US" sz="3400" b="1" dirty="0" smtClean="0">
+              <a:solidFill>
+                <a:srgbClr val="0000FF"/>
+              </a:solidFill>
+              <a:ea typeface="华文新魏" pitchFamily="2" charset="-122"/>
+            </a:endParaRPr>
+          </a:p>
+        </p:txBody>
+      </p:sp>
+      <p:pic>
+        <p:nvPicPr>
+          <p:cNvPr id="14341" name="Picture 6" descr="8T3"/>
+          <p:cNvPicPr>
+            <a:picLocks noChangeAspect="1" noChangeArrowheads="1"/>
+          </p:cNvPicPr>
           <p:nvPr/>
-        </p:nvSpPr>
+        </p:nvPicPr>
+        <p:blipFill>
+          <a:blip r:embed="rId2" cstate="print">
+            <a:extLst>
+              <a:ext uri="{28A0092B-C50C-407E-A947-70E740481C1C}">
+                <a14:useLocalDpi xmlns:a14="http://schemas.microsoft.com/office/drawing/2010/main" val="0"/>
+              </a:ext>
+            </a:extLst>
+          </a:blip>
+          <a:srcRect/>
+          <a:stretch>
+            <a:fillRect/>
+          </a:stretch>
+        </p:blipFill>
         <p:spPr bwMode="auto">
           <a:xfrm>
-            <a:off x="0" y="2476500"/>
-            <a:ext cx="9144000" cy="0"/>
+            <a:off x="-900608" y="692696"/>
+            <a:ext cx="3857625" cy="3824287"/>
           </a:xfrm>
           <a:prstGeom prst="rect">
             <a:avLst/>
@@ -9606,16 +9760,745 @@
             </a:ext>
           </a:extLst>
         </p:spPr>
-        <p:txBody>
-          <a:bodyPr wrap="none" anchor="ctr">
-            <a:spAutoFit/>
-          </a:bodyPr>
+      </p:pic>
+      <p:sp>
+        <p:nvSpPr>
+          <p:cNvPr id="2" name="椭圆 1"/>
+          <p:cNvSpPr/>
+          <p:nvPr/>
+        </p:nvSpPr>
+        <p:spPr>
+          <a:xfrm>
+            <a:off x="7454348" y="548680"/>
+            <a:ext cx="1080052" cy="576064"/>
+          </a:xfrm>
+          <a:prstGeom prst="ellipse">
+            <a:avLst/>
+          </a:prstGeom>
+          <a:solidFill>
+            <a:schemeClr val="bg1"/>
+          </a:solidFill>
+          <a:ln>
+            <a:solidFill>
+              <a:schemeClr val="tx1"/>
+            </a:solidFill>
+          </a:ln>
+        </p:spPr>
+        <p:style>
+          <a:lnRef idx="2">
+            <a:schemeClr val="accent1">
+              <a:shade val="50000"/>
+            </a:schemeClr>
+          </a:lnRef>
+          <a:fillRef idx="1">
+            <a:schemeClr val="accent1"/>
+          </a:fillRef>
+          <a:effectRef idx="0">
+            <a:schemeClr val="accent1"/>
+          </a:effectRef>
+          <a:fontRef idx="minor">
+            <a:schemeClr val="lt1"/>
+          </a:fontRef>
+        </p:style>
+        <p:txBody>
+          <a:bodyPr rtlCol="0" anchor="ctr"/>
           <a:lstStyle/>
           <a:p>
-            <a:endParaRPr lang="zh-CN" altLang="zh-CN"/>
-          </a:p>
-        </p:txBody>
-      </p:sp>
+            <a:pPr algn="ctr"/>
+            <a:r>
+              <a:rPr lang="en-US" altLang="zh-CN" dirty="0" smtClean="0">
+                <a:solidFill>
+                  <a:schemeClr val="tx1"/>
+                </a:solidFill>
+              </a:rPr>
+              <a:t>ND3</a:t>
+            </a:r>
+            <a:endParaRPr lang="zh-CN" altLang="en-US" dirty="0">
+              <a:solidFill>
+                <a:schemeClr val="tx1"/>
+              </a:solidFill>
+            </a:endParaRPr>
+          </a:p>
+        </p:txBody>
+      </p:sp>
+      <p:sp>
+        <p:nvSpPr>
+          <p:cNvPr id="8" name="椭圆 7"/>
+          <p:cNvSpPr/>
+          <p:nvPr/>
+        </p:nvSpPr>
+        <p:spPr>
+          <a:xfrm>
+            <a:off x="6341605" y="1544554"/>
+            <a:ext cx="901148" cy="576064"/>
+          </a:xfrm>
+          <a:prstGeom prst="ellipse">
+            <a:avLst/>
+          </a:prstGeom>
+          <a:solidFill>
+            <a:schemeClr val="bg1"/>
+          </a:solidFill>
+          <a:ln>
+            <a:solidFill>
+              <a:schemeClr val="tx1"/>
+            </a:solidFill>
+          </a:ln>
+        </p:spPr>
+        <p:style>
+          <a:lnRef idx="2">
+            <a:schemeClr val="accent1">
+              <a:shade val="50000"/>
+            </a:schemeClr>
+          </a:lnRef>
+          <a:fillRef idx="1">
+            <a:schemeClr val="accent1"/>
+          </a:fillRef>
+          <a:effectRef idx="0">
+            <a:schemeClr val="accent1"/>
+          </a:effectRef>
+          <a:fontRef idx="minor">
+            <a:schemeClr val="lt1"/>
+          </a:fontRef>
+        </p:style>
+        <p:txBody>
+          <a:bodyPr rtlCol="0" anchor="ctr"/>
+          <a:lstStyle/>
+          <a:p>
+            <a:pPr algn="ctr"/>
+            <a:r>
+              <a:rPr lang="en-US" altLang="zh-CN" dirty="0" smtClean="0">
+                <a:solidFill>
+                  <a:schemeClr val="tx1"/>
+                </a:solidFill>
+              </a:rPr>
+              <a:t>GD</a:t>
+            </a:r>
+            <a:endParaRPr lang="zh-CN" altLang="en-US" dirty="0">
+              <a:solidFill>
+                <a:schemeClr val="tx1"/>
+              </a:solidFill>
+            </a:endParaRPr>
+          </a:p>
+        </p:txBody>
+      </p:sp>
+      <p:sp>
+        <p:nvSpPr>
+          <p:cNvPr id="9" name="椭圆 8"/>
+          <p:cNvSpPr/>
+          <p:nvPr/>
+        </p:nvSpPr>
+        <p:spPr>
+          <a:xfrm>
+            <a:off x="6083694" y="2408650"/>
+            <a:ext cx="939012" cy="536129"/>
+          </a:xfrm>
+          <a:prstGeom prst="ellipse">
+            <a:avLst/>
+          </a:prstGeom>
+          <a:solidFill>
+            <a:schemeClr val="bg1"/>
+          </a:solidFill>
+          <a:ln>
+            <a:solidFill>
+              <a:schemeClr val="tx1"/>
+            </a:solidFill>
+          </a:ln>
+        </p:spPr>
+        <p:style>
+          <a:lnRef idx="2">
+            <a:schemeClr val="accent1">
+              <a:shade val="50000"/>
+            </a:schemeClr>
+          </a:lnRef>
+          <a:fillRef idx="1">
+            <a:schemeClr val="accent1"/>
+          </a:fillRef>
+          <a:effectRef idx="0">
+            <a:schemeClr val="accent1"/>
+          </a:effectRef>
+          <a:fontRef idx="minor">
+            <a:schemeClr val="lt1"/>
+          </a:fontRef>
+        </p:style>
+        <p:txBody>
+          <a:bodyPr rtlCol="0" anchor="ctr"/>
+          <a:lstStyle/>
+          <a:p>
+            <a:pPr algn="ctr"/>
+            <a:r>
+              <a:rPr lang="en-US" altLang="zh-CN" dirty="0" smtClean="0">
+                <a:solidFill>
+                  <a:schemeClr val="tx1"/>
+                </a:solidFill>
+              </a:rPr>
+              <a:t>VD</a:t>
+            </a:r>
+            <a:endParaRPr lang="zh-CN" altLang="en-US" dirty="0">
+              <a:solidFill>
+                <a:schemeClr val="tx1"/>
+              </a:solidFill>
+            </a:endParaRPr>
+          </a:p>
+        </p:txBody>
+      </p:sp>
+      <p:sp>
+        <p:nvSpPr>
+          <p:cNvPr id="10" name="椭圆 9"/>
+          <p:cNvSpPr/>
+          <p:nvPr/>
+        </p:nvSpPr>
+        <p:spPr>
+          <a:xfrm>
+            <a:off x="5724128" y="3248020"/>
+            <a:ext cx="1021094" cy="613028"/>
+          </a:xfrm>
+          <a:prstGeom prst="ellipse">
+            <a:avLst/>
+          </a:prstGeom>
+          <a:solidFill>
+            <a:schemeClr val="bg1"/>
+          </a:solidFill>
+          <a:ln>
+            <a:solidFill>
+              <a:schemeClr val="tx1"/>
+            </a:solidFill>
+          </a:ln>
+        </p:spPr>
+        <p:style>
+          <a:lnRef idx="2">
+            <a:schemeClr val="accent1">
+              <a:shade val="50000"/>
+            </a:schemeClr>
+          </a:lnRef>
+          <a:fillRef idx="1">
+            <a:schemeClr val="accent1"/>
+          </a:fillRef>
+          <a:effectRef idx="0">
+            <a:schemeClr val="accent1"/>
+          </a:effectRef>
+          <a:fontRef idx="minor">
+            <a:schemeClr val="lt1"/>
+          </a:fontRef>
+        </p:style>
+        <p:txBody>
+          <a:bodyPr rtlCol="0" anchor="ctr"/>
+          <a:lstStyle/>
+          <a:p>
+            <a:pPr algn="ctr"/>
+            <a:r>
+              <a:rPr lang="en-US" altLang="zh-CN" sz="1400" dirty="0" err="1" smtClean="0">
+                <a:solidFill>
+                  <a:schemeClr val="tx1"/>
+                </a:solidFill>
+              </a:rPr>
+              <a:t>lDOM</a:t>
+            </a:r>
+            <a:endParaRPr lang="zh-CN" altLang="en-US" sz="1400" dirty="0">
+              <a:solidFill>
+                <a:schemeClr val="tx1"/>
+              </a:solidFill>
+            </a:endParaRPr>
+          </a:p>
+        </p:txBody>
+      </p:sp>
+      <p:sp>
+        <p:nvSpPr>
+          <p:cNvPr id="11" name="椭圆 10"/>
+          <p:cNvSpPr/>
+          <p:nvPr/>
+        </p:nvSpPr>
+        <p:spPr>
+          <a:xfrm>
+            <a:off x="6950393" y="3789040"/>
+            <a:ext cx="822514" cy="576064"/>
+          </a:xfrm>
+          <a:prstGeom prst="ellipse">
+            <a:avLst/>
+          </a:prstGeom>
+          <a:solidFill>
+            <a:schemeClr val="bg1"/>
+          </a:solidFill>
+          <a:ln>
+            <a:solidFill>
+              <a:schemeClr val="tx1"/>
+            </a:solidFill>
+          </a:ln>
+        </p:spPr>
+        <p:style>
+          <a:lnRef idx="2">
+            <a:schemeClr val="accent1">
+              <a:shade val="50000"/>
+            </a:schemeClr>
+          </a:lnRef>
+          <a:fillRef idx="1">
+            <a:schemeClr val="accent1"/>
+          </a:fillRef>
+          <a:effectRef idx="0">
+            <a:schemeClr val="accent1"/>
+          </a:effectRef>
+          <a:fontRef idx="minor">
+            <a:schemeClr val="lt1"/>
+          </a:fontRef>
+        </p:style>
+        <p:txBody>
+          <a:bodyPr rtlCol="0" anchor="ctr"/>
+          <a:lstStyle/>
+          <a:p>
+            <a:pPr algn="ctr"/>
+            <a:r>
+              <a:rPr lang="en-US" altLang="zh-CN" dirty="0" err="1" smtClean="0">
+                <a:solidFill>
+                  <a:schemeClr val="tx1"/>
+                </a:solidFill>
+              </a:rPr>
+              <a:t>iLY</a:t>
+            </a:r>
+            <a:endParaRPr lang="zh-CN" altLang="en-US" dirty="0">
+              <a:solidFill>
+                <a:schemeClr val="tx1"/>
+              </a:solidFill>
+            </a:endParaRPr>
+          </a:p>
+        </p:txBody>
+      </p:sp>
+      <p:sp>
+        <p:nvSpPr>
+          <p:cNvPr id="12" name="椭圆 11"/>
+          <p:cNvSpPr/>
+          <p:nvPr/>
+        </p:nvSpPr>
+        <p:spPr>
+          <a:xfrm>
+            <a:off x="7453673" y="1832586"/>
+            <a:ext cx="901148" cy="576064"/>
+          </a:xfrm>
+          <a:prstGeom prst="ellipse">
+            <a:avLst/>
+          </a:prstGeom>
+          <a:solidFill>
+            <a:schemeClr val="bg1"/>
+          </a:solidFill>
+          <a:ln>
+            <a:solidFill>
+              <a:schemeClr val="tx1"/>
+            </a:solidFill>
+          </a:ln>
+        </p:spPr>
+        <p:style>
+          <a:lnRef idx="2">
+            <a:schemeClr val="accent1">
+              <a:shade val="50000"/>
+            </a:schemeClr>
+          </a:lnRef>
+          <a:fillRef idx="1">
+            <a:schemeClr val="accent1"/>
+          </a:fillRef>
+          <a:effectRef idx="0">
+            <a:schemeClr val="accent1"/>
+          </a:effectRef>
+          <a:fontRef idx="minor">
+            <a:schemeClr val="lt1"/>
+          </a:fontRef>
+        </p:style>
+        <p:txBody>
+          <a:bodyPr rtlCol="0" anchor="ctr"/>
+          <a:lstStyle/>
+          <a:p>
+            <a:pPr algn="ctr"/>
+            <a:r>
+              <a:rPr lang="en-US" altLang="zh-CN" dirty="0">
+                <a:solidFill>
+                  <a:schemeClr val="tx1"/>
+                </a:solidFill>
+              </a:rPr>
+              <a:t>I</a:t>
+            </a:r>
+            <a:r>
+              <a:rPr lang="en-US" altLang="zh-CN" dirty="0" smtClean="0">
+                <a:solidFill>
+                  <a:schemeClr val="tx1"/>
+                </a:solidFill>
+              </a:rPr>
+              <a:t>D</a:t>
+            </a:r>
+            <a:endParaRPr lang="zh-CN" altLang="en-US" dirty="0">
+              <a:solidFill>
+                <a:schemeClr val="tx1"/>
+              </a:solidFill>
+            </a:endParaRPr>
+          </a:p>
+        </p:txBody>
+      </p:sp>
+      <p:sp>
+        <p:nvSpPr>
+          <p:cNvPr id="13" name="椭圆 12"/>
+          <p:cNvSpPr/>
+          <p:nvPr/>
+        </p:nvSpPr>
+        <p:spPr>
+          <a:xfrm>
+            <a:off x="8143901" y="2589399"/>
+            <a:ext cx="901148" cy="576064"/>
+          </a:xfrm>
+          <a:prstGeom prst="ellipse">
+            <a:avLst/>
+          </a:prstGeom>
+          <a:solidFill>
+            <a:schemeClr val="bg1"/>
+          </a:solidFill>
+          <a:ln>
+            <a:solidFill>
+              <a:schemeClr val="tx1"/>
+            </a:solidFill>
+          </a:ln>
+        </p:spPr>
+        <p:style>
+          <a:lnRef idx="2">
+            <a:schemeClr val="accent1">
+              <a:shade val="50000"/>
+            </a:schemeClr>
+          </a:lnRef>
+          <a:fillRef idx="1">
+            <a:schemeClr val="accent1"/>
+          </a:fillRef>
+          <a:effectRef idx="0">
+            <a:schemeClr val="accent1"/>
+          </a:effectRef>
+          <a:fontRef idx="minor">
+            <a:schemeClr val="lt1"/>
+          </a:fontRef>
+        </p:style>
+        <p:txBody>
+          <a:bodyPr rtlCol="0" anchor="ctr"/>
+          <a:lstStyle/>
+          <a:p>
+            <a:pPr algn="ctr"/>
+            <a:r>
+              <a:rPr lang="en-US" altLang="zh-CN" dirty="0" err="1">
+                <a:solidFill>
+                  <a:schemeClr val="tx1"/>
+                </a:solidFill>
+              </a:rPr>
+              <a:t>P</a:t>
+            </a:r>
+            <a:r>
+              <a:rPr lang="en-US" altLang="zh-CN" dirty="0" err="1" smtClean="0">
+                <a:solidFill>
+                  <a:schemeClr val="tx1"/>
+                </a:solidFill>
+              </a:rPr>
+              <a:t>D</a:t>
+            </a:r>
+            <a:endParaRPr lang="zh-CN" altLang="en-US" dirty="0">
+              <a:solidFill>
+                <a:schemeClr val="tx1"/>
+              </a:solidFill>
+            </a:endParaRPr>
+          </a:p>
+        </p:txBody>
+      </p:sp>
+      <p:cxnSp>
+        <p:nvCxnSpPr>
+          <p:cNvPr id="5" name="直接箭头连接符 4"/>
+          <p:cNvCxnSpPr>
+            <a:stCxn id="2" idx="3"/>
+            <a:endCxn id="8" idx="7"/>
+          </p:cNvCxnSpPr>
+          <p:nvPr/>
+        </p:nvCxnSpPr>
+        <p:spPr>
+          <a:xfrm flipH="1">
+            <a:off x="7110783" y="1040381"/>
+            <a:ext cx="501735" cy="588536"/>
+          </a:xfrm>
+          <a:prstGeom prst="straightConnector1">
+            <a:avLst/>
+          </a:prstGeom>
+          <a:ln w="28575">
+            <a:solidFill>
+              <a:schemeClr val="tx1"/>
+            </a:solidFill>
+            <a:tailEnd type="arrow"/>
+          </a:ln>
+        </p:spPr>
+        <p:style>
+          <a:lnRef idx="1">
+            <a:schemeClr val="accent1"/>
+          </a:lnRef>
+          <a:fillRef idx="0">
+            <a:schemeClr val="accent1"/>
+          </a:fillRef>
+          <a:effectRef idx="0">
+            <a:schemeClr val="accent1"/>
+          </a:effectRef>
+          <a:fontRef idx="minor">
+            <a:schemeClr val="tx1"/>
+          </a:fontRef>
+        </p:style>
+      </p:cxnSp>
+      <p:cxnSp>
+        <p:nvCxnSpPr>
+          <p:cNvPr id="16" name="直接箭头连接符 15"/>
+          <p:cNvCxnSpPr>
+            <a:stCxn id="2" idx="4"/>
+            <a:endCxn id="12" idx="0"/>
+          </p:cNvCxnSpPr>
+          <p:nvPr/>
+        </p:nvCxnSpPr>
+        <p:spPr>
+          <a:xfrm flipH="1">
+            <a:off x="7904247" y="1124744"/>
+            <a:ext cx="90127" cy="707842"/>
+          </a:xfrm>
+          <a:prstGeom prst="straightConnector1">
+            <a:avLst/>
+          </a:prstGeom>
+          <a:ln w="28575">
+            <a:solidFill>
+              <a:schemeClr val="tx1"/>
+            </a:solidFill>
+            <a:tailEnd type="arrow"/>
+          </a:ln>
+        </p:spPr>
+        <p:style>
+          <a:lnRef idx="1">
+            <a:schemeClr val="accent1"/>
+          </a:lnRef>
+          <a:fillRef idx="0">
+            <a:schemeClr val="accent1"/>
+          </a:fillRef>
+          <a:effectRef idx="0">
+            <a:schemeClr val="accent1"/>
+          </a:effectRef>
+          <a:fontRef idx="minor">
+            <a:schemeClr val="tx1"/>
+          </a:fontRef>
+        </p:style>
+      </p:cxnSp>
+      <p:cxnSp>
+        <p:nvCxnSpPr>
+          <p:cNvPr id="19" name="直接箭头连接符 18"/>
+          <p:cNvCxnSpPr>
+            <a:endCxn id="13" idx="0"/>
+          </p:cNvCxnSpPr>
+          <p:nvPr/>
+        </p:nvCxnSpPr>
+        <p:spPr>
+          <a:xfrm>
+            <a:off x="8285857" y="1060935"/>
+            <a:ext cx="308618" cy="1528464"/>
+          </a:xfrm>
+          <a:prstGeom prst="straightConnector1">
+            <a:avLst/>
+          </a:prstGeom>
+          <a:ln w="28575">
+            <a:solidFill>
+              <a:schemeClr val="tx1"/>
+            </a:solidFill>
+            <a:tailEnd type="arrow"/>
+          </a:ln>
+        </p:spPr>
+        <p:style>
+          <a:lnRef idx="1">
+            <a:schemeClr val="accent1"/>
+          </a:lnRef>
+          <a:fillRef idx="0">
+            <a:schemeClr val="accent1"/>
+          </a:fillRef>
+          <a:effectRef idx="0">
+            <a:schemeClr val="accent1"/>
+          </a:effectRef>
+          <a:fontRef idx="minor">
+            <a:schemeClr val="tx1"/>
+          </a:fontRef>
+        </p:style>
+      </p:cxnSp>
+      <p:cxnSp>
+        <p:nvCxnSpPr>
+          <p:cNvPr id="21" name="直接箭头连接符 20"/>
+          <p:cNvCxnSpPr>
+            <a:endCxn id="9" idx="0"/>
+          </p:cNvCxnSpPr>
+          <p:nvPr/>
+        </p:nvCxnSpPr>
+        <p:spPr>
+          <a:xfrm flipH="1">
+            <a:off x="6553200" y="2088178"/>
+            <a:ext cx="211281" cy="320472"/>
+          </a:xfrm>
+          <a:prstGeom prst="straightConnector1">
+            <a:avLst/>
+          </a:prstGeom>
+          <a:ln w="28575">
+            <a:solidFill>
+              <a:schemeClr val="tx1"/>
+            </a:solidFill>
+            <a:tailEnd type="arrow"/>
+          </a:ln>
+        </p:spPr>
+        <p:style>
+          <a:lnRef idx="1">
+            <a:schemeClr val="accent1"/>
+          </a:lnRef>
+          <a:fillRef idx="0">
+            <a:schemeClr val="accent1"/>
+          </a:fillRef>
+          <a:effectRef idx="0">
+            <a:schemeClr val="accent1"/>
+          </a:effectRef>
+          <a:fontRef idx="minor">
+            <a:schemeClr val="tx1"/>
+          </a:fontRef>
+        </p:style>
+      </p:cxnSp>
+      <p:cxnSp>
+        <p:nvCxnSpPr>
+          <p:cNvPr id="23" name="直接箭头连接符 22"/>
+          <p:cNvCxnSpPr/>
+          <p:nvPr/>
+        </p:nvCxnSpPr>
+        <p:spPr>
+          <a:xfrm flipH="1">
+            <a:off x="6236613" y="2944779"/>
+            <a:ext cx="190894" cy="294268"/>
+          </a:xfrm>
+          <a:prstGeom prst="straightConnector1">
+            <a:avLst/>
+          </a:prstGeom>
+          <a:ln w="28575">
+            <a:solidFill>
+              <a:schemeClr val="tx1"/>
+            </a:solidFill>
+            <a:tailEnd type="arrow"/>
+          </a:ln>
+        </p:spPr>
+        <p:style>
+          <a:lnRef idx="1">
+            <a:schemeClr val="accent1"/>
+          </a:lnRef>
+          <a:fillRef idx="0">
+            <a:schemeClr val="accent1"/>
+          </a:fillRef>
+          <a:effectRef idx="0">
+            <a:schemeClr val="accent1"/>
+          </a:effectRef>
+          <a:fontRef idx="minor">
+            <a:schemeClr val="tx1"/>
+          </a:fontRef>
+        </p:style>
+      </p:cxnSp>
+      <p:cxnSp>
+        <p:nvCxnSpPr>
+          <p:cNvPr id="26" name="直接箭头连接符 25"/>
+          <p:cNvCxnSpPr>
+            <a:endCxn id="11" idx="2"/>
+          </p:cNvCxnSpPr>
+          <p:nvPr/>
+        </p:nvCxnSpPr>
+        <p:spPr>
+          <a:xfrm>
+            <a:off x="6553200" y="3861048"/>
+            <a:ext cx="397193" cy="216024"/>
+          </a:xfrm>
+          <a:prstGeom prst="straightConnector1">
+            <a:avLst/>
+          </a:prstGeom>
+          <a:ln w="28575">
+            <a:solidFill>
+              <a:schemeClr val="tx1"/>
+            </a:solidFill>
+            <a:tailEnd type="arrow"/>
+          </a:ln>
+        </p:spPr>
+        <p:style>
+          <a:lnRef idx="1">
+            <a:schemeClr val="accent1"/>
+          </a:lnRef>
+          <a:fillRef idx="0">
+            <a:schemeClr val="accent1"/>
+          </a:fillRef>
+          <a:effectRef idx="0">
+            <a:schemeClr val="accent1"/>
+          </a:effectRef>
+          <a:fontRef idx="minor">
+            <a:schemeClr val="tx1"/>
+          </a:fontRef>
+        </p:style>
+      </p:cxnSp>
+      <p:cxnSp>
+        <p:nvCxnSpPr>
+          <p:cNvPr id="31" name="直接箭头连接符 30"/>
+          <p:cNvCxnSpPr>
+            <a:endCxn id="10" idx="6"/>
+          </p:cNvCxnSpPr>
+          <p:nvPr/>
+        </p:nvCxnSpPr>
+        <p:spPr>
+          <a:xfrm flipH="1">
+            <a:off x="6745222" y="2408650"/>
+            <a:ext cx="867297" cy="1145884"/>
+          </a:xfrm>
+          <a:prstGeom prst="straightConnector1">
+            <a:avLst/>
+          </a:prstGeom>
+          <a:ln w="28575">
+            <a:solidFill>
+              <a:schemeClr val="tx1"/>
+            </a:solidFill>
+            <a:tailEnd type="arrow"/>
+          </a:ln>
+        </p:spPr>
+        <p:style>
+          <a:lnRef idx="1">
+            <a:schemeClr val="accent1"/>
+          </a:lnRef>
+          <a:fillRef idx="0">
+            <a:schemeClr val="accent1"/>
+          </a:fillRef>
+          <a:effectRef idx="0">
+            <a:schemeClr val="accent1"/>
+          </a:effectRef>
+          <a:fontRef idx="minor">
+            <a:schemeClr val="tx1"/>
+          </a:fontRef>
+        </p:style>
+      </p:cxnSp>
+      <p:cxnSp>
+        <p:nvCxnSpPr>
+          <p:cNvPr id="34" name="直接箭头连接符 33"/>
+          <p:cNvCxnSpPr/>
+          <p:nvPr/>
+        </p:nvCxnSpPr>
+        <p:spPr>
+          <a:xfrm flipH="1">
+            <a:off x="6941288" y="1124744"/>
+            <a:ext cx="831619" cy="1417938"/>
+          </a:xfrm>
+          <a:prstGeom prst="straightConnector1">
+            <a:avLst/>
+          </a:prstGeom>
+          <a:ln w="28575">
+            <a:solidFill>
+              <a:schemeClr val="tx1"/>
+            </a:solidFill>
+            <a:tailEnd type="arrow"/>
+          </a:ln>
+        </p:spPr>
+        <p:style>
+          <a:lnRef idx="1">
+            <a:schemeClr val="accent1"/>
+          </a:lnRef>
+          <a:fillRef idx="0">
+            <a:schemeClr val="accent1"/>
+          </a:fillRef>
+          <a:effectRef idx="0">
+            <a:schemeClr val="accent1"/>
+          </a:effectRef>
+          <a:fontRef idx="minor">
+            <a:schemeClr val="tx1"/>
+          </a:fontRef>
+        </p:style>
+      </p:cxnSp>
     </p:spTree>
   </p:cSld>
   <p:clrMapOvr>
@@ -9644,7 +10527,7 @@
       </p:grpSpPr>
       <p:sp>
         <p:nvSpPr>
-          <p:cNvPr id="16386" name="灯片编号占位符 5"/>
+          <p:cNvPr id="15362" name="灯片编号占位符 5"/>
           <p:cNvSpPr txBox="1">
             <a:spLocks noGrp="1" noChangeArrowheads="1"/>
           </p:cNvSpPr>
@@ -9793,7 +10676,7 @@
           </a:lstStyle>
           <a:p>
             <a:pPr algn="r" eaLnBrk="1" hangingPunct="1"/>
-            <a:fld id="{6FA05666-32E4-4894-ACAF-FE6724F73801}" type="slidenum">
+            <a:fld id="{B988212B-E1FB-4A08-8B74-6D9A6F1B0B4E}" type="slidenum">
               <a:rPr lang="en-US" altLang="zh-CN" sz="1200"/>
               <a:pPr algn="r" eaLnBrk="1" hangingPunct="1"/>
               <a:t>14</a:t>
@@ -9804,7 +10687,7 @@
       </p:sp>
       <p:sp>
         <p:nvSpPr>
-          <p:cNvPr id="16387" name="Rectangle 2"/>
+          <p:cNvPr id="15363" name="Rectangle 2"/>
           <p:cNvSpPr>
             <a:spLocks noGrp="1" noChangeArrowheads="1"/>
           </p:cNvSpPr>
@@ -9837,7 +10720,7 @@
       </p:sp>
       <p:sp>
         <p:nvSpPr>
-          <p:cNvPr id="16388" name="Rectangle 3"/>
+          <p:cNvPr id="15364" name="Rectangle 3"/>
           <p:cNvSpPr>
             <a:spLocks noGrp="1" noChangeArrowheads="1"/>
           </p:cNvSpPr>
@@ -9850,76 +10733,69 @@
           <a:bodyPr/>
           <a:lstStyle/>
           <a:p>
-            <a:pPr eaLnBrk="1" hangingPunct="1"/>
-            <a:r>
-              <a:rPr lang="zh-CN" sz="3800" b="1" smtClean="0">
-                <a:solidFill>
-                  <a:srgbClr val="0000FF"/>
-                </a:solidFill>
-                <a:ea typeface="华文新魏" pitchFamily="2" charset="-122"/>
-              </a:rPr>
-              <a:t>捉虫实践</a:t>
-            </a:r>
-            <a:r>
-              <a:rPr lang="en-US" altLang="zh-CN" sz="3800" b="1" smtClean="0">
-                <a:solidFill>
-                  <a:srgbClr val="0000FF"/>
-                </a:solidFill>
-                <a:ea typeface="华文新魏" pitchFamily="2" charset="-122"/>
-              </a:rPr>
-              <a:t>4</a:t>
-            </a:r>
-            <a:r>
-              <a:rPr lang="zh-CN" sz="3800" b="1" smtClean="0">
-                <a:solidFill>
-                  <a:srgbClr val="0000FF"/>
-                </a:solidFill>
-                <a:ea typeface="华文新魏" pitchFamily="2" charset="-122"/>
-              </a:rPr>
-              <a:t>：第二日问题</a:t>
-            </a:r>
-            <a:endParaRPr lang="en-US" sz="3800" b="1" smtClean="0">
-              <a:solidFill>
-                <a:srgbClr val="0000FF"/>
-              </a:solidFill>
-              <a:ea typeface="华文新魏" pitchFamily="2" charset="-122"/>
-            </a:endParaRPr>
-          </a:p>
-          <a:p>
-            <a:pPr eaLnBrk="1" hangingPunct="1"/>
-            <a:r>
-              <a:rPr lang="zh-CN" sz="3800" b="1" smtClean="0">
-                <a:solidFill>
-                  <a:srgbClr val="0000FF"/>
-                </a:solidFill>
-                <a:ea typeface="华文新魏" pitchFamily="2" charset="-122"/>
-              </a:rPr>
-              <a:t>将所有</a:t>
-            </a:r>
-            <a:r>
-              <a:rPr lang="en-US" altLang="zh-CN" sz="3800" b="1" smtClean="0">
-                <a:solidFill>
-                  <a:srgbClr val="0000FF"/>
-                </a:solidFill>
-                <a:ea typeface="华文新魏" pitchFamily="2" charset="-122"/>
-              </a:rPr>
-              <a:t>7</a:t>
-            </a:r>
-            <a:r>
-              <a:rPr lang="zh-CN" sz="3800" b="1" smtClean="0">
-                <a:solidFill>
-                  <a:srgbClr val="0000FF"/>
-                </a:solidFill>
-                <a:ea typeface="华文新魏" pitchFamily="2" charset="-122"/>
-              </a:rPr>
-              <a:t>个模块放在一起进行测试，即仅需一个测试用例，达到用例规模的最小化。</a:t>
-            </a:r>
-            <a:endParaRPr lang="en-US" sz="3800" b="1" smtClean="0">
-              <a:solidFill>
-                <a:srgbClr val="0000FF"/>
-              </a:solidFill>
-              <a:ea typeface="华文新魏" pitchFamily="2" charset="-122"/>
-            </a:endParaRPr>
+            <a:pPr algn="just" eaLnBrk="1" hangingPunct="1"/>
+            <a:r>
+              <a:rPr lang="zh-CN" sz="3400" b="1" smtClean="0"/>
+              <a:t>大爆炸集成</a:t>
+            </a:r>
+            <a:endParaRPr lang="en-US" sz="3400" b="1" smtClean="0"/>
+          </a:p>
+          <a:p>
+            <a:pPr algn="just" eaLnBrk="1" hangingPunct="1"/>
+            <a:r>
+              <a:rPr lang="zh-CN" sz="3400" b="1" smtClean="0"/>
+              <a:t>基本思想：将所有经过单元测试的模块一次性组装到被测系统中进行测试，完全不考虑模块之间的依赖性和可能的风险</a:t>
+            </a:r>
+          </a:p>
+        </p:txBody>
+      </p:sp>
+      <p:sp>
+        <p:nvSpPr>
+          <p:cNvPr id="15365" name="Rectangle 6"/>
+          <p:cNvSpPr>
+            <a:spLocks noChangeArrowheads="1"/>
+          </p:cNvSpPr>
+          <p:nvPr/>
+        </p:nvSpPr>
+        <p:spPr bwMode="auto">
+          <a:xfrm>
+            <a:off x="0" y="2476500"/>
+            <a:ext cx="9144000" cy="0"/>
+          </a:xfrm>
+          <a:prstGeom prst="rect">
+            <a:avLst/>
+          </a:prstGeom>
+          <a:noFill/>
+          <a:ln>
+            <a:noFill/>
+          </a:ln>
+          <a:extLst>
+            <a:ext uri="{909E8E84-426E-40DD-AFC4-6F175D3DCCD1}">
+              <a14:hiddenFill xmlns:a14="http://schemas.microsoft.com/office/drawing/2010/main">
+                <a:solidFill>
+                  <a:srgbClr val="FFFFFF"/>
+                </a:solidFill>
+              </a14:hiddenFill>
+            </a:ext>
+            <a:ext uri="{91240B29-F687-4F45-9708-019B960494DF}">
+              <a14:hiddenLine xmlns:a14="http://schemas.microsoft.com/office/drawing/2010/main" w="9525">
+                <a:solidFill>
+                  <a:srgbClr val="000000"/>
+                </a:solidFill>
+                <a:miter lim="800000"/>
+                <a:headEnd/>
+                <a:tailEnd/>
+              </a14:hiddenLine>
+            </a:ext>
+          </a:extLst>
+        </p:spPr>
+        <p:txBody>
+          <a:bodyPr wrap="none" anchor="ctr">
+            <a:spAutoFit/>
+          </a:bodyPr>
+          <a:lstStyle/>
+          <a:p>
+            <a:endParaRPr lang="zh-CN" altLang="zh-CN"/>
           </a:p>
         </p:txBody>
       </p:sp>
@@ -9951,7 +10827,7 @@
       </p:grpSpPr>
       <p:sp>
         <p:nvSpPr>
-          <p:cNvPr id="17410" name="灯片编号占位符 5"/>
+          <p:cNvPr id="16386" name="灯片编号占位符 5"/>
           <p:cNvSpPr txBox="1">
             <a:spLocks noGrp="1" noChangeArrowheads="1"/>
           </p:cNvSpPr>
@@ -10100,7 +10976,7 @@
           </a:lstStyle>
           <a:p>
             <a:pPr algn="r" eaLnBrk="1" hangingPunct="1"/>
-            <a:fld id="{78287C2F-9AB2-401B-BA3C-A1605BE67885}" type="slidenum">
+            <a:fld id="{6FA05666-32E4-4894-ACAF-FE6724F73801}" type="slidenum">
               <a:rPr lang="en-US" altLang="zh-CN" sz="1200"/>
               <a:pPr algn="r" eaLnBrk="1" hangingPunct="1"/>
               <a:t>15</a:t>
@@ -10111,7 +10987,7 @@
       </p:sp>
       <p:sp>
         <p:nvSpPr>
-          <p:cNvPr id="17411" name="Rectangle 2"/>
+          <p:cNvPr id="16387" name="Rectangle 2"/>
           <p:cNvSpPr>
             <a:spLocks noGrp="1" noChangeArrowheads="1"/>
           </p:cNvSpPr>
@@ -10144,7 +11020,7 @@
       </p:sp>
       <p:sp>
         <p:nvSpPr>
-          <p:cNvPr id="17412" name="Rectangle 3"/>
+          <p:cNvPr id="16388" name="Rectangle 3"/>
           <p:cNvSpPr>
             <a:spLocks noGrp="1" noChangeArrowheads="1"/>
           </p:cNvSpPr>
@@ -10157,96 +11033,76 @@
           <a:bodyPr/>
           <a:lstStyle/>
           <a:p>
-            <a:pPr algn="just" eaLnBrk="1" hangingPunct="1"/>
-            <a:r>
-              <a:rPr lang="zh-CN" sz="3400" b="1" smtClean="0"/>
-              <a:t>自顶向下的集成</a:t>
-            </a:r>
-            <a:r>
-              <a:rPr lang="en-US" altLang="zh-CN" sz="3400" b="1" smtClean="0"/>
-              <a:t>(Top Down)</a:t>
-            </a:r>
-          </a:p>
-          <a:p>
-            <a:pPr algn="just" eaLnBrk="1" hangingPunct="1"/>
-            <a:r>
-              <a:rPr lang="zh-CN" sz="3400" b="1" smtClean="0"/>
-              <a:t>基本思想：</a:t>
-            </a:r>
-            <a:r>
-              <a:rPr lang="en-US" sz="3400" b="1" smtClean="0"/>
-              <a:t> </a:t>
-            </a:r>
-            <a:r>
-              <a:rPr lang="zh-CN" sz="3400" b="1" smtClean="0"/>
-              <a:t>从主控模块</a:t>
-            </a:r>
-            <a:r>
-              <a:rPr lang="en-US" altLang="zh-CN" sz="3400" b="1" smtClean="0"/>
-              <a:t>(</a:t>
-            </a:r>
-            <a:r>
-              <a:rPr lang="zh-CN" sz="3400" b="1" smtClean="0"/>
-              <a:t>主程序，即根节点</a:t>
-            </a:r>
-            <a:r>
-              <a:rPr lang="en-US" altLang="zh-CN" sz="3400" b="1" smtClean="0"/>
-              <a:t>)</a:t>
-            </a:r>
-            <a:r>
-              <a:rPr lang="zh-CN" sz="3400" b="1" smtClean="0"/>
-              <a:t>开始，按照系统程序结构，沿着控制层次从上而下，逐渐将各模块组装起来</a:t>
-            </a:r>
-          </a:p>
-        </p:txBody>
-      </p:sp>
-      <p:sp>
-        <p:nvSpPr>
-          <p:cNvPr id="17413" name="Rectangle 6"/>
-          <p:cNvSpPr>
-            <a:spLocks noChangeArrowheads="1"/>
-          </p:cNvSpPr>
-          <p:nvPr/>
-        </p:nvSpPr>
-        <p:spPr bwMode="auto">
-          <a:xfrm>
-            <a:off x="0" y="2476500"/>
-            <a:ext cx="9144000" cy="0"/>
-          </a:xfrm>
-          <a:prstGeom prst="rect">
-            <a:avLst/>
-          </a:prstGeom>
-          <a:noFill/>
-          <a:ln>
-            <a:noFill/>
-          </a:ln>
-          <a:extLst>
-            <a:ext uri="{909E8E84-426E-40DD-AFC4-6F175D3DCCD1}">
-              <a14:hiddenFill xmlns:a14="http://schemas.microsoft.com/office/drawing/2010/main">
-                <a:solidFill>
-                  <a:srgbClr val="FFFFFF"/>
-                </a:solidFill>
-              </a14:hiddenFill>
-            </a:ext>
-            <a:ext uri="{91240B29-F687-4F45-9708-019B960494DF}">
-              <a14:hiddenLine xmlns:a14="http://schemas.microsoft.com/office/drawing/2010/main" w="9525">
-                <a:solidFill>
-                  <a:srgbClr val="000000"/>
-                </a:solidFill>
-                <a:miter lim="800000"/>
-                <a:headEnd/>
-                <a:tailEnd/>
-              </a14:hiddenLine>
-            </a:ext>
-          </a:extLst>
-        </p:spPr>
-        <p:txBody>
-          <a:bodyPr wrap="none" anchor="ctr">
-            <a:spAutoFit/>
-          </a:bodyPr>
-          <a:lstStyle/>
-          <a:p>
-            <a:endParaRPr lang="zh-CN" altLang="zh-CN"/>
+            <a:pPr eaLnBrk="1" hangingPunct="1"/>
+            <a:r>
+              <a:rPr lang="zh-CN" sz="3800" b="1" smtClean="0">
+                <a:solidFill>
+                  <a:srgbClr val="0000FF"/>
+                </a:solidFill>
+                <a:ea typeface="华文新魏" pitchFamily="2" charset="-122"/>
+              </a:rPr>
+              <a:t>捉虫实践</a:t>
+            </a:r>
+            <a:r>
+              <a:rPr lang="en-US" altLang="zh-CN" sz="3800" b="1" smtClean="0">
+                <a:solidFill>
+                  <a:srgbClr val="0000FF"/>
+                </a:solidFill>
+                <a:ea typeface="华文新魏" pitchFamily="2" charset="-122"/>
+              </a:rPr>
+              <a:t>4</a:t>
+            </a:r>
+            <a:r>
+              <a:rPr lang="zh-CN" sz="3800" b="1" smtClean="0">
+                <a:solidFill>
+                  <a:srgbClr val="0000FF"/>
+                </a:solidFill>
+                <a:ea typeface="华文新魏" pitchFamily="2" charset="-122"/>
+              </a:rPr>
+              <a:t>：第二日问题</a:t>
+            </a:r>
+            <a:endParaRPr lang="en-US" sz="3800" b="1" smtClean="0">
+              <a:solidFill>
+                <a:srgbClr val="0000FF"/>
+              </a:solidFill>
+              <a:ea typeface="华文新魏" pitchFamily="2" charset="-122"/>
+            </a:endParaRPr>
+          </a:p>
+          <a:p>
+            <a:pPr eaLnBrk="1" hangingPunct="1"/>
+            <a:r>
+              <a:rPr lang="zh-CN" sz="3800" b="1" smtClean="0">
+                <a:solidFill>
+                  <a:srgbClr val="0000FF"/>
+                </a:solidFill>
+                <a:ea typeface="华文新魏" pitchFamily="2" charset="-122"/>
+              </a:rPr>
+              <a:t>将所有</a:t>
+            </a:r>
+            <a:r>
+              <a:rPr lang="en-US" altLang="zh-CN" sz="3800" b="1" smtClean="0">
+                <a:solidFill>
+                  <a:srgbClr val="0000FF"/>
+                </a:solidFill>
+                <a:ea typeface="华文新魏" pitchFamily="2" charset="-122"/>
+              </a:rPr>
+              <a:t>7</a:t>
+            </a:r>
+            <a:r>
+              <a:rPr lang="zh-CN" sz="3800" b="1" smtClean="0">
+                <a:solidFill>
+                  <a:srgbClr val="0000FF"/>
+                </a:solidFill>
+                <a:ea typeface="华文新魏" pitchFamily="2" charset="-122"/>
+              </a:rPr>
+              <a:t>个模块放在一起进行测试，即仅需一个测试用例，达到用例规模的最小化。</a:t>
+            </a:r>
+            <a:endParaRPr lang="en-US" sz="3800" b="1" smtClean="0">
+              <a:solidFill>
+                <a:srgbClr val="0000FF"/>
+              </a:solidFill>
+              <a:ea typeface="华文新魏" pitchFamily="2" charset="-122"/>
+            </a:endParaRPr>
           </a:p>
         </p:txBody>
       </p:sp>
@@ -10278,7 +11134,7 @@
       </p:grpSpPr>
       <p:sp>
         <p:nvSpPr>
-          <p:cNvPr id="18434" name="灯片编号占位符 5"/>
+          <p:cNvPr id="17410" name="灯片编号占位符 5"/>
           <p:cNvSpPr txBox="1">
             <a:spLocks noGrp="1" noChangeArrowheads="1"/>
           </p:cNvSpPr>
@@ -10427,10 +11283,337 @@
           </a:lstStyle>
           <a:p>
             <a:pPr algn="r" eaLnBrk="1" hangingPunct="1"/>
+            <a:fld id="{78287C2F-9AB2-401B-BA3C-A1605BE67885}" type="slidenum">
+              <a:rPr lang="en-US" altLang="zh-CN" sz="1200"/>
+              <a:pPr algn="r" eaLnBrk="1" hangingPunct="1"/>
+              <a:t>16</a:t>
+            </a:fld>
+            <a:endParaRPr lang="en-US" altLang="zh-CN" sz="1200"/>
+          </a:p>
+        </p:txBody>
+      </p:sp>
+      <p:sp>
+        <p:nvSpPr>
+          <p:cNvPr id="17411" name="Rectangle 2"/>
+          <p:cNvSpPr>
+            <a:spLocks noGrp="1" noChangeArrowheads="1"/>
+          </p:cNvSpPr>
+          <p:nvPr>
+            <p:ph type="title" idx="4294967295"/>
+          </p:nvPr>
+        </p:nvSpPr>
+        <p:spPr/>
+        <p:txBody>
+          <a:bodyPr/>
+          <a:lstStyle/>
+          <a:p>
+            <a:pPr eaLnBrk="1" hangingPunct="1"/>
+            <a:r>
+              <a:rPr lang="en-US" altLang="zh-CN" b="1" smtClean="0">
+                <a:latin typeface="黑体" pitchFamily="49" charset="-122"/>
+                <a:ea typeface="黑体" pitchFamily="49" charset="-122"/>
+              </a:rPr>
+              <a:t>8.4 </a:t>
+            </a:r>
+            <a:r>
+              <a:rPr lang="zh-CN" b="1" smtClean="0">
+                <a:latin typeface="黑体" pitchFamily="49" charset="-122"/>
+                <a:ea typeface="黑体" pitchFamily="49" charset="-122"/>
+              </a:rPr>
+              <a:t>集成测试遍历顺序的设计</a:t>
+            </a:r>
+          </a:p>
+        </p:txBody>
+      </p:sp>
+      <p:sp>
+        <p:nvSpPr>
+          <p:cNvPr id="17412" name="Rectangle 3"/>
+          <p:cNvSpPr>
+            <a:spLocks noGrp="1" noChangeArrowheads="1"/>
+          </p:cNvSpPr>
+          <p:nvPr>
+            <p:ph type="body" idx="4294967295"/>
+          </p:nvPr>
+        </p:nvSpPr>
+        <p:spPr/>
+        <p:txBody>
+          <a:bodyPr/>
+          <a:lstStyle/>
+          <a:p>
+            <a:pPr algn="just" eaLnBrk="1" hangingPunct="1"/>
+            <a:r>
+              <a:rPr lang="zh-CN" sz="3400" b="1" smtClean="0"/>
+              <a:t>自顶向下的集成</a:t>
+            </a:r>
+            <a:r>
+              <a:rPr lang="en-US" altLang="zh-CN" sz="3400" b="1" smtClean="0"/>
+              <a:t>(Top Down)</a:t>
+            </a:r>
+          </a:p>
+          <a:p>
+            <a:pPr algn="just" eaLnBrk="1" hangingPunct="1"/>
+            <a:r>
+              <a:rPr lang="zh-CN" sz="3400" b="1" smtClean="0"/>
+              <a:t>基本思想：</a:t>
+            </a:r>
+            <a:r>
+              <a:rPr lang="en-US" sz="3400" b="1" smtClean="0"/>
+              <a:t> </a:t>
+            </a:r>
+            <a:r>
+              <a:rPr lang="zh-CN" sz="3400" b="1" smtClean="0"/>
+              <a:t>从主控模块</a:t>
+            </a:r>
+            <a:r>
+              <a:rPr lang="en-US" altLang="zh-CN" sz="3400" b="1" smtClean="0"/>
+              <a:t>(</a:t>
+            </a:r>
+            <a:r>
+              <a:rPr lang="zh-CN" sz="3400" b="1" smtClean="0"/>
+              <a:t>主程序，即根节点</a:t>
+            </a:r>
+            <a:r>
+              <a:rPr lang="en-US" altLang="zh-CN" sz="3400" b="1" smtClean="0"/>
+              <a:t>)</a:t>
+            </a:r>
+            <a:r>
+              <a:rPr lang="zh-CN" sz="3400" b="1" smtClean="0"/>
+              <a:t>开始，按照系统程序结构，沿着控制层次从上而下，逐渐将各模块组装起来</a:t>
+            </a:r>
+          </a:p>
+        </p:txBody>
+      </p:sp>
+      <p:sp>
+        <p:nvSpPr>
+          <p:cNvPr id="17413" name="Rectangle 6"/>
+          <p:cNvSpPr>
+            <a:spLocks noChangeArrowheads="1"/>
+          </p:cNvSpPr>
+          <p:nvPr/>
+        </p:nvSpPr>
+        <p:spPr bwMode="auto">
+          <a:xfrm>
+            <a:off x="0" y="2476500"/>
+            <a:ext cx="9144000" cy="0"/>
+          </a:xfrm>
+          <a:prstGeom prst="rect">
+            <a:avLst/>
+          </a:prstGeom>
+          <a:noFill/>
+          <a:ln>
+            <a:noFill/>
+          </a:ln>
+          <a:extLst>
+            <a:ext uri="{909E8E84-426E-40DD-AFC4-6F175D3DCCD1}">
+              <a14:hiddenFill xmlns:a14="http://schemas.microsoft.com/office/drawing/2010/main">
+                <a:solidFill>
+                  <a:srgbClr val="FFFFFF"/>
+                </a:solidFill>
+              </a14:hiddenFill>
+            </a:ext>
+            <a:ext uri="{91240B29-F687-4F45-9708-019B960494DF}">
+              <a14:hiddenLine xmlns:a14="http://schemas.microsoft.com/office/drawing/2010/main" w="9525">
+                <a:solidFill>
+                  <a:srgbClr val="000000"/>
+                </a:solidFill>
+                <a:miter lim="800000"/>
+                <a:headEnd/>
+                <a:tailEnd/>
+              </a14:hiddenLine>
+            </a:ext>
+          </a:extLst>
+        </p:spPr>
+        <p:txBody>
+          <a:bodyPr wrap="none" anchor="ctr">
+            <a:spAutoFit/>
+          </a:bodyPr>
+          <a:lstStyle/>
+          <a:p>
+            <a:endParaRPr lang="zh-CN" altLang="zh-CN"/>
+          </a:p>
+        </p:txBody>
+      </p:sp>
+    </p:spTree>
+  </p:cSld>
+  <p:clrMapOvr>
+    <a:masterClrMapping/>
+  </p:clrMapOvr>
+  <p:transition/>
+</p:sld>
+</file>
+
+<file path=ppt/slides/slide17.xml><?xml version="1.0" encoding="utf-8"?>
+<p:sld xmlns:a="http://schemas.openxmlformats.org/drawingml/2006/main" xmlns:r="http://schemas.openxmlformats.org/officeDocument/2006/relationships" xmlns:p="http://schemas.openxmlformats.org/presentationml/2006/main">
+  <p:cSld>
+    <p:spTree>
+      <p:nvGrpSpPr>
+        <p:cNvPr id="1" name=""/>
+        <p:cNvGrpSpPr/>
+        <p:nvPr/>
+      </p:nvGrpSpPr>
+      <p:grpSpPr>
+        <a:xfrm>
+          <a:off x="0" y="0"/>
+          <a:ext cx="0" cy="0"/>
+          <a:chOff x="0" y="0"/>
+          <a:chExt cx="0" cy="0"/>
+        </a:xfrm>
+      </p:grpSpPr>
+      <p:sp>
+        <p:nvSpPr>
+          <p:cNvPr id="18434" name="灯片编号占位符 5"/>
+          <p:cNvSpPr txBox="1">
+            <a:spLocks noGrp="1" noChangeArrowheads="1"/>
+          </p:cNvSpPr>
+          <p:nvPr/>
+        </p:nvSpPr>
+        <p:spPr bwMode="auto">
+          <a:xfrm>
+            <a:off x="6553200" y="6245225"/>
+            <a:ext cx="1981200" cy="476250"/>
+          </a:xfrm>
+          <a:prstGeom prst="rect">
+            <a:avLst/>
+          </a:prstGeom>
+          <a:noFill/>
+          <a:ln>
+            <a:noFill/>
+          </a:ln>
+          <a:extLst>
+            <a:ext uri="{909E8E84-426E-40DD-AFC4-6F175D3DCCD1}">
+              <a14:hiddenFill xmlns:a14="http://schemas.microsoft.com/office/drawing/2010/main">
+                <a:solidFill>
+                  <a:srgbClr val="FFFFFF"/>
+                </a:solidFill>
+              </a14:hiddenFill>
+            </a:ext>
+            <a:ext uri="{91240B29-F687-4F45-9708-019B960494DF}">
+              <a14:hiddenLine xmlns:a14="http://schemas.microsoft.com/office/drawing/2010/main" w="9525">
+                <a:solidFill>
+                  <a:srgbClr val="000000"/>
+                </a:solidFill>
+                <a:miter lim="800000"/>
+                <a:headEnd/>
+                <a:tailEnd/>
+              </a14:hiddenLine>
+            </a:ext>
+          </a:extLst>
+        </p:spPr>
+        <p:txBody>
+          <a:bodyPr/>
+          <a:lstStyle>
+            <a:lvl1pPr eaLnBrk="0" hangingPunct="0">
+              <a:defRPr>
+                <a:solidFill>
+                  <a:schemeClr val="tx1"/>
+                </a:solidFill>
+                <a:latin typeface="Verdana" pitchFamily="34" charset="0"/>
+                <a:ea typeface="宋体" pitchFamily="2" charset="-122"/>
+              </a:defRPr>
+            </a:lvl1pPr>
+            <a:lvl2pPr marL="742950" indent="-285750" eaLnBrk="0" hangingPunct="0">
+              <a:defRPr>
+                <a:solidFill>
+                  <a:schemeClr val="tx1"/>
+                </a:solidFill>
+                <a:latin typeface="Verdana" pitchFamily="34" charset="0"/>
+                <a:ea typeface="宋体" pitchFamily="2" charset="-122"/>
+              </a:defRPr>
+            </a:lvl2pPr>
+            <a:lvl3pPr marL="1143000" indent="-228600" eaLnBrk="0" hangingPunct="0">
+              <a:defRPr>
+                <a:solidFill>
+                  <a:schemeClr val="tx1"/>
+                </a:solidFill>
+                <a:latin typeface="Verdana" pitchFamily="34" charset="0"/>
+                <a:ea typeface="宋体" pitchFamily="2" charset="-122"/>
+              </a:defRPr>
+            </a:lvl3pPr>
+            <a:lvl4pPr marL="1600200" indent="-228600" eaLnBrk="0" hangingPunct="0">
+              <a:defRPr>
+                <a:solidFill>
+                  <a:schemeClr val="tx1"/>
+                </a:solidFill>
+                <a:latin typeface="Verdana" pitchFamily="34" charset="0"/>
+                <a:ea typeface="宋体" pitchFamily="2" charset="-122"/>
+              </a:defRPr>
+            </a:lvl4pPr>
+            <a:lvl5pPr marL="2057400" indent="-228600" eaLnBrk="0" hangingPunct="0">
+              <a:defRPr>
+                <a:solidFill>
+                  <a:schemeClr val="tx1"/>
+                </a:solidFill>
+                <a:latin typeface="Verdana" pitchFamily="34" charset="0"/>
+                <a:ea typeface="宋体" pitchFamily="2" charset="-122"/>
+              </a:defRPr>
+            </a:lvl5pPr>
+            <a:lvl6pPr marL="2514600" indent="-228600" eaLnBrk="0" fontAlgn="base" hangingPunct="0">
+              <a:spcBef>
+                <a:spcPct val="0"/>
+              </a:spcBef>
+              <a:spcAft>
+                <a:spcPct val="0"/>
+              </a:spcAft>
+              <a:defRPr>
+                <a:solidFill>
+                  <a:schemeClr val="tx1"/>
+                </a:solidFill>
+                <a:latin typeface="Verdana" pitchFamily="34" charset="0"/>
+                <a:ea typeface="宋体" pitchFamily="2" charset="-122"/>
+              </a:defRPr>
+            </a:lvl6pPr>
+            <a:lvl7pPr marL="2971800" indent="-228600" eaLnBrk="0" fontAlgn="base" hangingPunct="0">
+              <a:spcBef>
+                <a:spcPct val="0"/>
+              </a:spcBef>
+              <a:spcAft>
+                <a:spcPct val="0"/>
+              </a:spcAft>
+              <a:defRPr>
+                <a:solidFill>
+                  <a:schemeClr val="tx1"/>
+                </a:solidFill>
+                <a:latin typeface="Verdana" pitchFamily="34" charset="0"/>
+                <a:ea typeface="宋体" pitchFamily="2" charset="-122"/>
+              </a:defRPr>
+            </a:lvl7pPr>
+            <a:lvl8pPr marL="3429000" indent="-228600" eaLnBrk="0" fontAlgn="base" hangingPunct="0">
+              <a:spcBef>
+                <a:spcPct val="0"/>
+              </a:spcBef>
+              <a:spcAft>
+                <a:spcPct val="0"/>
+              </a:spcAft>
+              <a:defRPr>
+                <a:solidFill>
+                  <a:schemeClr val="tx1"/>
+                </a:solidFill>
+                <a:latin typeface="Verdana" pitchFamily="34" charset="0"/>
+                <a:ea typeface="宋体" pitchFamily="2" charset="-122"/>
+              </a:defRPr>
+            </a:lvl8pPr>
+            <a:lvl9pPr marL="3886200" indent="-228600" eaLnBrk="0" fontAlgn="base" hangingPunct="0">
+              <a:spcBef>
+                <a:spcPct val="0"/>
+              </a:spcBef>
+              <a:spcAft>
+                <a:spcPct val="0"/>
+              </a:spcAft>
+              <a:defRPr>
+                <a:solidFill>
+                  <a:schemeClr val="tx1"/>
+                </a:solidFill>
+                <a:latin typeface="Verdana" pitchFamily="34" charset="0"/>
+                <a:ea typeface="宋体" pitchFamily="2" charset="-122"/>
+              </a:defRPr>
+            </a:lvl9pPr>
+          </a:lstStyle>
+          <a:p>
+            <a:pPr algn="r" eaLnBrk="1" hangingPunct="1"/>
             <a:fld id="{B7502768-DA50-4244-8BC3-92EA9827F389}" type="slidenum">
               <a:rPr lang="en-US" altLang="zh-CN" sz="1200"/>
               <a:pPr algn="r" eaLnBrk="1" hangingPunct="1"/>
-              <a:t>16</a:t>
+              <a:t>17</a:t>
             </a:fld>
             <a:endParaRPr lang="en-US" altLang="zh-CN" sz="1200"/>
           </a:p>
@@ -10614,7 +11797,7 @@
           <a:graphicData uri="http://schemas.openxmlformats.org/presentationml/2006/ole">
             <mc:AlternateContent xmlns:mc="http://schemas.openxmlformats.org/markup-compatibility/2006">
               <mc:Choice xmlns:v="urn:schemas-microsoft-com:vml" Requires="v">
-                <p:oleObj spid="_x0000_s18439" r:id="rId3" imgW="3552120" imgH="1159560" progId="Visio.Drawing.11">
+                <p:oleObj spid="_x0000_s18446" r:id="rId3" imgW="3552120" imgH="1159560" progId="Visio.Drawing.11">
                   <p:embed/>
                 </p:oleObj>
               </mc:Choice>
@@ -10690,7 +11873,7 @@
 </p:sld>
 </file>
 
-<file path=ppt/slides/slide17.xml><?xml version="1.0" encoding="utf-8"?>
+<file path=ppt/slides/slide18.xml><?xml version="1.0" encoding="utf-8"?>
 <p:sld xmlns:a="http://schemas.openxmlformats.org/drawingml/2006/main" xmlns:r="http://schemas.openxmlformats.org/officeDocument/2006/relationships" xmlns:p="http://schemas.openxmlformats.org/presentationml/2006/main">
   <p:cSld>
     <p:spTree>
@@ -10861,7 +12044,7 @@
             <a:fld id="{C5A9FF23-C0B0-4F58-82A3-7AD147FBFED9}" type="slidenum">
               <a:rPr lang="en-US" altLang="zh-CN" sz="1200"/>
               <a:pPr algn="r" eaLnBrk="1" hangingPunct="1"/>
-              <a:t>17</a:t>
+              <a:t>18</a:t>
             </a:fld>
             <a:endParaRPr lang="en-US" altLang="zh-CN" sz="1200"/>
           </a:p>
@@ -11059,7 +12242,7 @@
           <a:graphicData uri="http://schemas.openxmlformats.org/presentationml/2006/ole">
             <mc:AlternateContent xmlns:mc="http://schemas.openxmlformats.org/markup-compatibility/2006">
               <mc:Choice xmlns:v="urn:schemas-microsoft-com:vml" Requires="v">
-                <p:oleObj spid="_x0000_s19466" r:id="rId3" imgW="1145160" imgH="1260360" progId="Visio.Drawing.11">
+                <p:oleObj spid="_x0000_s19480" r:id="rId3" imgW="1145160" imgH="1260360" progId="Visio.Drawing.11">
                   <p:embed/>
                 </p:oleObj>
               </mc:Choice>
@@ -11192,7 +12375,7 @@
           <a:graphicData uri="http://schemas.openxmlformats.org/presentationml/2006/ole">
             <mc:AlternateContent xmlns:mc="http://schemas.openxmlformats.org/markup-compatibility/2006">
               <mc:Choice xmlns:v="urn:schemas-microsoft-com:vml" Requires="v">
-                <p:oleObj spid="_x0000_s19467" r:id="rId5" imgW="1337040" imgH="1598040" progId="Visio.Drawing.11">
+                <p:oleObj spid="_x0000_s19481" r:id="rId5" imgW="1337040" imgH="1598040" progId="Visio.Drawing.11">
                   <p:embed/>
                 </p:oleObj>
               </mc:Choice>
@@ -11268,7 +12451,7 @@
 </p:sld>
 </file>
 
-<file path=ppt/slides/slide18.xml><?xml version="1.0" encoding="utf-8"?>
+<file path=ppt/slides/slide19.xml><?xml version="1.0" encoding="utf-8"?>
 <p:sld xmlns:a="http://schemas.openxmlformats.org/drawingml/2006/main" xmlns:r="http://schemas.openxmlformats.org/officeDocument/2006/relationships" xmlns:p="http://schemas.openxmlformats.org/presentationml/2006/main">
   <p:cSld>
     <p:spTree>
@@ -11439,7 +12622,7 @@
             <a:fld id="{4E732999-A853-4D77-8D5D-5883F19D2A25}" type="slidenum">
               <a:rPr lang="en-US" altLang="zh-CN" sz="1200"/>
               <a:pPr algn="r" eaLnBrk="1" hangingPunct="1"/>
-              <a:t>18</a:t>
+              <a:t>19</a:t>
             </a:fld>
             <a:endParaRPr lang="en-US" altLang="zh-CN" sz="1200"/>
           </a:p>
@@ -11737,7 +12920,7 @@
           <a:graphicData uri="http://schemas.openxmlformats.org/presentationml/2006/ole">
             <mc:AlternateContent xmlns:mc="http://schemas.openxmlformats.org/markup-compatibility/2006">
               <mc:Choice xmlns:v="urn:schemas-microsoft-com:vml" Requires="v">
-                <p:oleObj spid="_x0000_s20490" r:id="rId3" imgW="5149800" imgH="1726920" progId="Visio.Drawing.11">
+                <p:oleObj spid="_x0000_s20497" r:id="rId3" imgW="5149800" imgH="1726920" progId="Visio.Drawing.11">
                   <p:embed/>
                 </p:oleObj>
               </mc:Choice>
@@ -11813,320 +12996,6 @@
 </p:sld>
 </file>
 
-<file path=ppt/slides/slide19.xml><?xml version="1.0" encoding="utf-8"?>
-<p:sld xmlns:a="http://schemas.openxmlformats.org/drawingml/2006/main" xmlns:r="http://schemas.openxmlformats.org/officeDocument/2006/relationships" xmlns:p="http://schemas.openxmlformats.org/presentationml/2006/main">
-  <p:cSld>
-    <p:spTree>
-      <p:nvGrpSpPr>
-        <p:cNvPr id="1" name=""/>
-        <p:cNvGrpSpPr/>
-        <p:nvPr/>
-      </p:nvGrpSpPr>
-      <p:grpSpPr>
-        <a:xfrm>
-          <a:off x="0" y="0"/>
-          <a:ext cx="0" cy="0"/>
-          <a:chOff x="0" y="0"/>
-          <a:chExt cx="0" cy="0"/>
-        </a:xfrm>
-      </p:grpSpPr>
-      <p:sp>
-        <p:nvSpPr>
-          <p:cNvPr id="21506" name="灯片编号占位符 5"/>
-          <p:cNvSpPr txBox="1">
-            <a:spLocks noGrp="1" noChangeArrowheads="1"/>
-          </p:cNvSpPr>
-          <p:nvPr/>
-        </p:nvSpPr>
-        <p:spPr bwMode="auto">
-          <a:xfrm>
-            <a:off x="6553200" y="6245225"/>
-            <a:ext cx="1981200" cy="476250"/>
-          </a:xfrm>
-          <a:prstGeom prst="rect">
-            <a:avLst/>
-          </a:prstGeom>
-          <a:noFill/>
-          <a:ln>
-            <a:noFill/>
-          </a:ln>
-          <a:extLst>
-            <a:ext uri="{909E8E84-426E-40DD-AFC4-6F175D3DCCD1}">
-              <a14:hiddenFill xmlns:a14="http://schemas.microsoft.com/office/drawing/2010/main">
-                <a:solidFill>
-                  <a:srgbClr val="FFFFFF"/>
-                </a:solidFill>
-              </a14:hiddenFill>
-            </a:ext>
-            <a:ext uri="{91240B29-F687-4F45-9708-019B960494DF}">
-              <a14:hiddenLine xmlns:a14="http://schemas.microsoft.com/office/drawing/2010/main" w="9525">
-                <a:solidFill>
-                  <a:srgbClr val="000000"/>
-                </a:solidFill>
-                <a:miter lim="800000"/>
-                <a:headEnd/>
-                <a:tailEnd/>
-              </a14:hiddenLine>
-            </a:ext>
-          </a:extLst>
-        </p:spPr>
-        <p:txBody>
-          <a:bodyPr/>
-          <a:lstStyle>
-            <a:lvl1pPr eaLnBrk="0" hangingPunct="0">
-              <a:defRPr>
-                <a:solidFill>
-                  <a:schemeClr val="tx1"/>
-                </a:solidFill>
-                <a:latin typeface="Verdana" pitchFamily="34" charset="0"/>
-                <a:ea typeface="宋体" pitchFamily="2" charset="-122"/>
-              </a:defRPr>
-            </a:lvl1pPr>
-            <a:lvl2pPr marL="742950" indent="-285750" eaLnBrk="0" hangingPunct="0">
-              <a:defRPr>
-                <a:solidFill>
-                  <a:schemeClr val="tx1"/>
-                </a:solidFill>
-                <a:latin typeface="Verdana" pitchFamily="34" charset="0"/>
-                <a:ea typeface="宋体" pitchFamily="2" charset="-122"/>
-              </a:defRPr>
-            </a:lvl2pPr>
-            <a:lvl3pPr marL="1143000" indent="-228600" eaLnBrk="0" hangingPunct="0">
-              <a:defRPr>
-                <a:solidFill>
-                  <a:schemeClr val="tx1"/>
-                </a:solidFill>
-                <a:latin typeface="Verdana" pitchFamily="34" charset="0"/>
-                <a:ea typeface="宋体" pitchFamily="2" charset="-122"/>
-              </a:defRPr>
-            </a:lvl3pPr>
-            <a:lvl4pPr marL="1600200" indent="-228600" eaLnBrk="0" hangingPunct="0">
-              <a:defRPr>
-                <a:solidFill>
-                  <a:schemeClr val="tx1"/>
-                </a:solidFill>
-                <a:latin typeface="Verdana" pitchFamily="34" charset="0"/>
-                <a:ea typeface="宋体" pitchFamily="2" charset="-122"/>
-              </a:defRPr>
-            </a:lvl4pPr>
-            <a:lvl5pPr marL="2057400" indent="-228600" eaLnBrk="0" hangingPunct="0">
-              <a:defRPr>
-                <a:solidFill>
-                  <a:schemeClr val="tx1"/>
-                </a:solidFill>
-                <a:latin typeface="Verdana" pitchFamily="34" charset="0"/>
-                <a:ea typeface="宋体" pitchFamily="2" charset="-122"/>
-              </a:defRPr>
-            </a:lvl5pPr>
-            <a:lvl6pPr marL="2514600" indent="-228600" eaLnBrk="0" fontAlgn="base" hangingPunct="0">
-              <a:spcBef>
-                <a:spcPct val="0"/>
-              </a:spcBef>
-              <a:spcAft>
-                <a:spcPct val="0"/>
-              </a:spcAft>
-              <a:defRPr>
-                <a:solidFill>
-                  <a:schemeClr val="tx1"/>
-                </a:solidFill>
-                <a:latin typeface="Verdana" pitchFamily="34" charset="0"/>
-                <a:ea typeface="宋体" pitchFamily="2" charset="-122"/>
-              </a:defRPr>
-            </a:lvl6pPr>
-            <a:lvl7pPr marL="2971800" indent="-228600" eaLnBrk="0" fontAlgn="base" hangingPunct="0">
-              <a:spcBef>
-                <a:spcPct val="0"/>
-              </a:spcBef>
-              <a:spcAft>
-                <a:spcPct val="0"/>
-              </a:spcAft>
-              <a:defRPr>
-                <a:solidFill>
-                  <a:schemeClr val="tx1"/>
-                </a:solidFill>
-                <a:latin typeface="Verdana" pitchFamily="34" charset="0"/>
-                <a:ea typeface="宋体" pitchFamily="2" charset="-122"/>
-              </a:defRPr>
-            </a:lvl7pPr>
-            <a:lvl8pPr marL="3429000" indent="-228600" eaLnBrk="0" fontAlgn="base" hangingPunct="0">
-              <a:spcBef>
-                <a:spcPct val="0"/>
-              </a:spcBef>
-              <a:spcAft>
-                <a:spcPct val="0"/>
-              </a:spcAft>
-              <a:defRPr>
-                <a:solidFill>
-                  <a:schemeClr val="tx1"/>
-                </a:solidFill>
-                <a:latin typeface="Verdana" pitchFamily="34" charset="0"/>
-                <a:ea typeface="宋体" pitchFamily="2" charset="-122"/>
-              </a:defRPr>
-            </a:lvl8pPr>
-            <a:lvl9pPr marL="3886200" indent="-228600" eaLnBrk="0" fontAlgn="base" hangingPunct="0">
-              <a:spcBef>
-                <a:spcPct val="0"/>
-              </a:spcBef>
-              <a:spcAft>
-                <a:spcPct val="0"/>
-              </a:spcAft>
-              <a:defRPr>
-                <a:solidFill>
-                  <a:schemeClr val="tx1"/>
-                </a:solidFill>
-                <a:latin typeface="Verdana" pitchFamily="34" charset="0"/>
-                <a:ea typeface="宋体" pitchFamily="2" charset="-122"/>
-              </a:defRPr>
-            </a:lvl9pPr>
-          </a:lstStyle>
-          <a:p>
-            <a:pPr algn="r" eaLnBrk="1" hangingPunct="1"/>
-            <a:fld id="{BE8D7DD5-0A75-4E41-9D5B-0CA3FC0FCAB1}" type="slidenum">
-              <a:rPr lang="en-US" altLang="zh-CN" sz="1200"/>
-              <a:pPr algn="r" eaLnBrk="1" hangingPunct="1"/>
-              <a:t>19</a:t>
-            </a:fld>
-            <a:endParaRPr lang="en-US" altLang="zh-CN" sz="1200"/>
-          </a:p>
-        </p:txBody>
-      </p:sp>
-      <p:sp>
-        <p:nvSpPr>
-          <p:cNvPr id="21507" name="Rectangle 2"/>
-          <p:cNvSpPr>
-            <a:spLocks noGrp="1" noChangeArrowheads="1"/>
-          </p:cNvSpPr>
-          <p:nvPr>
-            <p:ph type="title" idx="4294967295"/>
-          </p:nvPr>
-        </p:nvSpPr>
-        <p:spPr/>
-        <p:txBody>
-          <a:bodyPr/>
-          <a:lstStyle/>
-          <a:p>
-            <a:pPr eaLnBrk="1" hangingPunct="1"/>
-            <a:r>
-              <a:rPr lang="en-US" altLang="zh-CN" b="1" smtClean="0">
-                <a:latin typeface="黑体" pitchFamily="49" charset="-122"/>
-                <a:ea typeface="黑体" pitchFamily="49" charset="-122"/>
-              </a:rPr>
-              <a:t>8.4 </a:t>
-            </a:r>
-            <a:r>
-              <a:rPr lang="zh-CN" b="1" smtClean="0">
-                <a:latin typeface="黑体" pitchFamily="49" charset="-122"/>
-                <a:ea typeface="黑体" pitchFamily="49" charset="-122"/>
-              </a:rPr>
-              <a:t>集成测试遍历顺序的设计</a:t>
-            </a:r>
-          </a:p>
-        </p:txBody>
-      </p:sp>
-      <p:sp>
-        <p:nvSpPr>
-          <p:cNvPr id="21508" name="Rectangle 3"/>
-          <p:cNvSpPr>
-            <a:spLocks noGrp="1" noChangeArrowheads="1"/>
-          </p:cNvSpPr>
-          <p:nvPr>
-            <p:ph type="body" idx="4294967295"/>
-          </p:nvPr>
-        </p:nvSpPr>
-        <p:spPr/>
-        <p:txBody>
-          <a:bodyPr/>
-          <a:lstStyle/>
-          <a:p>
-            <a:pPr algn="just" eaLnBrk="1" hangingPunct="1"/>
-            <a:r>
-              <a:rPr lang="zh-CN" sz="3400" b="1" smtClean="0"/>
-              <a:t>优势</a:t>
-            </a:r>
-            <a:endParaRPr lang="en-US" sz="3400" b="1" smtClean="0"/>
-          </a:p>
-          <a:p>
-            <a:pPr lvl="1"/>
-            <a:r>
-              <a:rPr lang="zh-CN" b="1" smtClean="0"/>
-              <a:t>优先从根节点开始测试，有助于早期实现并验证系统主要功能，给开发团队和用户带来成功的信心，也便于早期验证主要的控制和判断，避免主控程序的缺陷，确保开发进度</a:t>
-            </a:r>
-          </a:p>
-          <a:p>
-            <a:pPr lvl="1"/>
-            <a:r>
-              <a:rPr lang="zh-CN" b="1" smtClean="0"/>
-              <a:t>单个测试用例包含多个模块，可从整体上降低测试用例规模</a:t>
-            </a:r>
-          </a:p>
-          <a:p>
-            <a:pPr lvl="1"/>
-            <a:r>
-              <a:rPr lang="zh-CN" b="1" smtClean="0"/>
-              <a:t>采用递增方式展开测试，每个新的测试用例一般仅加入一个新的模块，便于缺陷定位</a:t>
-            </a:r>
-          </a:p>
-        </p:txBody>
-      </p:sp>
-      <p:sp>
-        <p:nvSpPr>
-          <p:cNvPr id="21509" name="Rectangle 6"/>
-          <p:cNvSpPr>
-            <a:spLocks noChangeArrowheads="1"/>
-          </p:cNvSpPr>
-          <p:nvPr/>
-        </p:nvSpPr>
-        <p:spPr bwMode="auto">
-          <a:xfrm>
-            <a:off x="0" y="2476500"/>
-            <a:ext cx="9144000" cy="0"/>
-          </a:xfrm>
-          <a:prstGeom prst="rect">
-            <a:avLst/>
-          </a:prstGeom>
-          <a:noFill/>
-          <a:ln>
-            <a:noFill/>
-          </a:ln>
-          <a:extLst>
-            <a:ext uri="{909E8E84-426E-40DD-AFC4-6F175D3DCCD1}">
-              <a14:hiddenFill xmlns:a14="http://schemas.microsoft.com/office/drawing/2010/main">
-                <a:solidFill>
-                  <a:srgbClr val="FFFFFF"/>
-                </a:solidFill>
-              </a14:hiddenFill>
-            </a:ext>
-            <a:ext uri="{91240B29-F687-4F45-9708-019B960494DF}">
-              <a14:hiddenLine xmlns:a14="http://schemas.microsoft.com/office/drawing/2010/main" w="9525">
-                <a:solidFill>
-                  <a:srgbClr val="000000"/>
-                </a:solidFill>
-                <a:miter lim="800000"/>
-                <a:headEnd/>
-                <a:tailEnd/>
-              </a14:hiddenLine>
-            </a:ext>
-          </a:extLst>
-        </p:spPr>
-        <p:txBody>
-          <a:bodyPr wrap="none" anchor="ctr">
-            <a:spAutoFit/>
-          </a:bodyPr>
-          <a:lstStyle/>
-          <a:p>
-            <a:endParaRPr lang="zh-CN" altLang="zh-CN"/>
-          </a:p>
-        </p:txBody>
-      </p:sp>
-    </p:spTree>
-  </p:cSld>
-  <p:clrMapOvr>
-    <a:masterClrMapping/>
-  </p:clrMapOvr>
-  <p:transition/>
-</p:sld>
-</file>
-
 <file path=ppt/slides/slide2.xml><?xml version="1.0" encoding="utf-8"?>
 <p:sld xmlns:a="http://schemas.openxmlformats.org/drawingml/2006/main" xmlns:r="http://schemas.openxmlformats.org/officeDocument/2006/relationships" xmlns:p="http://schemas.openxmlformats.org/presentationml/2006/main">
   <p:cSld>
@@ -12402,7 +13271,7 @@
       </p:grpSpPr>
       <p:sp>
         <p:nvSpPr>
-          <p:cNvPr id="22530" name="灯片编号占位符 5"/>
+          <p:cNvPr id="21506" name="灯片编号占位符 5"/>
           <p:cNvSpPr txBox="1">
             <a:spLocks noGrp="1" noChangeArrowheads="1"/>
           </p:cNvSpPr>
@@ -12551,7 +13420,7 @@
           </a:lstStyle>
           <a:p>
             <a:pPr algn="r" eaLnBrk="1" hangingPunct="1"/>
-            <a:fld id="{39036F84-B2F7-4A51-B3BD-BC08C7E3257F}" type="slidenum">
+            <a:fld id="{BE8D7DD5-0A75-4E41-9D5B-0CA3FC0FCAB1}" type="slidenum">
               <a:rPr lang="en-US" altLang="zh-CN" sz="1200"/>
               <a:pPr algn="r" eaLnBrk="1" hangingPunct="1"/>
               <a:t>20</a:t>
@@ -12562,7 +13431,7 @@
       </p:sp>
       <p:sp>
         <p:nvSpPr>
-          <p:cNvPr id="22531" name="Rectangle 2"/>
+          <p:cNvPr id="21507" name="Rectangle 2"/>
           <p:cNvSpPr>
             <a:spLocks noGrp="1" noChangeArrowheads="1"/>
           </p:cNvSpPr>
@@ -12595,7 +13464,7 @@
       </p:sp>
       <p:sp>
         <p:nvSpPr>
-          <p:cNvPr id="22532" name="Rectangle 3"/>
+          <p:cNvPr id="21508" name="Rectangle 3"/>
           <p:cNvSpPr>
             <a:spLocks noGrp="1" noChangeArrowheads="1"/>
           </p:cNvSpPr>
@@ -12611,7 +13480,7 @@
             <a:pPr algn="just" eaLnBrk="1" hangingPunct="1"/>
             <a:r>
               <a:rPr lang="zh-CN" sz="3400" b="1" smtClean="0"/>
-              <a:t>不足</a:t>
+              <a:t>优势</a:t>
             </a:r>
             <a:endParaRPr lang="en-US" sz="3400" b="1" smtClean="0"/>
           </a:p>
@@ -12619,28 +13488,28 @@
             <a:pPr lvl="1"/>
             <a:r>
               <a:rPr lang="zh-CN" b="1" smtClean="0"/>
-              <a:t>桩模块的开发和维护工作量较大</a:t>
+              <a:t>优先从根节点开始测试，有助于早期实现并验证系统主要功能，给开发团队和用户带来成功的信心，也便于早期验证主要的控制和判断，避免主控程序的缺陷，确保开发进度</a:t>
             </a:r>
           </a:p>
           <a:p>
             <a:pPr lvl="1"/>
             <a:r>
               <a:rPr lang="zh-CN" b="1" smtClean="0"/>
-              <a:t>难以早期发现底层模块中复杂算法的缺陷，且随着测试的进行，系统越来越复杂，底层模块的测试很难保证充分性</a:t>
+              <a:t>单个测试用例包含多个模块，可从整体上降低测试用例规模</a:t>
             </a:r>
           </a:p>
           <a:p>
             <a:pPr lvl="1"/>
             <a:r>
               <a:rPr lang="zh-CN" b="1" smtClean="0"/>
-              <a:t>不利于测试的并行，难以充分展开人力</a:t>
-            </a:r>
-          </a:p>
-        </p:txBody>
-      </p:sp>
-      <p:sp>
-        <p:nvSpPr>
-          <p:cNvPr id="22533" name="Rectangle 6"/>
+              <a:t>采用递增方式展开测试，每个新的测试用例一般仅加入一个新的模块，便于缺陷定位</a:t>
+            </a:r>
+          </a:p>
+        </p:txBody>
+      </p:sp>
+      <p:sp>
+        <p:nvSpPr>
+          <p:cNvPr id="21509" name="Rectangle 6"/>
           <p:cNvSpPr>
             <a:spLocks noChangeArrowheads="1"/>
           </p:cNvSpPr>
@@ -12716,7 +13585,7 @@
       </p:grpSpPr>
       <p:sp>
         <p:nvSpPr>
-          <p:cNvPr id="23554" name="灯片编号占位符 5"/>
+          <p:cNvPr id="22530" name="灯片编号占位符 5"/>
           <p:cNvSpPr txBox="1">
             <a:spLocks noGrp="1" noChangeArrowheads="1"/>
           </p:cNvSpPr>
@@ -12865,7 +13734,7 @@
           </a:lstStyle>
           <a:p>
             <a:pPr algn="r" eaLnBrk="1" hangingPunct="1"/>
-            <a:fld id="{B396D6DA-9E65-4D4E-B70B-7852FE7CBB01}" type="slidenum">
+            <a:fld id="{39036F84-B2F7-4A51-B3BD-BC08C7E3257F}" type="slidenum">
               <a:rPr lang="en-US" altLang="zh-CN" sz="1200"/>
               <a:pPr algn="r" eaLnBrk="1" hangingPunct="1"/>
               <a:t>21</a:t>
@@ -12876,7 +13745,7 @@
       </p:sp>
       <p:sp>
         <p:nvSpPr>
-          <p:cNvPr id="23555" name="Rectangle 2"/>
+          <p:cNvPr id="22531" name="Rectangle 2"/>
           <p:cNvSpPr>
             <a:spLocks noGrp="1" noChangeArrowheads="1"/>
           </p:cNvSpPr>
@@ -12909,7 +13778,7 @@
       </p:sp>
       <p:sp>
         <p:nvSpPr>
-          <p:cNvPr id="23556" name="Rectangle 3"/>
+          <p:cNvPr id="22532" name="Rectangle 3"/>
           <p:cNvSpPr>
             <a:spLocks noGrp="1" noChangeArrowheads="1"/>
           </p:cNvSpPr>
@@ -12925,41 +13794,36 @@
             <a:pPr algn="just" eaLnBrk="1" hangingPunct="1"/>
             <a:r>
               <a:rPr lang="zh-CN" sz="3400" b="1" smtClean="0"/>
-              <a:t>自底向上的集成</a:t>
-            </a:r>
-            <a:r>
-              <a:rPr lang="en-US" altLang="zh-CN" sz="3400" b="1" smtClean="0"/>
-              <a:t>(Bottom Up)</a:t>
-            </a:r>
-          </a:p>
-          <a:p>
-            <a:pPr algn="just" eaLnBrk="1" hangingPunct="1"/>
-            <a:r>
-              <a:rPr lang="zh-CN" sz="3400" b="1" smtClean="0"/>
-              <a:t>基本思想：从底层模块</a:t>
-            </a:r>
-            <a:r>
-              <a:rPr lang="en-US" altLang="zh-CN" sz="3400" b="1" smtClean="0"/>
-              <a:t>(</a:t>
-            </a:r>
-            <a:r>
-              <a:rPr lang="zh-CN" sz="3400" b="1" smtClean="0"/>
-              <a:t>即叶子节点</a:t>
-            </a:r>
-            <a:r>
-              <a:rPr lang="en-US" altLang="zh-CN" sz="3400" b="1" smtClean="0"/>
-              <a:t>)</a:t>
-            </a:r>
-            <a:r>
-              <a:rPr lang="zh-CN" sz="3400" b="1" smtClean="0"/>
-              <a:t>开始，按照调用图的结构，从下而上，逐层将各模块组装起来</a:t>
-            </a:r>
-          </a:p>
-        </p:txBody>
-      </p:sp>
-      <p:sp>
-        <p:nvSpPr>
-          <p:cNvPr id="23557" name="Rectangle 6"/>
+              <a:t>不足</a:t>
+            </a:r>
+            <a:endParaRPr lang="en-US" sz="3400" b="1" smtClean="0"/>
+          </a:p>
+          <a:p>
+            <a:pPr lvl="1"/>
+            <a:r>
+              <a:rPr lang="zh-CN" b="1" smtClean="0"/>
+              <a:t>桩模块的开发和维护工作量较大</a:t>
+            </a:r>
+          </a:p>
+          <a:p>
+            <a:pPr lvl="1"/>
+            <a:r>
+              <a:rPr lang="zh-CN" b="1" smtClean="0"/>
+              <a:t>难以早期发现底层模块中复杂算法的缺陷，且随着测试的进行，系统越来越复杂，底层模块的测试很难保证充分性</a:t>
+            </a:r>
+          </a:p>
+          <a:p>
+            <a:pPr lvl="1"/>
+            <a:r>
+              <a:rPr lang="zh-CN" b="1" smtClean="0"/>
+              <a:t>不利于测试的并行，难以充分展开人力</a:t>
+            </a:r>
+          </a:p>
+        </p:txBody>
+      </p:sp>
+      <p:sp>
+        <p:nvSpPr>
+          <p:cNvPr id="22533" name="Rectangle 6"/>
           <p:cNvSpPr>
             <a:spLocks noChangeArrowheads="1"/>
           </p:cNvSpPr>
@@ -13035,7 +13899,7 @@
       </p:grpSpPr>
       <p:sp>
         <p:nvSpPr>
-          <p:cNvPr id="24578" name="灯片编号占位符 5"/>
+          <p:cNvPr id="23554" name="灯片编号占位符 5"/>
           <p:cNvSpPr txBox="1">
             <a:spLocks noGrp="1" noChangeArrowheads="1"/>
           </p:cNvSpPr>
@@ -13184,10 +14048,329 @@
           </a:lstStyle>
           <a:p>
             <a:pPr algn="r" eaLnBrk="1" hangingPunct="1"/>
+            <a:fld id="{B396D6DA-9E65-4D4E-B70B-7852FE7CBB01}" type="slidenum">
+              <a:rPr lang="en-US" altLang="zh-CN" sz="1200"/>
+              <a:pPr algn="r" eaLnBrk="1" hangingPunct="1"/>
+              <a:t>22</a:t>
+            </a:fld>
+            <a:endParaRPr lang="en-US" altLang="zh-CN" sz="1200"/>
+          </a:p>
+        </p:txBody>
+      </p:sp>
+      <p:sp>
+        <p:nvSpPr>
+          <p:cNvPr id="23555" name="Rectangle 2"/>
+          <p:cNvSpPr>
+            <a:spLocks noGrp="1" noChangeArrowheads="1"/>
+          </p:cNvSpPr>
+          <p:nvPr>
+            <p:ph type="title" idx="4294967295"/>
+          </p:nvPr>
+        </p:nvSpPr>
+        <p:spPr/>
+        <p:txBody>
+          <a:bodyPr/>
+          <a:lstStyle/>
+          <a:p>
+            <a:pPr eaLnBrk="1" hangingPunct="1"/>
+            <a:r>
+              <a:rPr lang="en-US" altLang="zh-CN" b="1" smtClean="0">
+                <a:latin typeface="黑体" pitchFamily="49" charset="-122"/>
+                <a:ea typeface="黑体" pitchFamily="49" charset="-122"/>
+              </a:rPr>
+              <a:t>8.4 </a:t>
+            </a:r>
+            <a:r>
+              <a:rPr lang="zh-CN" b="1" smtClean="0">
+                <a:latin typeface="黑体" pitchFamily="49" charset="-122"/>
+                <a:ea typeface="黑体" pitchFamily="49" charset="-122"/>
+              </a:rPr>
+              <a:t>集成测试遍历顺序的设计</a:t>
+            </a:r>
+          </a:p>
+        </p:txBody>
+      </p:sp>
+      <p:sp>
+        <p:nvSpPr>
+          <p:cNvPr id="23556" name="Rectangle 3"/>
+          <p:cNvSpPr>
+            <a:spLocks noGrp="1" noChangeArrowheads="1"/>
+          </p:cNvSpPr>
+          <p:nvPr>
+            <p:ph type="body" idx="4294967295"/>
+          </p:nvPr>
+        </p:nvSpPr>
+        <p:spPr/>
+        <p:txBody>
+          <a:bodyPr/>
+          <a:lstStyle/>
+          <a:p>
+            <a:pPr algn="just" eaLnBrk="1" hangingPunct="1"/>
+            <a:r>
+              <a:rPr lang="zh-CN" sz="3400" b="1" smtClean="0"/>
+              <a:t>自底向上的集成</a:t>
+            </a:r>
+            <a:r>
+              <a:rPr lang="en-US" altLang="zh-CN" sz="3400" b="1" smtClean="0"/>
+              <a:t>(Bottom Up)</a:t>
+            </a:r>
+          </a:p>
+          <a:p>
+            <a:pPr algn="just" eaLnBrk="1" hangingPunct="1"/>
+            <a:r>
+              <a:rPr lang="zh-CN" sz="3400" b="1" smtClean="0"/>
+              <a:t>基本思想：从底层模块</a:t>
+            </a:r>
+            <a:r>
+              <a:rPr lang="en-US" altLang="zh-CN" sz="3400" b="1" smtClean="0"/>
+              <a:t>(</a:t>
+            </a:r>
+            <a:r>
+              <a:rPr lang="zh-CN" sz="3400" b="1" smtClean="0"/>
+              <a:t>即叶子节点</a:t>
+            </a:r>
+            <a:r>
+              <a:rPr lang="en-US" altLang="zh-CN" sz="3400" b="1" smtClean="0"/>
+              <a:t>)</a:t>
+            </a:r>
+            <a:r>
+              <a:rPr lang="zh-CN" sz="3400" b="1" smtClean="0"/>
+              <a:t>开始，按照调用图的结构，从下而上，逐层将各模块组装起来</a:t>
+            </a:r>
+          </a:p>
+        </p:txBody>
+      </p:sp>
+      <p:sp>
+        <p:nvSpPr>
+          <p:cNvPr id="23557" name="Rectangle 6"/>
+          <p:cNvSpPr>
+            <a:spLocks noChangeArrowheads="1"/>
+          </p:cNvSpPr>
+          <p:nvPr/>
+        </p:nvSpPr>
+        <p:spPr bwMode="auto">
+          <a:xfrm>
+            <a:off x="0" y="2476500"/>
+            <a:ext cx="9144000" cy="0"/>
+          </a:xfrm>
+          <a:prstGeom prst="rect">
+            <a:avLst/>
+          </a:prstGeom>
+          <a:noFill/>
+          <a:ln>
+            <a:noFill/>
+          </a:ln>
+          <a:extLst>
+            <a:ext uri="{909E8E84-426E-40DD-AFC4-6F175D3DCCD1}">
+              <a14:hiddenFill xmlns:a14="http://schemas.microsoft.com/office/drawing/2010/main">
+                <a:solidFill>
+                  <a:srgbClr val="FFFFFF"/>
+                </a:solidFill>
+              </a14:hiddenFill>
+            </a:ext>
+            <a:ext uri="{91240B29-F687-4F45-9708-019B960494DF}">
+              <a14:hiddenLine xmlns:a14="http://schemas.microsoft.com/office/drawing/2010/main" w="9525">
+                <a:solidFill>
+                  <a:srgbClr val="000000"/>
+                </a:solidFill>
+                <a:miter lim="800000"/>
+                <a:headEnd/>
+                <a:tailEnd/>
+              </a14:hiddenLine>
+            </a:ext>
+          </a:extLst>
+        </p:spPr>
+        <p:txBody>
+          <a:bodyPr wrap="none" anchor="ctr">
+            <a:spAutoFit/>
+          </a:bodyPr>
+          <a:lstStyle/>
+          <a:p>
+            <a:endParaRPr lang="zh-CN" altLang="zh-CN"/>
+          </a:p>
+        </p:txBody>
+      </p:sp>
+    </p:spTree>
+  </p:cSld>
+  <p:clrMapOvr>
+    <a:masterClrMapping/>
+  </p:clrMapOvr>
+  <p:transition/>
+</p:sld>
+</file>
+
+<file path=ppt/slides/slide23.xml><?xml version="1.0" encoding="utf-8"?>
+<p:sld xmlns:a="http://schemas.openxmlformats.org/drawingml/2006/main" xmlns:r="http://schemas.openxmlformats.org/officeDocument/2006/relationships" xmlns:p="http://schemas.openxmlformats.org/presentationml/2006/main">
+  <p:cSld>
+    <p:spTree>
+      <p:nvGrpSpPr>
+        <p:cNvPr id="1" name=""/>
+        <p:cNvGrpSpPr/>
+        <p:nvPr/>
+      </p:nvGrpSpPr>
+      <p:grpSpPr>
+        <a:xfrm>
+          <a:off x="0" y="0"/>
+          <a:ext cx="0" cy="0"/>
+          <a:chOff x="0" y="0"/>
+          <a:chExt cx="0" cy="0"/>
+        </a:xfrm>
+      </p:grpSpPr>
+      <p:sp>
+        <p:nvSpPr>
+          <p:cNvPr id="24578" name="灯片编号占位符 5"/>
+          <p:cNvSpPr txBox="1">
+            <a:spLocks noGrp="1" noChangeArrowheads="1"/>
+          </p:cNvSpPr>
+          <p:nvPr/>
+        </p:nvSpPr>
+        <p:spPr bwMode="auto">
+          <a:xfrm>
+            <a:off x="6553200" y="6245225"/>
+            <a:ext cx="1981200" cy="476250"/>
+          </a:xfrm>
+          <a:prstGeom prst="rect">
+            <a:avLst/>
+          </a:prstGeom>
+          <a:noFill/>
+          <a:ln>
+            <a:noFill/>
+          </a:ln>
+          <a:extLst>
+            <a:ext uri="{909E8E84-426E-40DD-AFC4-6F175D3DCCD1}">
+              <a14:hiddenFill xmlns:a14="http://schemas.microsoft.com/office/drawing/2010/main">
+                <a:solidFill>
+                  <a:srgbClr val="FFFFFF"/>
+                </a:solidFill>
+              </a14:hiddenFill>
+            </a:ext>
+            <a:ext uri="{91240B29-F687-4F45-9708-019B960494DF}">
+              <a14:hiddenLine xmlns:a14="http://schemas.microsoft.com/office/drawing/2010/main" w="9525">
+                <a:solidFill>
+                  <a:srgbClr val="000000"/>
+                </a:solidFill>
+                <a:miter lim="800000"/>
+                <a:headEnd/>
+                <a:tailEnd/>
+              </a14:hiddenLine>
+            </a:ext>
+          </a:extLst>
+        </p:spPr>
+        <p:txBody>
+          <a:bodyPr/>
+          <a:lstStyle>
+            <a:lvl1pPr eaLnBrk="0" hangingPunct="0">
+              <a:defRPr>
+                <a:solidFill>
+                  <a:schemeClr val="tx1"/>
+                </a:solidFill>
+                <a:latin typeface="Verdana" pitchFamily="34" charset="0"/>
+                <a:ea typeface="宋体" pitchFamily="2" charset="-122"/>
+              </a:defRPr>
+            </a:lvl1pPr>
+            <a:lvl2pPr marL="742950" indent="-285750" eaLnBrk="0" hangingPunct="0">
+              <a:defRPr>
+                <a:solidFill>
+                  <a:schemeClr val="tx1"/>
+                </a:solidFill>
+                <a:latin typeface="Verdana" pitchFamily="34" charset="0"/>
+                <a:ea typeface="宋体" pitchFamily="2" charset="-122"/>
+              </a:defRPr>
+            </a:lvl2pPr>
+            <a:lvl3pPr marL="1143000" indent="-228600" eaLnBrk="0" hangingPunct="0">
+              <a:defRPr>
+                <a:solidFill>
+                  <a:schemeClr val="tx1"/>
+                </a:solidFill>
+                <a:latin typeface="Verdana" pitchFamily="34" charset="0"/>
+                <a:ea typeface="宋体" pitchFamily="2" charset="-122"/>
+              </a:defRPr>
+            </a:lvl3pPr>
+            <a:lvl4pPr marL="1600200" indent="-228600" eaLnBrk="0" hangingPunct="0">
+              <a:defRPr>
+                <a:solidFill>
+                  <a:schemeClr val="tx1"/>
+                </a:solidFill>
+                <a:latin typeface="Verdana" pitchFamily="34" charset="0"/>
+                <a:ea typeface="宋体" pitchFamily="2" charset="-122"/>
+              </a:defRPr>
+            </a:lvl4pPr>
+            <a:lvl5pPr marL="2057400" indent="-228600" eaLnBrk="0" hangingPunct="0">
+              <a:defRPr>
+                <a:solidFill>
+                  <a:schemeClr val="tx1"/>
+                </a:solidFill>
+                <a:latin typeface="Verdana" pitchFamily="34" charset="0"/>
+                <a:ea typeface="宋体" pitchFamily="2" charset="-122"/>
+              </a:defRPr>
+            </a:lvl5pPr>
+            <a:lvl6pPr marL="2514600" indent="-228600" eaLnBrk="0" fontAlgn="base" hangingPunct="0">
+              <a:spcBef>
+                <a:spcPct val="0"/>
+              </a:spcBef>
+              <a:spcAft>
+                <a:spcPct val="0"/>
+              </a:spcAft>
+              <a:defRPr>
+                <a:solidFill>
+                  <a:schemeClr val="tx1"/>
+                </a:solidFill>
+                <a:latin typeface="Verdana" pitchFamily="34" charset="0"/>
+                <a:ea typeface="宋体" pitchFamily="2" charset="-122"/>
+              </a:defRPr>
+            </a:lvl6pPr>
+            <a:lvl7pPr marL="2971800" indent="-228600" eaLnBrk="0" fontAlgn="base" hangingPunct="0">
+              <a:spcBef>
+                <a:spcPct val="0"/>
+              </a:spcBef>
+              <a:spcAft>
+                <a:spcPct val="0"/>
+              </a:spcAft>
+              <a:defRPr>
+                <a:solidFill>
+                  <a:schemeClr val="tx1"/>
+                </a:solidFill>
+                <a:latin typeface="Verdana" pitchFamily="34" charset="0"/>
+                <a:ea typeface="宋体" pitchFamily="2" charset="-122"/>
+              </a:defRPr>
+            </a:lvl7pPr>
+            <a:lvl8pPr marL="3429000" indent="-228600" eaLnBrk="0" fontAlgn="base" hangingPunct="0">
+              <a:spcBef>
+                <a:spcPct val="0"/>
+              </a:spcBef>
+              <a:spcAft>
+                <a:spcPct val="0"/>
+              </a:spcAft>
+              <a:defRPr>
+                <a:solidFill>
+                  <a:schemeClr val="tx1"/>
+                </a:solidFill>
+                <a:latin typeface="Verdana" pitchFamily="34" charset="0"/>
+                <a:ea typeface="宋体" pitchFamily="2" charset="-122"/>
+              </a:defRPr>
+            </a:lvl8pPr>
+            <a:lvl9pPr marL="3886200" indent="-228600" eaLnBrk="0" fontAlgn="base" hangingPunct="0">
+              <a:spcBef>
+                <a:spcPct val="0"/>
+              </a:spcBef>
+              <a:spcAft>
+                <a:spcPct val="0"/>
+              </a:spcAft>
+              <a:defRPr>
+                <a:solidFill>
+                  <a:schemeClr val="tx1"/>
+                </a:solidFill>
+                <a:latin typeface="Verdana" pitchFamily="34" charset="0"/>
+                <a:ea typeface="宋体" pitchFamily="2" charset="-122"/>
+              </a:defRPr>
+            </a:lvl9pPr>
+          </a:lstStyle>
+          <a:p>
+            <a:pPr algn="r" eaLnBrk="1" hangingPunct="1"/>
             <a:fld id="{3957BA11-5369-4F13-8F73-5774C4B23392}" type="slidenum">
               <a:rPr lang="en-US" altLang="zh-CN" sz="1200"/>
               <a:pPr algn="r" eaLnBrk="1" hangingPunct="1"/>
-              <a:t>22</a:t>
+              <a:t>23</a:t>
             </a:fld>
             <a:endParaRPr lang="en-US" altLang="zh-CN" sz="1200"/>
           </a:p>
@@ -13287,7 +14470,7 @@
           <p:nvPr/>
         </p:nvPicPr>
         <p:blipFill>
-          <a:blip r:embed="rId2">
+          <a:blip r:embed="rId2" cstate="print">
             <a:extLst>
               <a:ext uri="{28A0092B-C50C-407E-A947-70E740481C1C}">
                 <a14:useLocalDpi xmlns:a14="http://schemas.microsoft.com/office/drawing/2010/main" val="0"/>
@@ -13341,320 +14524,6 @@
 </p:sld>
 </file>
 
-<file path=ppt/slides/slide23.xml><?xml version="1.0" encoding="utf-8"?>
-<p:sld xmlns:a="http://schemas.openxmlformats.org/drawingml/2006/main" xmlns:r="http://schemas.openxmlformats.org/officeDocument/2006/relationships" xmlns:p="http://schemas.openxmlformats.org/presentationml/2006/main">
-  <p:cSld>
-    <p:spTree>
-      <p:nvGrpSpPr>
-        <p:cNvPr id="1" name=""/>
-        <p:cNvGrpSpPr/>
-        <p:nvPr/>
-      </p:nvGrpSpPr>
-      <p:grpSpPr>
-        <a:xfrm>
-          <a:off x="0" y="0"/>
-          <a:ext cx="0" cy="0"/>
-          <a:chOff x="0" y="0"/>
-          <a:chExt cx="0" cy="0"/>
-        </a:xfrm>
-      </p:grpSpPr>
-      <p:sp>
-        <p:nvSpPr>
-          <p:cNvPr id="25602" name="灯片编号占位符 5"/>
-          <p:cNvSpPr txBox="1">
-            <a:spLocks noGrp="1" noChangeArrowheads="1"/>
-          </p:cNvSpPr>
-          <p:nvPr/>
-        </p:nvSpPr>
-        <p:spPr bwMode="auto">
-          <a:xfrm>
-            <a:off x="6553200" y="6245225"/>
-            <a:ext cx="1981200" cy="476250"/>
-          </a:xfrm>
-          <a:prstGeom prst="rect">
-            <a:avLst/>
-          </a:prstGeom>
-          <a:noFill/>
-          <a:ln>
-            <a:noFill/>
-          </a:ln>
-          <a:extLst>
-            <a:ext uri="{909E8E84-426E-40DD-AFC4-6F175D3DCCD1}">
-              <a14:hiddenFill xmlns:a14="http://schemas.microsoft.com/office/drawing/2010/main">
-                <a:solidFill>
-                  <a:srgbClr val="FFFFFF"/>
-                </a:solidFill>
-              </a14:hiddenFill>
-            </a:ext>
-            <a:ext uri="{91240B29-F687-4F45-9708-019B960494DF}">
-              <a14:hiddenLine xmlns:a14="http://schemas.microsoft.com/office/drawing/2010/main" w="9525">
-                <a:solidFill>
-                  <a:srgbClr val="000000"/>
-                </a:solidFill>
-                <a:miter lim="800000"/>
-                <a:headEnd/>
-                <a:tailEnd/>
-              </a14:hiddenLine>
-            </a:ext>
-          </a:extLst>
-        </p:spPr>
-        <p:txBody>
-          <a:bodyPr/>
-          <a:lstStyle>
-            <a:lvl1pPr eaLnBrk="0" hangingPunct="0">
-              <a:defRPr>
-                <a:solidFill>
-                  <a:schemeClr val="tx1"/>
-                </a:solidFill>
-                <a:latin typeface="Verdana" pitchFamily="34" charset="0"/>
-                <a:ea typeface="宋体" pitchFamily="2" charset="-122"/>
-              </a:defRPr>
-            </a:lvl1pPr>
-            <a:lvl2pPr marL="742950" indent="-285750" eaLnBrk="0" hangingPunct="0">
-              <a:defRPr>
-                <a:solidFill>
-                  <a:schemeClr val="tx1"/>
-                </a:solidFill>
-                <a:latin typeface="Verdana" pitchFamily="34" charset="0"/>
-                <a:ea typeface="宋体" pitchFamily="2" charset="-122"/>
-              </a:defRPr>
-            </a:lvl2pPr>
-            <a:lvl3pPr marL="1143000" indent="-228600" eaLnBrk="0" hangingPunct="0">
-              <a:defRPr>
-                <a:solidFill>
-                  <a:schemeClr val="tx1"/>
-                </a:solidFill>
-                <a:latin typeface="Verdana" pitchFamily="34" charset="0"/>
-                <a:ea typeface="宋体" pitchFamily="2" charset="-122"/>
-              </a:defRPr>
-            </a:lvl3pPr>
-            <a:lvl4pPr marL="1600200" indent="-228600" eaLnBrk="0" hangingPunct="0">
-              <a:defRPr>
-                <a:solidFill>
-                  <a:schemeClr val="tx1"/>
-                </a:solidFill>
-                <a:latin typeface="Verdana" pitchFamily="34" charset="0"/>
-                <a:ea typeface="宋体" pitchFamily="2" charset="-122"/>
-              </a:defRPr>
-            </a:lvl4pPr>
-            <a:lvl5pPr marL="2057400" indent="-228600" eaLnBrk="0" hangingPunct="0">
-              <a:defRPr>
-                <a:solidFill>
-                  <a:schemeClr val="tx1"/>
-                </a:solidFill>
-                <a:latin typeface="Verdana" pitchFamily="34" charset="0"/>
-                <a:ea typeface="宋体" pitchFamily="2" charset="-122"/>
-              </a:defRPr>
-            </a:lvl5pPr>
-            <a:lvl6pPr marL="2514600" indent="-228600" eaLnBrk="0" fontAlgn="base" hangingPunct="0">
-              <a:spcBef>
-                <a:spcPct val="0"/>
-              </a:spcBef>
-              <a:spcAft>
-                <a:spcPct val="0"/>
-              </a:spcAft>
-              <a:defRPr>
-                <a:solidFill>
-                  <a:schemeClr val="tx1"/>
-                </a:solidFill>
-                <a:latin typeface="Verdana" pitchFamily="34" charset="0"/>
-                <a:ea typeface="宋体" pitchFamily="2" charset="-122"/>
-              </a:defRPr>
-            </a:lvl6pPr>
-            <a:lvl7pPr marL="2971800" indent="-228600" eaLnBrk="0" fontAlgn="base" hangingPunct="0">
-              <a:spcBef>
-                <a:spcPct val="0"/>
-              </a:spcBef>
-              <a:spcAft>
-                <a:spcPct val="0"/>
-              </a:spcAft>
-              <a:defRPr>
-                <a:solidFill>
-                  <a:schemeClr val="tx1"/>
-                </a:solidFill>
-                <a:latin typeface="Verdana" pitchFamily="34" charset="0"/>
-                <a:ea typeface="宋体" pitchFamily="2" charset="-122"/>
-              </a:defRPr>
-            </a:lvl7pPr>
-            <a:lvl8pPr marL="3429000" indent="-228600" eaLnBrk="0" fontAlgn="base" hangingPunct="0">
-              <a:spcBef>
-                <a:spcPct val="0"/>
-              </a:spcBef>
-              <a:spcAft>
-                <a:spcPct val="0"/>
-              </a:spcAft>
-              <a:defRPr>
-                <a:solidFill>
-                  <a:schemeClr val="tx1"/>
-                </a:solidFill>
-                <a:latin typeface="Verdana" pitchFamily="34" charset="0"/>
-                <a:ea typeface="宋体" pitchFamily="2" charset="-122"/>
-              </a:defRPr>
-            </a:lvl8pPr>
-            <a:lvl9pPr marL="3886200" indent="-228600" eaLnBrk="0" fontAlgn="base" hangingPunct="0">
-              <a:spcBef>
-                <a:spcPct val="0"/>
-              </a:spcBef>
-              <a:spcAft>
-                <a:spcPct val="0"/>
-              </a:spcAft>
-              <a:defRPr>
-                <a:solidFill>
-                  <a:schemeClr val="tx1"/>
-                </a:solidFill>
-                <a:latin typeface="Verdana" pitchFamily="34" charset="0"/>
-                <a:ea typeface="宋体" pitchFamily="2" charset="-122"/>
-              </a:defRPr>
-            </a:lvl9pPr>
-          </a:lstStyle>
-          <a:p>
-            <a:pPr algn="r" eaLnBrk="1" hangingPunct="1"/>
-            <a:fld id="{FCCB56C1-8777-4A7A-8627-63C856A26731}" type="slidenum">
-              <a:rPr lang="en-US" altLang="zh-CN" sz="1200"/>
-              <a:pPr algn="r" eaLnBrk="1" hangingPunct="1"/>
-              <a:t>23</a:t>
-            </a:fld>
-            <a:endParaRPr lang="en-US" altLang="zh-CN" sz="1200"/>
-          </a:p>
-        </p:txBody>
-      </p:sp>
-      <p:sp>
-        <p:nvSpPr>
-          <p:cNvPr id="25603" name="Rectangle 2"/>
-          <p:cNvSpPr>
-            <a:spLocks noGrp="1" noChangeArrowheads="1"/>
-          </p:cNvSpPr>
-          <p:nvPr>
-            <p:ph type="title" idx="4294967295"/>
-          </p:nvPr>
-        </p:nvSpPr>
-        <p:spPr/>
-        <p:txBody>
-          <a:bodyPr/>
-          <a:lstStyle/>
-          <a:p>
-            <a:pPr eaLnBrk="1" hangingPunct="1"/>
-            <a:r>
-              <a:rPr lang="en-US" altLang="zh-CN" b="1" smtClean="0">
-                <a:latin typeface="黑体" pitchFamily="49" charset="-122"/>
-                <a:ea typeface="黑体" pitchFamily="49" charset="-122"/>
-              </a:rPr>
-              <a:t>8.4 </a:t>
-            </a:r>
-            <a:r>
-              <a:rPr lang="zh-CN" b="1" smtClean="0">
-                <a:latin typeface="黑体" pitchFamily="49" charset="-122"/>
-                <a:ea typeface="黑体" pitchFamily="49" charset="-122"/>
-              </a:rPr>
-              <a:t>集成测试遍历顺序的设计</a:t>
-            </a:r>
-          </a:p>
-        </p:txBody>
-      </p:sp>
-      <p:sp>
-        <p:nvSpPr>
-          <p:cNvPr id="25604" name="Rectangle 3"/>
-          <p:cNvSpPr>
-            <a:spLocks noGrp="1" noChangeArrowheads="1"/>
-          </p:cNvSpPr>
-          <p:nvPr>
-            <p:ph type="body" idx="4294967295"/>
-          </p:nvPr>
-        </p:nvSpPr>
-        <p:spPr/>
-        <p:txBody>
-          <a:bodyPr/>
-          <a:lstStyle/>
-          <a:p>
-            <a:pPr algn="just" eaLnBrk="1" hangingPunct="1"/>
-            <a:r>
-              <a:rPr lang="zh-CN" sz="3400" b="1" smtClean="0"/>
-              <a:t>优势</a:t>
-            </a:r>
-            <a:endParaRPr lang="en-US" sz="3400" b="1" smtClean="0"/>
-          </a:p>
-          <a:p>
-            <a:pPr lvl="1"/>
-            <a:r>
-              <a:rPr lang="zh-CN" b="1" smtClean="0"/>
-              <a:t>优先从叶子节点开始测试，有助于早期发现底层模块中复杂算法的缺陷，且驱动模块的开发有利于规范和约束系统上层模块的设计，在一定程度上增加系统可测试性</a:t>
-            </a:r>
-          </a:p>
-          <a:p>
-            <a:pPr lvl="1"/>
-            <a:r>
-              <a:rPr lang="zh-CN" b="1" smtClean="0"/>
-              <a:t>单个测试用例包含多个模块，可从整体上降低测试用例规模</a:t>
-            </a:r>
-          </a:p>
-          <a:p>
-            <a:pPr lvl="1"/>
-            <a:r>
-              <a:rPr lang="zh-CN" b="1" smtClean="0"/>
-              <a:t>多个集成测试可并行展开，确保测试工作进度</a:t>
-            </a:r>
-          </a:p>
-        </p:txBody>
-      </p:sp>
-      <p:sp>
-        <p:nvSpPr>
-          <p:cNvPr id="25605" name="Rectangle 6"/>
-          <p:cNvSpPr>
-            <a:spLocks noChangeArrowheads="1"/>
-          </p:cNvSpPr>
-          <p:nvPr/>
-        </p:nvSpPr>
-        <p:spPr bwMode="auto">
-          <a:xfrm>
-            <a:off x="0" y="2476500"/>
-            <a:ext cx="9144000" cy="0"/>
-          </a:xfrm>
-          <a:prstGeom prst="rect">
-            <a:avLst/>
-          </a:prstGeom>
-          <a:noFill/>
-          <a:ln>
-            <a:noFill/>
-          </a:ln>
-          <a:extLst>
-            <a:ext uri="{909E8E84-426E-40DD-AFC4-6F175D3DCCD1}">
-              <a14:hiddenFill xmlns:a14="http://schemas.microsoft.com/office/drawing/2010/main">
-                <a:solidFill>
-                  <a:srgbClr val="FFFFFF"/>
-                </a:solidFill>
-              </a14:hiddenFill>
-            </a:ext>
-            <a:ext uri="{91240B29-F687-4F45-9708-019B960494DF}">
-              <a14:hiddenLine xmlns:a14="http://schemas.microsoft.com/office/drawing/2010/main" w="9525">
-                <a:solidFill>
-                  <a:srgbClr val="000000"/>
-                </a:solidFill>
-                <a:miter lim="800000"/>
-                <a:headEnd/>
-                <a:tailEnd/>
-              </a14:hiddenLine>
-            </a:ext>
-          </a:extLst>
-        </p:spPr>
-        <p:txBody>
-          <a:bodyPr wrap="none" anchor="ctr">
-            <a:spAutoFit/>
-          </a:bodyPr>
-          <a:lstStyle/>
-          <a:p>
-            <a:endParaRPr lang="zh-CN" altLang="zh-CN"/>
-          </a:p>
-        </p:txBody>
-      </p:sp>
-    </p:spTree>
-  </p:cSld>
-  <p:clrMapOvr>
-    <a:masterClrMapping/>
-  </p:clrMapOvr>
-  <p:transition/>
-</p:sld>
-</file>
-
 <file path=ppt/slides/slide24.xml><?xml version="1.0" encoding="utf-8"?>
 <p:sld xmlns:a="http://schemas.openxmlformats.org/drawingml/2006/main" xmlns:r="http://schemas.openxmlformats.org/officeDocument/2006/relationships" xmlns:p="http://schemas.openxmlformats.org/presentationml/2006/main">
   <p:cSld>
@@ -13674,7 +14543,7 @@
       </p:grpSpPr>
       <p:sp>
         <p:nvSpPr>
-          <p:cNvPr id="26626" name="灯片编号占位符 5"/>
+          <p:cNvPr id="25602" name="灯片编号占位符 5"/>
           <p:cNvSpPr txBox="1">
             <a:spLocks noGrp="1" noChangeArrowheads="1"/>
           </p:cNvSpPr>
@@ -13823,7 +14692,7 @@
           </a:lstStyle>
           <a:p>
             <a:pPr algn="r" eaLnBrk="1" hangingPunct="1"/>
-            <a:fld id="{9D3A8528-F967-4879-B5C6-7B44546CF3D9}" type="slidenum">
+            <a:fld id="{FCCB56C1-8777-4A7A-8627-63C856A26731}" type="slidenum">
               <a:rPr lang="en-US" altLang="zh-CN" sz="1200"/>
               <a:pPr algn="r" eaLnBrk="1" hangingPunct="1"/>
               <a:t>24</a:t>
@@ -13834,7 +14703,7 @@
       </p:sp>
       <p:sp>
         <p:nvSpPr>
-          <p:cNvPr id="26627" name="Rectangle 2"/>
+          <p:cNvPr id="25603" name="Rectangle 2"/>
           <p:cNvSpPr>
             <a:spLocks noGrp="1" noChangeArrowheads="1"/>
           </p:cNvSpPr>
@@ -13867,7 +14736,7 @@
       </p:sp>
       <p:sp>
         <p:nvSpPr>
-          <p:cNvPr id="26628" name="Rectangle 3"/>
+          <p:cNvPr id="25604" name="Rectangle 3"/>
           <p:cNvSpPr>
             <a:spLocks noGrp="1" noChangeArrowheads="1"/>
           </p:cNvSpPr>
@@ -13883,7 +14752,7 @@
             <a:pPr algn="just" eaLnBrk="1" hangingPunct="1"/>
             <a:r>
               <a:rPr lang="zh-CN" sz="3400" b="1" smtClean="0"/>
-              <a:t>不足</a:t>
+              <a:t>优势</a:t>
             </a:r>
             <a:endParaRPr lang="en-US" sz="3400" b="1" smtClean="0"/>
           </a:p>
@@ -13891,28 +14760,28 @@
             <a:pPr lvl="1"/>
             <a:r>
               <a:rPr lang="zh-CN" b="1" smtClean="0"/>
-              <a:t>驱动模块的开发和维护工作量较大</a:t>
+              <a:t>优先从叶子节点开始测试，有助于早期发现底层模块中复杂算法的缺陷，且驱动模块的开发有利于规范和约束系统上层模块的设计，在一定程度上增加系统可测试性</a:t>
             </a:r>
           </a:p>
           <a:p>
             <a:pPr lvl="1"/>
             <a:r>
               <a:rPr lang="zh-CN" b="1" smtClean="0"/>
-              <a:t>难以早期发现上层模块中有关逻辑和控制方面的缺陷</a:t>
+              <a:t>单个测试用例包含多个模块，可从整体上降低测试用例规模</a:t>
             </a:r>
           </a:p>
           <a:p>
             <a:pPr lvl="1"/>
             <a:r>
               <a:rPr lang="zh-CN" b="1" smtClean="0"/>
-              <a:t>直至加入最后一个模块才能看到整个系统框架，难以早期发现时序问题和资源竞争问题</a:t>
-            </a:r>
-          </a:p>
-        </p:txBody>
-      </p:sp>
-      <p:sp>
-        <p:nvSpPr>
-          <p:cNvPr id="26629" name="Rectangle 6"/>
+              <a:t>多个集成测试可并行展开，确保测试工作进度</a:t>
+            </a:r>
+          </a:p>
+        </p:txBody>
+      </p:sp>
+      <p:sp>
+        <p:nvSpPr>
+          <p:cNvPr id="25605" name="Rectangle 6"/>
           <p:cNvSpPr>
             <a:spLocks noChangeArrowheads="1"/>
           </p:cNvSpPr>
@@ -13988,7 +14857,7 @@
       </p:grpSpPr>
       <p:sp>
         <p:nvSpPr>
-          <p:cNvPr id="27650" name="灯片编号占位符 5"/>
+          <p:cNvPr id="26626" name="灯片编号占位符 5"/>
           <p:cNvSpPr txBox="1">
             <a:spLocks noGrp="1" noChangeArrowheads="1"/>
           </p:cNvSpPr>
@@ -14137,7 +15006,7 @@
           </a:lstStyle>
           <a:p>
             <a:pPr algn="r" eaLnBrk="1" hangingPunct="1"/>
-            <a:fld id="{62851BE9-1212-4185-94FB-532953304432}" type="slidenum">
+            <a:fld id="{9D3A8528-F967-4879-B5C6-7B44546CF3D9}" type="slidenum">
               <a:rPr lang="en-US" altLang="zh-CN" sz="1200"/>
               <a:pPr algn="r" eaLnBrk="1" hangingPunct="1"/>
               <a:t>25</a:t>
@@ -14148,7 +15017,7 @@
       </p:sp>
       <p:sp>
         <p:nvSpPr>
-          <p:cNvPr id="27651" name="Rectangle 2"/>
+          <p:cNvPr id="26627" name="Rectangle 2"/>
           <p:cNvSpPr>
             <a:spLocks noGrp="1" noChangeArrowheads="1"/>
           </p:cNvSpPr>
@@ -14181,7 +15050,7 @@
       </p:sp>
       <p:sp>
         <p:nvSpPr>
-          <p:cNvPr id="27652" name="Rectangle 3"/>
+          <p:cNvPr id="26628" name="Rectangle 3"/>
           <p:cNvSpPr>
             <a:spLocks noGrp="1" noChangeArrowheads="1"/>
           </p:cNvSpPr>
@@ -14197,25 +15066,36 @@
             <a:pPr algn="just" eaLnBrk="1" hangingPunct="1"/>
             <a:r>
               <a:rPr lang="zh-CN" sz="3400" b="1" smtClean="0"/>
-              <a:t>三明治集成</a:t>
-            </a:r>
-            <a:r>
-              <a:rPr lang="en-US" altLang="zh-CN" sz="3400" b="1" smtClean="0"/>
-              <a:t>(Sandwich)</a:t>
-            </a:r>
-          </a:p>
-          <a:p>
-            <a:pPr algn="just" eaLnBrk="1" hangingPunct="1"/>
-            <a:r>
-              <a:rPr lang="zh-CN" sz="3400" b="1" smtClean="0"/>
-              <a:t>基本思想：将自顶向下和自底向上集成方法结合起来的集成策略。在调用图上按照一定的策略，分别自顶向下和自底向上展开集成，并在子树上进行大爆炸集成</a:t>
-            </a:r>
-          </a:p>
-        </p:txBody>
-      </p:sp>
-      <p:sp>
-        <p:nvSpPr>
-          <p:cNvPr id="27653" name="Rectangle 6"/>
+              <a:t>不足</a:t>
+            </a:r>
+            <a:endParaRPr lang="en-US" sz="3400" b="1" smtClean="0"/>
+          </a:p>
+          <a:p>
+            <a:pPr lvl="1"/>
+            <a:r>
+              <a:rPr lang="zh-CN" b="1" smtClean="0"/>
+              <a:t>驱动模块的开发和维护工作量较大</a:t>
+            </a:r>
+          </a:p>
+          <a:p>
+            <a:pPr lvl="1"/>
+            <a:r>
+              <a:rPr lang="zh-CN" b="1" smtClean="0"/>
+              <a:t>难以早期发现上层模块中有关逻辑和控制方面的缺陷</a:t>
+            </a:r>
+          </a:p>
+          <a:p>
+            <a:pPr lvl="1"/>
+            <a:r>
+              <a:rPr lang="zh-CN" b="1" smtClean="0"/>
+              <a:t>直至加入最后一个模块才能看到整个系统框架，难以早期发现时序问题和资源竞争问题</a:t>
+            </a:r>
+          </a:p>
+        </p:txBody>
+      </p:sp>
+      <p:sp>
+        <p:nvSpPr>
+          <p:cNvPr id="26629" name="Rectangle 6"/>
           <p:cNvSpPr>
             <a:spLocks noChangeArrowheads="1"/>
           </p:cNvSpPr>
@@ -14291,7 +15171,7 @@
       </p:grpSpPr>
       <p:sp>
         <p:nvSpPr>
-          <p:cNvPr id="28674" name="灯片编号占位符 5"/>
+          <p:cNvPr id="27650" name="灯片编号占位符 5"/>
           <p:cNvSpPr txBox="1">
             <a:spLocks noGrp="1" noChangeArrowheads="1"/>
           </p:cNvSpPr>
@@ -14440,7 +15320,7 @@
           </a:lstStyle>
           <a:p>
             <a:pPr algn="r" eaLnBrk="1" hangingPunct="1"/>
-            <a:fld id="{CA4BE290-2B1A-49AE-A5DD-BC383FB8326C}" type="slidenum">
+            <a:fld id="{62851BE9-1212-4185-94FB-532953304432}" type="slidenum">
               <a:rPr lang="en-US" altLang="zh-CN" sz="1200"/>
               <a:pPr algn="r" eaLnBrk="1" hangingPunct="1"/>
               <a:t>26</a:t>
@@ -14451,7 +15331,7 @@
       </p:sp>
       <p:sp>
         <p:nvSpPr>
-          <p:cNvPr id="28675" name="Rectangle 2"/>
+          <p:cNvPr id="27651" name="Rectangle 2"/>
           <p:cNvSpPr>
             <a:spLocks noGrp="1" noChangeArrowheads="1"/>
           </p:cNvSpPr>
@@ -14484,7 +15364,7 @@
       </p:sp>
       <p:sp>
         <p:nvSpPr>
-          <p:cNvPr id="28676" name="Rectangle 3"/>
+          <p:cNvPr id="27652" name="Rectangle 3"/>
           <p:cNvSpPr>
             <a:spLocks noGrp="1" noChangeArrowheads="1"/>
           </p:cNvSpPr>
@@ -14500,25 +15380,25 @@
             <a:pPr algn="just" eaLnBrk="1" hangingPunct="1"/>
             <a:r>
               <a:rPr lang="zh-CN" sz="3400" b="1" smtClean="0"/>
-              <a:t>策略</a:t>
+              <a:t>三明治集成</a:t>
             </a:r>
             <a:r>
               <a:rPr lang="en-US" altLang="zh-CN" sz="3400" b="1" smtClean="0"/>
-              <a:t>1</a:t>
+              <a:t>(Sandwich)</a:t>
             </a:r>
           </a:p>
           <a:p>
             <a:pPr algn="just" eaLnBrk="1" hangingPunct="1"/>
             <a:r>
               <a:rPr lang="zh-CN" sz="3400" b="1" smtClean="0"/>
-              <a:t>将系统划分为三层，中间层为目标层，测试时对目标层上面的层使用自顶向下的集成策略，对目标层下面的层使用自底向上的集成策略。</a:t>
-            </a:r>
-          </a:p>
-        </p:txBody>
-      </p:sp>
-      <p:sp>
-        <p:nvSpPr>
-          <p:cNvPr id="28677" name="Rectangle 6"/>
+              <a:t>基本思想：将自顶向下和自底向上集成方法结合起来的集成策略。在调用图上按照一定的策略，分别自顶向下和自底向上展开集成，并在子树上进行大爆炸集成</a:t>
+            </a:r>
+          </a:p>
+        </p:txBody>
+      </p:sp>
+      <p:sp>
+        <p:nvSpPr>
+          <p:cNvPr id="27653" name="Rectangle 6"/>
           <p:cNvSpPr>
             <a:spLocks noChangeArrowheads="1"/>
           </p:cNvSpPr>
@@ -14594,7 +15474,7 @@
       </p:grpSpPr>
       <p:sp>
         <p:nvSpPr>
-          <p:cNvPr id="29698" name="灯片编号占位符 5"/>
+          <p:cNvPr id="28674" name="灯片编号占位符 5"/>
           <p:cNvSpPr txBox="1">
             <a:spLocks noGrp="1" noChangeArrowheads="1"/>
           </p:cNvSpPr>
@@ -14743,7 +15623,7 @@
           </a:lstStyle>
           <a:p>
             <a:pPr algn="r" eaLnBrk="1" hangingPunct="1"/>
-            <a:fld id="{2C788AA4-45E2-41E3-82C9-F1B82CF819A3}" type="slidenum">
+            <a:fld id="{CA4BE290-2B1A-49AE-A5DD-BC383FB8326C}" type="slidenum">
               <a:rPr lang="en-US" altLang="zh-CN" sz="1200"/>
               <a:pPr algn="r" eaLnBrk="1" hangingPunct="1"/>
               <a:t>27</a:t>
@@ -14754,7 +15634,7 @@
       </p:sp>
       <p:sp>
         <p:nvSpPr>
-          <p:cNvPr id="29699" name="Rectangle 2"/>
+          <p:cNvPr id="28675" name="Rectangle 2"/>
           <p:cNvSpPr>
             <a:spLocks noGrp="1" noChangeArrowheads="1"/>
           </p:cNvSpPr>
@@ -14787,7 +15667,7 @@
       </p:sp>
       <p:sp>
         <p:nvSpPr>
-          <p:cNvPr id="29700" name="Rectangle 3"/>
+          <p:cNvPr id="28676" name="Rectangle 3"/>
           <p:cNvSpPr>
             <a:spLocks noGrp="1" noChangeArrowheads="1"/>
           </p:cNvSpPr>
@@ -14807,29 +15687,21 @@
             </a:r>
             <a:r>
               <a:rPr lang="en-US" altLang="zh-CN" sz="3400" b="1" smtClean="0"/>
-              <a:t>2</a:t>
+              <a:t>1</a:t>
             </a:r>
           </a:p>
           <a:p>
             <a:pPr algn="just" eaLnBrk="1" hangingPunct="1"/>
             <a:r>
               <a:rPr lang="zh-CN" sz="3400" b="1" smtClean="0"/>
-              <a:t>基于策略</a:t>
-            </a:r>
-            <a:r>
-              <a:rPr lang="en-US" altLang="zh-CN" sz="3400" b="1" smtClean="0"/>
-              <a:t>1</a:t>
-            </a:r>
-            <a:r>
-              <a:rPr lang="zh-CN" sz="3400" b="1" smtClean="0"/>
-              <a:t>并对目标层采用独立测试策略，确保目标层模块在集成测试之前得到充分的测试</a:t>
-            </a:r>
-          </a:p>
-        </p:txBody>
-      </p:sp>
-      <p:sp>
-        <p:nvSpPr>
-          <p:cNvPr id="29701" name="Rectangle 6"/>
+              <a:t>将系统划分为三层，中间层为目标层，测试时对目标层上面的层使用自顶向下的集成策略，对目标层下面的层使用自底向上的集成策略。</a:t>
+            </a:r>
+          </a:p>
+        </p:txBody>
+      </p:sp>
+      <p:sp>
+        <p:nvSpPr>
+          <p:cNvPr id="28677" name="Rectangle 6"/>
           <p:cNvSpPr>
             <a:spLocks noChangeArrowheads="1"/>
           </p:cNvSpPr>
@@ -14905,7 +15777,7 @@
       </p:grpSpPr>
       <p:sp>
         <p:nvSpPr>
-          <p:cNvPr id="30722" name="灯片编号占位符 5"/>
+          <p:cNvPr id="29698" name="灯片编号占位符 5"/>
           <p:cNvSpPr txBox="1">
             <a:spLocks noGrp="1" noChangeArrowheads="1"/>
           </p:cNvSpPr>
@@ -15054,7 +15926,7 @@
           </a:lstStyle>
           <a:p>
             <a:pPr algn="r" eaLnBrk="1" hangingPunct="1"/>
-            <a:fld id="{A9841A68-5296-4C95-9C84-740E683C44AD}" type="slidenum">
+            <a:fld id="{2C788AA4-45E2-41E3-82C9-F1B82CF819A3}" type="slidenum">
               <a:rPr lang="en-US" altLang="zh-CN" sz="1200"/>
               <a:pPr algn="r" eaLnBrk="1" hangingPunct="1"/>
               <a:t>28</a:t>
@@ -15065,7 +15937,7 @@
       </p:sp>
       <p:sp>
         <p:nvSpPr>
-          <p:cNvPr id="30723" name="Rectangle 2"/>
+          <p:cNvPr id="29699" name="Rectangle 2"/>
           <p:cNvSpPr>
             <a:spLocks noGrp="1" noChangeArrowheads="1"/>
           </p:cNvSpPr>
@@ -15098,7 +15970,7 @@
       </p:sp>
       <p:sp>
         <p:nvSpPr>
-          <p:cNvPr id="30724" name="Rectangle 3"/>
+          <p:cNvPr id="29700" name="Rectangle 3"/>
           <p:cNvSpPr>
             <a:spLocks noGrp="1" noChangeArrowheads="1"/>
           </p:cNvSpPr>
@@ -15118,21 +15990,29 @@
             </a:r>
             <a:r>
               <a:rPr lang="en-US" altLang="zh-CN" sz="3400" b="1" smtClean="0"/>
-              <a:t>3</a:t>
+              <a:t>2</a:t>
             </a:r>
           </a:p>
           <a:p>
             <a:pPr algn="just" eaLnBrk="1" hangingPunct="1"/>
             <a:r>
               <a:rPr lang="zh-CN" sz="3400" b="1" smtClean="0"/>
-              <a:t>对包含读操作的子系统自底向上集成测试直至根节点，然后对包含写操作的子系统自顶向下集成测试直至叶子节点</a:t>
-            </a:r>
-          </a:p>
-        </p:txBody>
-      </p:sp>
-      <p:sp>
-        <p:nvSpPr>
-          <p:cNvPr id="30725" name="Rectangle 6"/>
+              <a:t>基于策略</a:t>
+            </a:r>
+            <a:r>
+              <a:rPr lang="en-US" altLang="zh-CN" sz="3400" b="1" smtClean="0"/>
+              <a:t>1</a:t>
+            </a:r>
+            <a:r>
+              <a:rPr lang="zh-CN" sz="3400" b="1" smtClean="0"/>
+              <a:t>并对目标层采用独立测试策略，确保目标层模块在集成测试之前得到充分的测试</a:t>
+            </a:r>
+          </a:p>
+        </p:txBody>
+      </p:sp>
+      <p:sp>
+        <p:nvSpPr>
+          <p:cNvPr id="29701" name="Rectangle 6"/>
           <p:cNvSpPr>
             <a:spLocks noChangeArrowheads="1"/>
           </p:cNvSpPr>
@@ -15208,7 +16088,7 @@
       </p:grpSpPr>
       <p:sp>
         <p:nvSpPr>
-          <p:cNvPr id="31746" name="灯片编号占位符 5"/>
+          <p:cNvPr id="30722" name="灯片编号占位符 5"/>
           <p:cNvSpPr txBox="1">
             <a:spLocks noGrp="1" noChangeArrowheads="1"/>
           </p:cNvSpPr>
@@ -15357,7 +16237,7 @@
           </a:lstStyle>
           <a:p>
             <a:pPr algn="r" eaLnBrk="1" hangingPunct="1"/>
-            <a:fld id="{7BA65923-1850-471D-8396-24F9ADFB6FE1}" type="slidenum">
+            <a:fld id="{A9841A68-5296-4C95-9C84-740E683C44AD}" type="slidenum">
               <a:rPr lang="en-US" altLang="zh-CN" sz="1200"/>
               <a:pPr algn="r" eaLnBrk="1" hangingPunct="1"/>
               <a:t>29</a:t>
@@ -15368,7 +16248,7 @@
       </p:sp>
       <p:sp>
         <p:nvSpPr>
-          <p:cNvPr id="31747" name="Rectangle 2"/>
+          <p:cNvPr id="30723" name="Rectangle 2"/>
           <p:cNvSpPr>
             <a:spLocks noGrp="1" noChangeArrowheads="1"/>
           </p:cNvSpPr>
@@ -15401,7 +16281,7 @@
       </p:sp>
       <p:sp>
         <p:nvSpPr>
-          <p:cNvPr id="31748" name="Rectangle 3"/>
+          <p:cNvPr id="30724" name="Rectangle 3"/>
           <p:cNvSpPr>
             <a:spLocks noGrp="1" noChangeArrowheads="1"/>
           </p:cNvSpPr>
@@ -15414,95 +16294,37 @@
           <a:bodyPr/>
           <a:lstStyle/>
           <a:p>
-            <a:pPr eaLnBrk="1" hangingPunct="1"/>
-            <a:r>
-              <a:rPr lang="zh-CN" sz="3800" b="1" smtClean="0">
-                <a:solidFill>
-                  <a:srgbClr val="0000FF"/>
-                </a:solidFill>
-                <a:ea typeface="华文新魏" pitchFamily="2" charset="-122"/>
-              </a:rPr>
-              <a:t>捉虫实践</a:t>
-            </a:r>
-            <a:r>
-              <a:rPr lang="en-US" altLang="zh-CN" sz="3800" b="1" smtClean="0">
-                <a:solidFill>
-                  <a:srgbClr val="0000FF"/>
-                </a:solidFill>
-                <a:ea typeface="华文新魏" pitchFamily="2" charset="-122"/>
-              </a:rPr>
-              <a:t>7</a:t>
-            </a:r>
-            <a:r>
-              <a:rPr lang="zh-CN" sz="3800" b="1" smtClean="0">
-                <a:solidFill>
-                  <a:srgbClr val="0000FF"/>
-                </a:solidFill>
-                <a:ea typeface="华文新魏" pitchFamily="2" charset="-122"/>
-              </a:rPr>
-              <a:t>：第二日问题</a:t>
-            </a:r>
-            <a:endParaRPr lang="en-US" sz="3800" b="1" smtClean="0">
-              <a:solidFill>
-                <a:srgbClr val="0000FF"/>
-              </a:solidFill>
-              <a:ea typeface="华文新魏" pitchFamily="2" charset="-122"/>
-            </a:endParaRPr>
-          </a:p>
-          <a:p>
-            <a:pPr eaLnBrk="1" hangingPunct="1"/>
-            <a:r>
-              <a:rPr lang="zh-CN" sz="3800" b="1" smtClean="0">
-                <a:solidFill>
-                  <a:srgbClr val="0000FF"/>
-                </a:solidFill>
-                <a:ea typeface="华文新魏" pitchFamily="2" charset="-122"/>
-              </a:rPr>
+            <a:pPr algn="just" eaLnBrk="1" hangingPunct="1"/>
+            <a:r>
+              <a:rPr lang="zh-CN" sz="3400" b="1" smtClean="0"/>
               <a:t>策略</a:t>
             </a:r>
             <a:r>
-              <a:rPr lang="en-US" altLang="zh-CN" sz="3800" b="1" smtClean="0">
-                <a:solidFill>
-                  <a:srgbClr val="0000FF"/>
-                </a:solidFill>
-                <a:ea typeface="华文新魏" pitchFamily="2" charset="-122"/>
-              </a:rPr>
-              <a:t>1</a:t>
-            </a:r>
-            <a:endParaRPr lang="en-US" altLang="zh-CN" sz="3400" b="1" smtClean="0">
-              <a:solidFill>
-                <a:srgbClr val="0000FF"/>
-              </a:solidFill>
-              <a:ea typeface="华文新魏" pitchFamily="2" charset="-122"/>
-            </a:endParaRPr>
-          </a:p>
-        </p:txBody>
-      </p:sp>
-      <p:pic>
-        <p:nvPicPr>
-          <p:cNvPr id="31749" name="Picture 6" descr="8t7"/>
-          <p:cNvPicPr>
-            <a:picLocks noChangeAspect="1" noChangeArrowheads="1"/>
-          </p:cNvPicPr>
+              <a:rPr lang="en-US" altLang="zh-CN" sz="3400" b="1" smtClean="0"/>
+              <a:t>3</a:t>
+            </a:r>
+          </a:p>
+          <a:p>
+            <a:pPr algn="just" eaLnBrk="1" hangingPunct="1"/>
+            <a:r>
+              <a:rPr lang="zh-CN" sz="3400" b="1" smtClean="0"/>
+              <a:t>对包含读操作的子系统自底向上集成测试直至根节点，然后对包含写操作的子系统自顶向下集成测试直至叶子节点</a:t>
+            </a:r>
+          </a:p>
+        </p:txBody>
+      </p:sp>
+      <p:sp>
+        <p:nvSpPr>
+          <p:cNvPr id="30725" name="Rectangle 6"/>
+          <p:cNvSpPr>
+            <a:spLocks noChangeArrowheads="1"/>
+          </p:cNvSpPr>
           <p:nvPr/>
-        </p:nvPicPr>
-        <p:blipFill>
-          <a:blip r:embed="rId2">
-            <a:extLst>
-              <a:ext uri="{28A0092B-C50C-407E-A947-70E740481C1C}">
-                <a14:useLocalDpi xmlns:a14="http://schemas.microsoft.com/office/drawing/2010/main" val="0"/>
-              </a:ext>
-            </a:extLst>
-          </a:blip>
-          <a:srcRect/>
-          <a:stretch>
-            <a:fillRect/>
-          </a:stretch>
-        </p:blipFill>
+        </p:nvSpPr>
         <p:spPr bwMode="auto">
           <a:xfrm>
-            <a:off x="73025" y="3214688"/>
-            <a:ext cx="8999538" cy="2786062"/>
+            <a:off x="0" y="2476500"/>
+            <a:ext cx="9144000" cy="0"/>
           </a:xfrm>
           <a:prstGeom prst="rect">
             <a:avLst/>
@@ -15531,7 +16353,16 @@
             </a:ext>
           </a:extLst>
         </p:spPr>
-      </p:pic>
+        <p:txBody>
+          <a:bodyPr wrap="none" anchor="ctr">
+            <a:spAutoFit/>
+          </a:bodyPr>
+          <a:lstStyle/>
+          <a:p>
+            <a:endParaRPr lang="zh-CN" altLang="zh-CN"/>
+          </a:p>
+        </p:txBody>
+      </p:sp>
     </p:spTree>
   </p:cSld>
   <p:clrMapOvr>
@@ -15829,7 +16660,7 @@
       </p:grpSpPr>
       <p:sp>
         <p:nvSpPr>
-          <p:cNvPr id="32770" name="灯片编号占位符 5"/>
+          <p:cNvPr id="31746" name="灯片编号占位符 5"/>
           <p:cNvSpPr txBox="1">
             <a:spLocks noGrp="1" noChangeArrowheads="1"/>
           </p:cNvSpPr>
@@ -15978,7 +16809,7 @@
           </a:lstStyle>
           <a:p>
             <a:pPr algn="r" eaLnBrk="1" hangingPunct="1"/>
-            <a:fld id="{E4A40AB8-CDAF-4D4D-A582-1A636A3669C0}" type="slidenum">
+            <a:fld id="{7BA65923-1850-471D-8396-24F9ADFB6FE1}" type="slidenum">
               <a:rPr lang="en-US" altLang="zh-CN" sz="1200"/>
               <a:pPr algn="r" eaLnBrk="1" hangingPunct="1"/>
               <a:t>30</a:t>
@@ -15989,7 +16820,7 @@
       </p:sp>
       <p:sp>
         <p:nvSpPr>
-          <p:cNvPr id="32771" name="Rectangle 2"/>
+          <p:cNvPr id="31747" name="Rectangle 2"/>
           <p:cNvSpPr>
             <a:spLocks noGrp="1" noChangeArrowheads="1"/>
           </p:cNvSpPr>
@@ -16022,7 +16853,7 @@
       </p:sp>
       <p:sp>
         <p:nvSpPr>
-          <p:cNvPr id="32772" name="Rectangle 3"/>
+          <p:cNvPr id="31748" name="Rectangle 3"/>
           <p:cNvSpPr>
             <a:spLocks noGrp="1" noChangeArrowheads="1"/>
           </p:cNvSpPr>
@@ -16088,7 +16919,7 @@
                 </a:solidFill>
                 <a:ea typeface="华文新魏" pitchFamily="2" charset="-122"/>
               </a:rPr>
-              <a:t>3</a:t>
+              <a:t>1</a:t>
             </a:r>
             <a:endParaRPr lang="en-US" altLang="zh-CN" sz="3400" b="1" smtClean="0">
               <a:solidFill>
@@ -16101,14 +16932,14 @@
       </p:sp>
       <p:pic>
         <p:nvPicPr>
-          <p:cNvPr id="32773" name="Picture 2" descr="8t8"/>
+          <p:cNvPr id="31749" name="Picture 6" descr="8t7"/>
           <p:cNvPicPr>
             <a:picLocks noChangeAspect="1" noChangeArrowheads="1"/>
           </p:cNvPicPr>
           <p:nvPr/>
         </p:nvPicPr>
         <p:blipFill>
-          <a:blip r:embed="rId2">
+          <a:blip r:embed="rId2" cstate="print">
             <a:extLst>
               <a:ext uri="{28A0092B-C50C-407E-A947-70E740481C1C}">
                 <a14:useLocalDpi xmlns:a14="http://schemas.microsoft.com/office/drawing/2010/main" val="0"/>
@@ -16122,8 +16953,8 @@
         </p:blipFill>
         <p:spPr bwMode="auto">
           <a:xfrm>
-            <a:off x="101600" y="3143250"/>
-            <a:ext cx="8970963" cy="3357563"/>
+            <a:off x="73025" y="3214688"/>
+            <a:ext cx="8999538" cy="2786062"/>
           </a:xfrm>
           <a:prstGeom prst="rect">
             <a:avLst/>
@@ -16181,7 +17012,7 @@
       </p:grpSpPr>
       <p:sp>
         <p:nvSpPr>
-          <p:cNvPr id="33794" name="灯片编号占位符 5"/>
+          <p:cNvPr id="32770" name="灯片编号占位符 5"/>
           <p:cNvSpPr txBox="1">
             <a:spLocks noGrp="1" noChangeArrowheads="1"/>
           </p:cNvSpPr>
@@ -16330,7 +17161,7 @@
           </a:lstStyle>
           <a:p>
             <a:pPr algn="r" eaLnBrk="1" hangingPunct="1"/>
-            <a:fld id="{47432CFD-86FB-4096-BBE8-B8B048637D0F}" type="slidenum">
+            <a:fld id="{E4A40AB8-CDAF-4D4D-A582-1A636A3669C0}" type="slidenum">
               <a:rPr lang="en-US" altLang="zh-CN" sz="1200"/>
               <a:pPr algn="r" eaLnBrk="1" hangingPunct="1"/>
               <a:t>31</a:t>
@@ -16341,7 +17172,7 @@
       </p:sp>
       <p:sp>
         <p:nvSpPr>
-          <p:cNvPr id="33795" name="Rectangle 2"/>
+          <p:cNvPr id="32771" name="Rectangle 2"/>
           <p:cNvSpPr>
             <a:spLocks noGrp="1" noChangeArrowheads="1"/>
           </p:cNvSpPr>
@@ -16374,7 +17205,7 @@
       </p:sp>
       <p:sp>
         <p:nvSpPr>
-          <p:cNvPr id="33796" name="Rectangle 3"/>
+          <p:cNvPr id="32772" name="Rectangle 3"/>
           <p:cNvSpPr>
             <a:spLocks noGrp="1" noChangeArrowheads="1"/>
           </p:cNvSpPr>
@@ -16387,55 +17218,95 @@
           <a:bodyPr/>
           <a:lstStyle/>
           <a:p>
-            <a:pPr algn="just" eaLnBrk="1" hangingPunct="1"/>
-            <a:r>
-              <a:rPr lang="zh-CN" sz="3400" b="1" smtClean="0"/>
-              <a:t>优势：结合了自顶向下和自底向上的集成的优势</a:t>
-            </a:r>
-            <a:endParaRPr lang="en-US" sz="3400" b="1" smtClean="0"/>
-          </a:p>
-          <a:p>
-            <a:pPr algn="just" eaLnBrk="1" hangingPunct="1"/>
-            <a:r>
-              <a:rPr lang="zh-CN" sz="3400" b="1" smtClean="0"/>
-              <a:t>不足</a:t>
-            </a:r>
-          </a:p>
-          <a:p>
-            <a:pPr lvl="1"/>
-            <a:r>
-              <a:rPr lang="zh-CN" b="1" smtClean="0"/>
-              <a:t>中间的目标层可能得不到充分的测试</a:t>
-            </a:r>
-          </a:p>
-          <a:p>
-            <a:pPr lvl="1"/>
-            <a:r>
-              <a:rPr lang="zh-CN" b="1" smtClean="0"/>
-              <a:t>需要同时开发桩和驱动模块，这部分工作量可能是相当惊人的</a:t>
-            </a:r>
-          </a:p>
-          <a:p>
-            <a:pPr lvl="1"/>
-            <a:r>
-              <a:rPr lang="zh-CN" b="1" smtClean="0"/>
-              <a:t>需在子树上进行大爆炸集成，一旦发现缺陷，涉及的接口数量较多，增加了缺陷定位难度</a:t>
-            </a:r>
-          </a:p>
-        </p:txBody>
-      </p:sp>
-      <p:sp>
-        <p:nvSpPr>
-          <p:cNvPr id="33797" name="Rectangle 6"/>
-          <p:cNvSpPr>
-            <a:spLocks noChangeArrowheads="1"/>
-          </p:cNvSpPr>
+            <a:pPr eaLnBrk="1" hangingPunct="1"/>
+            <a:r>
+              <a:rPr lang="zh-CN" sz="3800" b="1" smtClean="0">
+                <a:solidFill>
+                  <a:srgbClr val="0000FF"/>
+                </a:solidFill>
+                <a:ea typeface="华文新魏" pitchFamily="2" charset="-122"/>
+              </a:rPr>
+              <a:t>捉虫实践</a:t>
+            </a:r>
+            <a:r>
+              <a:rPr lang="en-US" altLang="zh-CN" sz="3800" b="1" smtClean="0">
+                <a:solidFill>
+                  <a:srgbClr val="0000FF"/>
+                </a:solidFill>
+                <a:ea typeface="华文新魏" pitchFamily="2" charset="-122"/>
+              </a:rPr>
+              <a:t>7</a:t>
+            </a:r>
+            <a:r>
+              <a:rPr lang="zh-CN" sz="3800" b="1" smtClean="0">
+                <a:solidFill>
+                  <a:srgbClr val="0000FF"/>
+                </a:solidFill>
+                <a:ea typeface="华文新魏" pitchFamily="2" charset="-122"/>
+              </a:rPr>
+              <a:t>：第二日问题</a:t>
+            </a:r>
+            <a:endParaRPr lang="en-US" sz="3800" b="1" smtClean="0">
+              <a:solidFill>
+                <a:srgbClr val="0000FF"/>
+              </a:solidFill>
+              <a:ea typeface="华文新魏" pitchFamily="2" charset="-122"/>
+            </a:endParaRPr>
+          </a:p>
+          <a:p>
+            <a:pPr eaLnBrk="1" hangingPunct="1"/>
+            <a:r>
+              <a:rPr lang="zh-CN" sz="3800" b="1" smtClean="0">
+                <a:solidFill>
+                  <a:srgbClr val="0000FF"/>
+                </a:solidFill>
+                <a:ea typeface="华文新魏" pitchFamily="2" charset="-122"/>
+              </a:rPr>
+              <a:t>策略</a:t>
+            </a:r>
+            <a:r>
+              <a:rPr lang="en-US" altLang="zh-CN" sz="3800" b="1" smtClean="0">
+                <a:solidFill>
+                  <a:srgbClr val="0000FF"/>
+                </a:solidFill>
+                <a:ea typeface="华文新魏" pitchFamily="2" charset="-122"/>
+              </a:rPr>
+              <a:t>3</a:t>
+            </a:r>
+            <a:endParaRPr lang="en-US" altLang="zh-CN" sz="3400" b="1" smtClean="0">
+              <a:solidFill>
+                <a:srgbClr val="0000FF"/>
+              </a:solidFill>
+              <a:ea typeface="华文新魏" pitchFamily="2" charset="-122"/>
+            </a:endParaRPr>
+          </a:p>
+        </p:txBody>
+      </p:sp>
+      <p:pic>
+        <p:nvPicPr>
+          <p:cNvPr id="32773" name="Picture 2" descr="8t8"/>
+          <p:cNvPicPr>
+            <a:picLocks noChangeAspect="1" noChangeArrowheads="1"/>
+          </p:cNvPicPr>
           <p:nvPr/>
-        </p:nvSpPr>
+        </p:nvPicPr>
+        <p:blipFill>
+          <a:blip r:embed="rId2" cstate="print">
+            <a:extLst>
+              <a:ext uri="{28A0092B-C50C-407E-A947-70E740481C1C}">
+                <a14:useLocalDpi xmlns:a14="http://schemas.microsoft.com/office/drawing/2010/main" val="0"/>
+              </a:ext>
+            </a:extLst>
+          </a:blip>
+          <a:srcRect/>
+          <a:stretch>
+            <a:fillRect/>
+          </a:stretch>
+        </p:blipFill>
         <p:spPr bwMode="auto">
           <a:xfrm>
-            <a:off x="0" y="2476500"/>
-            <a:ext cx="9144000" cy="0"/>
+            <a:off x="101600" y="3143250"/>
+            <a:ext cx="8970963" cy="3357563"/>
           </a:xfrm>
           <a:prstGeom prst="rect">
             <a:avLst/>
@@ -16464,16 +17335,7 @@
             </a:ext>
           </a:extLst>
         </p:spPr>
-        <p:txBody>
-          <a:bodyPr wrap="none" anchor="ctr">
-            <a:spAutoFit/>
-          </a:bodyPr>
-          <a:lstStyle/>
-          <a:p>
-            <a:endParaRPr lang="zh-CN" altLang="zh-CN"/>
-          </a:p>
-        </p:txBody>
-      </p:sp>
+      </p:pic>
     </p:spTree>
   </p:cSld>
   <p:clrMapOvr>
@@ -16502,7 +17364,7 @@
       </p:grpSpPr>
       <p:sp>
         <p:nvSpPr>
-          <p:cNvPr id="34818" name="灯片编号占位符 5"/>
+          <p:cNvPr id="33794" name="灯片编号占位符 5"/>
           <p:cNvSpPr txBox="1">
             <a:spLocks noGrp="1" noChangeArrowheads="1"/>
           </p:cNvSpPr>
@@ -16651,10 +17513,331 @@
           </a:lstStyle>
           <a:p>
             <a:pPr algn="r" eaLnBrk="1" hangingPunct="1"/>
+            <a:fld id="{47432CFD-86FB-4096-BBE8-B8B048637D0F}" type="slidenum">
+              <a:rPr lang="en-US" altLang="zh-CN" sz="1200"/>
+              <a:pPr algn="r" eaLnBrk="1" hangingPunct="1"/>
+              <a:t>32</a:t>
+            </a:fld>
+            <a:endParaRPr lang="en-US" altLang="zh-CN" sz="1200"/>
+          </a:p>
+        </p:txBody>
+      </p:sp>
+      <p:sp>
+        <p:nvSpPr>
+          <p:cNvPr id="33795" name="Rectangle 2"/>
+          <p:cNvSpPr>
+            <a:spLocks noGrp="1" noChangeArrowheads="1"/>
+          </p:cNvSpPr>
+          <p:nvPr>
+            <p:ph type="title" idx="4294967295"/>
+          </p:nvPr>
+        </p:nvSpPr>
+        <p:spPr/>
+        <p:txBody>
+          <a:bodyPr/>
+          <a:lstStyle/>
+          <a:p>
+            <a:pPr eaLnBrk="1" hangingPunct="1"/>
+            <a:r>
+              <a:rPr lang="en-US" altLang="zh-CN" b="1" smtClean="0">
+                <a:latin typeface="黑体" pitchFamily="49" charset="-122"/>
+                <a:ea typeface="黑体" pitchFamily="49" charset="-122"/>
+              </a:rPr>
+              <a:t>8.4 </a:t>
+            </a:r>
+            <a:r>
+              <a:rPr lang="zh-CN" b="1" smtClean="0">
+                <a:latin typeface="黑体" pitchFamily="49" charset="-122"/>
+                <a:ea typeface="黑体" pitchFamily="49" charset="-122"/>
+              </a:rPr>
+              <a:t>集成测试遍历顺序的设计</a:t>
+            </a:r>
+          </a:p>
+        </p:txBody>
+      </p:sp>
+      <p:sp>
+        <p:nvSpPr>
+          <p:cNvPr id="33796" name="Rectangle 3"/>
+          <p:cNvSpPr>
+            <a:spLocks noGrp="1" noChangeArrowheads="1"/>
+          </p:cNvSpPr>
+          <p:nvPr>
+            <p:ph type="body" idx="4294967295"/>
+          </p:nvPr>
+        </p:nvSpPr>
+        <p:spPr/>
+        <p:txBody>
+          <a:bodyPr/>
+          <a:lstStyle/>
+          <a:p>
+            <a:pPr algn="just" eaLnBrk="1" hangingPunct="1"/>
+            <a:r>
+              <a:rPr lang="zh-CN" sz="3400" b="1" smtClean="0"/>
+              <a:t>优势：结合了自顶向下和自底向上的集成的优势</a:t>
+            </a:r>
+            <a:endParaRPr lang="en-US" sz="3400" b="1" smtClean="0"/>
+          </a:p>
+          <a:p>
+            <a:pPr algn="just" eaLnBrk="1" hangingPunct="1"/>
+            <a:r>
+              <a:rPr lang="zh-CN" sz="3400" b="1" smtClean="0"/>
+              <a:t>不足</a:t>
+            </a:r>
+          </a:p>
+          <a:p>
+            <a:pPr lvl="1"/>
+            <a:r>
+              <a:rPr lang="zh-CN" b="1" smtClean="0"/>
+              <a:t>中间的目标层可能得不到充分的测试</a:t>
+            </a:r>
+          </a:p>
+          <a:p>
+            <a:pPr lvl="1"/>
+            <a:r>
+              <a:rPr lang="zh-CN" b="1" smtClean="0"/>
+              <a:t>需要同时开发桩和驱动模块，这部分工作量可能是相当惊人的</a:t>
+            </a:r>
+          </a:p>
+          <a:p>
+            <a:pPr lvl="1"/>
+            <a:r>
+              <a:rPr lang="zh-CN" b="1" smtClean="0"/>
+              <a:t>需在子树上进行大爆炸集成，一旦发现缺陷，涉及的接口数量较多，增加了缺陷定位难度</a:t>
+            </a:r>
+          </a:p>
+        </p:txBody>
+      </p:sp>
+      <p:sp>
+        <p:nvSpPr>
+          <p:cNvPr id="33797" name="Rectangle 6"/>
+          <p:cNvSpPr>
+            <a:spLocks noChangeArrowheads="1"/>
+          </p:cNvSpPr>
+          <p:nvPr/>
+        </p:nvSpPr>
+        <p:spPr bwMode="auto">
+          <a:xfrm>
+            <a:off x="0" y="2476500"/>
+            <a:ext cx="9144000" cy="0"/>
+          </a:xfrm>
+          <a:prstGeom prst="rect">
+            <a:avLst/>
+          </a:prstGeom>
+          <a:noFill/>
+          <a:ln>
+            <a:noFill/>
+          </a:ln>
+          <a:extLst>
+            <a:ext uri="{909E8E84-426E-40DD-AFC4-6F175D3DCCD1}">
+              <a14:hiddenFill xmlns:a14="http://schemas.microsoft.com/office/drawing/2010/main">
+                <a:solidFill>
+                  <a:srgbClr val="FFFFFF"/>
+                </a:solidFill>
+              </a14:hiddenFill>
+            </a:ext>
+            <a:ext uri="{91240B29-F687-4F45-9708-019B960494DF}">
+              <a14:hiddenLine xmlns:a14="http://schemas.microsoft.com/office/drawing/2010/main" w="9525">
+                <a:solidFill>
+                  <a:srgbClr val="000000"/>
+                </a:solidFill>
+                <a:miter lim="800000"/>
+                <a:headEnd/>
+                <a:tailEnd/>
+              </a14:hiddenLine>
+            </a:ext>
+          </a:extLst>
+        </p:spPr>
+        <p:txBody>
+          <a:bodyPr wrap="none" anchor="ctr">
+            <a:spAutoFit/>
+          </a:bodyPr>
+          <a:lstStyle/>
+          <a:p>
+            <a:endParaRPr lang="zh-CN" altLang="zh-CN"/>
+          </a:p>
+        </p:txBody>
+      </p:sp>
+    </p:spTree>
+  </p:cSld>
+  <p:clrMapOvr>
+    <a:masterClrMapping/>
+  </p:clrMapOvr>
+  <p:transition/>
+</p:sld>
+</file>
+
+<file path=ppt/slides/slide33.xml><?xml version="1.0" encoding="utf-8"?>
+<p:sld xmlns:a="http://schemas.openxmlformats.org/drawingml/2006/main" xmlns:r="http://schemas.openxmlformats.org/officeDocument/2006/relationships" xmlns:p="http://schemas.openxmlformats.org/presentationml/2006/main">
+  <p:cSld>
+    <p:spTree>
+      <p:nvGrpSpPr>
+        <p:cNvPr id="1" name=""/>
+        <p:cNvGrpSpPr/>
+        <p:nvPr/>
+      </p:nvGrpSpPr>
+      <p:grpSpPr>
+        <a:xfrm>
+          <a:off x="0" y="0"/>
+          <a:ext cx="0" cy="0"/>
+          <a:chOff x="0" y="0"/>
+          <a:chExt cx="0" cy="0"/>
+        </a:xfrm>
+      </p:grpSpPr>
+      <p:sp>
+        <p:nvSpPr>
+          <p:cNvPr id="34818" name="灯片编号占位符 5"/>
+          <p:cNvSpPr txBox="1">
+            <a:spLocks noGrp="1" noChangeArrowheads="1"/>
+          </p:cNvSpPr>
+          <p:nvPr/>
+        </p:nvSpPr>
+        <p:spPr bwMode="auto">
+          <a:xfrm>
+            <a:off x="6553200" y="6245225"/>
+            <a:ext cx="1981200" cy="476250"/>
+          </a:xfrm>
+          <a:prstGeom prst="rect">
+            <a:avLst/>
+          </a:prstGeom>
+          <a:noFill/>
+          <a:ln>
+            <a:noFill/>
+          </a:ln>
+          <a:extLst>
+            <a:ext uri="{909E8E84-426E-40DD-AFC4-6F175D3DCCD1}">
+              <a14:hiddenFill xmlns:a14="http://schemas.microsoft.com/office/drawing/2010/main">
+                <a:solidFill>
+                  <a:srgbClr val="FFFFFF"/>
+                </a:solidFill>
+              </a14:hiddenFill>
+            </a:ext>
+            <a:ext uri="{91240B29-F687-4F45-9708-019B960494DF}">
+              <a14:hiddenLine xmlns:a14="http://schemas.microsoft.com/office/drawing/2010/main" w="9525">
+                <a:solidFill>
+                  <a:srgbClr val="000000"/>
+                </a:solidFill>
+                <a:miter lim="800000"/>
+                <a:headEnd/>
+                <a:tailEnd/>
+              </a14:hiddenLine>
+            </a:ext>
+          </a:extLst>
+        </p:spPr>
+        <p:txBody>
+          <a:bodyPr/>
+          <a:lstStyle>
+            <a:lvl1pPr eaLnBrk="0" hangingPunct="0">
+              <a:defRPr>
+                <a:solidFill>
+                  <a:schemeClr val="tx1"/>
+                </a:solidFill>
+                <a:latin typeface="Verdana" pitchFamily="34" charset="0"/>
+                <a:ea typeface="宋体" pitchFamily="2" charset="-122"/>
+              </a:defRPr>
+            </a:lvl1pPr>
+            <a:lvl2pPr marL="742950" indent="-285750" eaLnBrk="0" hangingPunct="0">
+              <a:defRPr>
+                <a:solidFill>
+                  <a:schemeClr val="tx1"/>
+                </a:solidFill>
+                <a:latin typeface="Verdana" pitchFamily="34" charset="0"/>
+                <a:ea typeface="宋体" pitchFamily="2" charset="-122"/>
+              </a:defRPr>
+            </a:lvl2pPr>
+            <a:lvl3pPr marL="1143000" indent="-228600" eaLnBrk="0" hangingPunct="0">
+              <a:defRPr>
+                <a:solidFill>
+                  <a:schemeClr val="tx1"/>
+                </a:solidFill>
+                <a:latin typeface="Verdana" pitchFamily="34" charset="0"/>
+                <a:ea typeface="宋体" pitchFamily="2" charset="-122"/>
+              </a:defRPr>
+            </a:lvl3pPr>
+            <a:lvl4pPr marL="1600200" indent="-228600" eaLnBrk="0" hangingPunct="0">
+              <a:defRPr>
+                <a:solidFill>
+                  <a:schemeClr val="tx1"/>
+                </a:solidFill>
+                <a:latin typeface="Verdana" pitchFamily="34" charset="0"/>
+                <a:ea typeface="宋体" pitchFamily="2" charset="-122"/>
+              </a:defRPr>
+            </a:lvl4pPr>
+            <a:lvl5pPr marL="2057400" indent="-228600" eaLnBrk="0" hangingPunct="0">
+              <a:defRPr>
+                <a:solidFill>
+                  <a:schemeClr val="tx1"/>
+                </a:solidFill>
+                <a:latin typeface="Verdana" pitchFamily="34" charset="0"/>
+                <a:ea typeface="宋体" pitchFamily="2" charset="-122"/>
+              </a:defRPr>
+            </a:lvl5pPr>
+            <a:lvl6pPr marL="2514600" indent="-228600" eaLnBrk="0" fontAlgn="base" hangingPunct="0">
+              <a:spcBef>
+                <a:spcPct val="0"/>
+              </a:spcBef>
+              <a:spcAft>
+                <a:spcPct val="0"/>
+              </a:spcAft>
+              <a:defRPr>
+                <a:solidFill>
+                  <a:schemeClr val="tx1"/>
+                </a:solidFill>
+                <a:latin typeface="Verdana" pitchFamily="34" charset="0"/>
+                <a:ea typeface="宋体" pitchFamily="2" charset="-122"/>
+              </a:defRPr>
+            </a:lvl6pPr>
+            <a:lvl7pPr marL="2971800" indent="-228600" eaLnBrk="0" fontAlgn="base" hangingPunct="0">
+              <a:spcBef>
+                <a:spcPct val="0"/>
+              </a:spcBef>
+              <a:spcAft>
+                <a:spcPct val="0"/>
+              </a:spcAft>
+              <a:defRPr>
+                <a:solidFill>
+                  <a:schemeClr val="tx1"/>
+                </a:solidFill>
+                <a:latin typeface="Verdana" pitchFamily="34" charset="0"/>
+                <a:ea typeface="宋体" pitchFamily="2" charset="-122"/>
+              </a:defRPr>
+            </a:lvl7pPr>
+            <a:lvl8pPr marL="3429000" indent="-228600" eaLnBrk="0" fontAlgn="base" hangingPunct="0">
+              <a:spcBef>
+                <a:spcPct val="0"/>
+              </a:spcBef>
+              <a:spcAft>
+                <a:spcPct val="0"/>
+              </a:spcAft>
+              <a:defRPr>
+                <a:solidFill>
+                  <a:schemeClr val="tx1"/>
+                </a:solidFill>
+                <a:latin typeface="Verdana" pitchFamily="34" charset="0"/>
+                <a:ea typeface="宋体" pitchFamily="2" charset="-122"/>
+              </a:defRPr>
+            </a:lvl8pPr>
+            <a:lvl9pPr marL="3886200" indent="-228600" eaLnBrk="0" fontAlgn="base" hangingPunct="0">
+              <a:spcBef>
+                <a:spcPct val="0"/>
+              </a:spcBef>
+              <a:spcAft>
+                <a:spcPct val="0"/>
+              </a:spcAft>
+              <a:defRPr>
+                <a:solidFill>
+                  <a:schemeClr val="tx1"/>
+                </a:solidFill>
+                <a:latin typeface="Verdana" pitchFamily="34" charset="0"/>
+                <a:ea typeface="宋体" pitchFamily="2" charset="-122"/>
+              </a:defRPr>
+            </a:lvl9pPr>
+          </a:lstStyle>
+          <a:p>
+            <a:pPr algn="r" eaLnBrk="1" hangingPunct="1"/>
             <a:fld id="{3EC29530-A650-40FB-905E-162BC2CBEE05}" type="slidenum">
               <a:rPr lang="en-US" altLang="zh-CN" sz="1200"/>
               <a:pPr algn="r" eaLnBrk="1" hangingPunct="1"/>
-              <a:t>32</a:t>
+              <a:t>33</a:t>
             </a:fld>
             <a:endParaRPr lang="en-US" altLang="zh-CN" sz="1200"/>
           </a:p>
@@ -16826,7 +18009,7 @@
 </p:sld>
 </file>
 
-<file path=ppt/slides/slide33.xml><?xml version="1.0" encoding="utf-8"?>
+<file path=ppt/slides/slide34.xml><?xml version="1.0" encoding="utf-8"?>
 <p:sld xmlns:a="http://schemas.openxmlformats.org/drawingml/2006/main" xmlns:r="http://schemas.openxmlformats.org/officeDocument/2006/relationships" xmlns:p="http://schemas.openxmlformats.org/presentationml/2006/main">
   <p:cSld>
     <p:spTree>
@@ -16997,7 +18180,7 @@
             <a:fld id="{49C843D2-2C60-49A0-98F4-5F0C8351D7AA}" type="slidenum">
               <a:rPr lang="en-US" altLang="zh-CN" sz="1200"/>
               <a:pPr algn="r" eaLnBrk="1" hangingPunct="1"/>
-              <a:t>33</a:t>
+              <a:t>34</a:t>
             </a:fld>
             <a:endParaRPr lang="en-US" altLang="zh-CN" sz="1200"/>
           </a:p>
@@ -17169,7 +18352,7 @@
 </p:sld>
 </file>
 
-<file path=ppt/slides/slide34.xml><?xml version="1.0" encoding="utf-8"?>
+<file path=ppt/slides/slide35.xml><?xml version="1.0" encoding="utf-8"?>
 <p:sld xmlns:a="http://schemas.openxmlformats.org/drawingml/2006/main" xmlns:r="http://schemas.openxmlformats.org/officeDocument/2006/relationships" xmlns:p="http://schemas.openxmlformats.org/presentationml/2006/main">
   <p:cSld>
     <p:spTree>
@@ -17196,38 +18379,24 @@
             <p:ph type="title" idx="4294967295"/>
           </p:nvPr>
         </p:nvSpPr>
-        <p:spPr/>
+        <p:spPr>
+          <a:xfrm>
+            <a:off x="899592" y="2852936"/>
+            <a:ext cx="8001000" cy="1216025"/>
+          </a:xfrm>
+        </p:spPr>
         <p:txBody>
           <a:bodyPr/>
           <a:lstStyle/>
           <a:p>
             <a:pPr algn="ctr"/>
             <a:r>
-              <a:rPr lang="zh-CN" b="1" smtClean="0">
+              <a:rPr lang="zh-CN" b="1" dirty="0" smtClean="0">
                 <a:latin typeface="黑体" pitchFamily="49" charset="-122"/>
                 <a:ea typeface="黑体" pitchFamily="49" charset="-122"/>
               </a:rPr>
               <a:t>谢 谢</a:t>
             </a:r>
-          </a:p>
-        </p:txBody>
-      </p:sp>
-      <p:sp>
-        <p:nvSpPr>
-          <p:cNvPr id="36867" name="内容占位符 2"/>
-          <p:cNvSpPr>
-            <a:spLocks noGrp="1"/>
-          </p:cNvSpPr>
-          <p:nvPr>
-            <p:ph idx="4294967295"/>
-          </p:nvPr>
-        </p:nvSpPr>
-        <p:spPr/>
-        <p:txBody>
-          <a:bodyPr/>
-          <a:lstStyle/>
-          <a:p>
-            <a:endParaRPr lang="zh-CN" altLang="zh-CN" smtClean="0"/>
           </a:p>
         </p:txBody>
       </p:sp>
@@ -17385,7 +18554,7 @@
             <a:fld id="{01117747-980D-4B9D-88C6-2157C7D541B4}" type="slidenum">
               <a:rPr lang="en-US" altLang="zh-CN" sz="1200"/>
               <a:pPr algn="r" eaLnBrk="1" hangingPunct="1"/>
-              <a:t>34</a:t>
+              <a:t>35</a:t>
             </a:fld>
             <a:endParaRPr lang="en-US" altLang="zh-CN" sz="1200"/>
           </a:p>
@@ -17627,10 +18796,10 @@
           <a:p>
             <a:pPr algn="just" eaLnBrk="1" hangingPunct="1"/>
             <a:r>
-              <a:rPr lang="zh-CN" sz="3400" b="1" smtClean="0"/>
+              <a:rPr lang="zh-CN" sz="3400" b="1" dirty="0" smtClean="0"/>
               <a:t>集成测试就是在单元测试的基础上，将所有已通过单元测试的模块按照概要设计的要求组装为子系统或系统，并进行测试的过程，目的是确保各单元模块组合在一起后能够按既定意图协作运行，并确保增量的行为正确</a:t>
             </a:r>
-            <a:endParaRPr lang="en-US" sz="3400" b="1" smtClean="0"/>
+            <a:endParaRPr lang="en-US" sz="3400" b="1" dirty="0" smtClean="0"/>
           </a:p>
         </p:txBody>
       </p:sp>
@@ -18415,23 +19584,35 @@
           <a:p>
             <a:pPr algn="just" eaLnBrk="1" hangingPunct="1"/>
             <a:r>
-              <a:rPr lang="zh-CN" sz="3400" b="1" smtClean="0"/>
+              <a:rPr lang="zh-CN" sz="3400" b="1" dirty="0" smtClean="0"/>
               <a:t>成对集成</a:t>
             </a:r>
-            <a:endParaRPr lang="en-US" sz="3400" b="1" smtClean="0"/>
+            <a:endParaRPr lang="en-US" sz="3400" b="1" dirty="0" smtClean="0"/>
           </a:p>
           <a:p>
             <a:pPr algn="just" eaLnBrk="1" hangingPunct="1"/>
             <a:r>
-              <a:rPr lang="zh-CN" sz="3400" b="1" smtClean="0"/>
-              <a:t>基本思想：将每个集成测试用例限定在一对调用单元上，每个集成测试用例都是最小的集成单元，仅涉及一对调用的接口</a:t>
-            </a:r>
-            <a:endParaRPr lang="en-US" sz="3400" b="1" smtClean="0"/>
+              <a:rPr lang="zh-CN" sz="3400" b="1" dirty="0" smtClean="0"/>
+              <a:t>基本思想：将每个集成测试用例限定在</a:t>
+            </a:r>
+            <a:r>
+              <a:rPr lang="zh-CN" sz="3400" b="1" dirty="0" smtClean="0">
+                <a:solidFill>
+                  <a:srgbClr val="FF0000"/>
+                </a:solidFill>
+              </a:rPr>
+              <a:t>一对调用单元</a:t>
+            </a:r>
+            <a:r>
+              <a:rPr lang="zh-CN" sz="3400" b="1" dirty="0" smtClean="0"/>
+              <a:t>上，每个集成测试用例都是最小的集成单元，仅涉及一对调用的接口</a:t>
+            </a:r>
+            <a:endParaRPr lang="en-US" sz="3400" b="1" dirty="0" smtClean="0"/>
           </a:p>
           <a:p>
             <a:pPr algn="just" eaLnBrk="1" hangingPunct="1"/>
             <a:r>
-              <a:rPr lang="zh-CN" sz="3400" b="1" smtClean="0"/>
+              <a:rPr lang="zh-CN" sz="3400" b="1" dirty="0" smtClean="0"/>
               <a:t>优势：便于缺陷定位</a:t>
             </a:r>
           </a:p>
@@ -19064,23 +20245,35 @@
           <a:p>
             <a:pPr algn="just" eaLnBrk="1" hangingPunct="1"/>
             <a:r>
-              <a:rPr lang="zh-CN" sz="3400" b="1" smtClean="0"/>
+              <a:rPr lang="zh-CN" sz="3400" b="1" dirty="0" smtClean="0"/>
               <a:t>邻居集成</a:t>
             </a:r>
-            <a:endParaRPr lang="en-US" sz="3400" b="1" smtClean="0"/>
+            <a:endParaRPr lang="en-US" sz="3400" b="1" dirty="0" smtClean="0"/>
           </a:p>
           <a:p>
             <a:pPr algn="just" eaLnBrk="1" hangingPunct="1"/>
             <a:r>
-              <a:rPr lang="zh-CN" sz="3400" b="1" smtClean="0"/>
-              <a:t>基本思想：将每个集成测试用例限定在某个节点的邻居上，针对某个模块的集成测试用例应同时包含该模块及其邻居</a:t>
-            </a:r>
-            <a:endParaRPr lang="en-US" sz="3400" b="1" smtClean="0"/>
+              <a:rPr lang="zh-CN" sz="3400" b="1" dirty="0" smtClean="0"/>
+              <a:t>基本思想：将每个集成测试用例限定在</a:t>
+            </a:r>
+            <a:r>
+              <a:rPr lang="zh-CN" sz="3400" b="1" dirty="0" smtClean="0">
+                <a:solidFill>
+                  <a:srgbClr val="FF0000"/>
+                </a:solidFill>
+              </a:rPr>
+              <a:t>某个节点的邻居</a:t>
+            </a:r>
+            <a:r>
+              <a:rPr lang="zh-CN" sz="3400" b="1" dirty="0" smtClean="0"/>
+              <a:t>上，针对某个模块的集成测试用例应同时包含该模块及其邻居</a:t>
+            </a:r>
+            <a:endParaRPr lang="en-US" sz="3400" b="1" dirty="0" smtClean="0"/>
           </a:p>
           <a:p>
             <a:pPr algn="just" eaLnBrk="1" hangingPunct="1"/>
             <a:r>
-              <a:rPr lang="zh-CN" sz="3400" b="1" smtClean="0"/>
+              <a:rPr lang="zh-CN" sz="3400" b="1" dirty="0" smtClean="0"/>
               <a:t>邻居是指某个指定模块及其所有直接调用该模块的上层模块以及所有被该模块直接调用的下层模块</a:t>
             </a:r>
           </a:p>

--- a/PPT/第三部分 软件测试应用/8 集成测试.pptx
+++ b/PPT/第三部分 软件测试应用/8 集成测试.pptx
@@ -9707,60 +9707,6 @@
           </a:p>
         </p:txBody>
       </p:sp>
-      <p:pic>
-        <p:nvPicPr>
-          <p:cNvPr id="14341" name="Picture 6" descr="8T3"/>
-          <p:cNvPicPr>
-            <a:picLocks noChangeAspect="1" noChangeArrowheads="1"/>
-          </p:cNvPicPr>
-          <p:nvPr/>
-        </p:nvPicPr>
-        <p:blipFill>
-          <a:blip r:embed="rId2" cstate="print">
-            <a:extLst>
-              <a:ext uri="{28A0092B-C50C-407E-A947-70E740481C1C}">
-                <a14:useLocalDpi xmlns:a14="http://schemas.microsoft.com/office/drawing/2010/main" val="0"/>
-              </a:ext>
-            </a:extLst>
-          </a:blip>
-          <a:srcRect/>
-          <a:stretch>
-            <a:fillRect/>
-          </a:stretch>
-        </p:blipFill>
-        <p:spPr bwMode="auto">
-          <a:xfrm>
-            <a:off x="-900608" y="692696"/>
-            <a:ext cx="3857625" cy="3824287"/>
-          </a:xfrm>
-          <a:prstGeom prst="rect">
-            <a:avLst/>
-          </a:prstGeom>
-          <a:noFill/>
-          <a:ln>
-            <a:noFill/>
-          </a:ln>
-          <a:extLst>
-            <a:ext uri="{909E8E84-426E-40DD-AFC4-6F175D3DCCD1}">
-              <a14:hiddenFill xmlns:a14="http://schemas.microsoft.com/office/drawing/2010/main">
-                <a:solidFill>
-                  <a:srgbClr val="FFFFFF"/>
-                </a:solidFill>
-              </a14:hiddenFill>
-            </a:ext>
-            <a:ext uri="{91240B29-F687-4F45-9708-019B960494DF}">
-              <a14:hiddenLine xmlns:a14="http://schemas.microsoft.com/office/drawing/2010/main" w="9525">
-                <a:solidFill>
-                  <a:srgbClr val="000000"/>
-                </a:solidFill>
-                <a:miter lim="800000"/>
-                <a:headEnd/>
-                <a:tailEnd/>
-              </a14:hiddenLine>
-            </a:ext>
-          </a:extLst>
-        </p:spPr>
-      </p:pic>
       <p:sp>
         <p:nvSpPr>
           <p:cNvPr id="2" name="椭圆 1"/>
@@ -11797,7 +11743,7 @@
           <a:graphicData uri="http://schemas.openxmlformats.org/presentationml/2006/ole">
             <mc:AlternateContent xmlns:mc="http://schemas.openxmlformats.org/markup-compatibility/2006">
               <mc:Choice xmlns:v="urn:schemas-microsoft-com:vml" Requires="v">
-                <p:oleObj spid="_x0000_s18446" r:id="rId3" imgW="3552120" imgH="1159560" progId="Visio.Drawing.11">
+                <p:oleObj spid="_x0000_s18447" r:id="rId3" imgW="3552120" imgH="1159560" progId="Visio.Drawing.11">
                   <p:embed/>
                 </p:oleObj>
               </mc:Choice>
@@ -12242,7 +12188,7 @@
           <a:graphicData uri="http://schemas.openxmlformats.org/presentationml/2006/ole">
             <mc:AlternateContent xmlns:mc="http://schemas.openxmlformats.org/markup-compatibility/2006">
               <mc:Choice xmlns:v="urn:schemas-microsoft-com:vml" Requires="v">
-                <p:oleObj spid="_x0000_s19480" r:id="rId3" imgW="1145160" imgH="1260360" progId="Visio.Drawing.11">
+                <p:oleObj spid="_x0000_s19482" r:id="rId3" imgW="1145160" imgH="1260360" progId="Visio.Drawing.11">
                   <p:embed/>
                 </p:oleObj>
               </mc:Choice>
@@ -12375,7 +12321,7 @@
           <a:graphicData uri="http://schemas.openxmlformats.org/presentationml/2006/ole">
             <mc:AlternateContent xmlns:mc="http://schemas.openxmlformats.org/markup-compatibility/2006">
               <mc:Choice xmlns:v="urn:schemas-microsoft-com:vml" Requires="v">
-                <p:oleObj spid="_x0000_s19481" r:id="rId5" imgW="1337040" imgH="1598040" progId="Visio.Drawing.11">
+                <p:oleObj spid="_x0000_s19483" r:id="rId5" imgW="1337040" imgH="1598040" progId="Visio.Drawing.11">
                   <p:embed/>
                 </p:oleObj>
               </mc:Choice>
@@ -12920,7 +12866,7 @@
           <a:graphicData uri="http://schemas.openxmlformats.org/presentationml/2006/ole">
             <mc:AlternateContent xmlns:mc="http://schemas.openxmlformats.org/markup-compatibility/2006">
               <mc:Choice xmlns:v="urn:schemas-microsoft-com:vml" Requires="v">
-                <p:oleObj spid="_x0000_s20497" r:id="rId3" imgW="5149800" imgH="1726920" progId="Visio.Drawing.11">
+                <p:oleObj spid="_x0000_s20498" r:id="rId3" imgW="5149800" imgH="1726920" progId="Visio.Drawing.11">
                   <p:embed/>
                 </p:oleObj>
               </mc:Choice>

--- a/PPT/第三部分 软件测试应用/8 集成测试.pptx
+++ b/PPT/第三部分 软件测试应用/8 集成测试.pptx
@@ -8195,14 +8195,21 @@
               <a:buNone/>
             </a:pPr>
             <a:r>
-              <a:rPr lang="en-US" altLang="zh-CN" sz="4400" b="1" smtClean="0">
+              <a:rPr lang="en-US" altLang="zh-CN" sz="4400" b="1" dirty="0" err="1" smtClean="0">
                 <a:latin typeface="华文隶书" pitchFamily="2" charset="-122"/>
                 <a:ea typeface="华文隶书" pitchFamily="2" charset="-122"/>
               </a:rPr>
-              <a:t>PartII I</a:t>
-            </a:r>
-            <a:r>
-              <a:rPr lang="zh-CN" sz="4400" b="1" smtClean="0">
+              <a:t>PartII</a:t>
+            </a:r>
+            <a:r>
+              <a:rPr lang="en-US" altLang="zh-CN" sz="4400" b="1" dirty="0" smtClean="0">
+                <a:latin typeface="华文隶书" pitchFamily="2" charset="-122"/>
+                <a:ea typeface="华文隶书" pitchFamily="2" charset="-122"/>
+              </a:rPr>
+              <a:t> I</a:t>
+            </a:r>
+            <a:r>
+              <a:rPr lang="zh-CN" sz="4400" b="1" dirty="0" smtClean="0">
                 <a:latin typeface="华文隶书" pitchFamily="2" charset="-122"/>
                 <a:ea typeface="华文隶书" pitchFamily="2" charset="-122"/>
               </a:rPr>
@@ -8217,6 +8224,13 @@
     <a:masterClrMapping/>
   </p:clrMapOvr>
   <p:transition/>
+  <p:timing>
+    <p:tnLst>
+      <p:par>
+        <p:cTn id="1" dur="indefinite" restart="never" nodeType="tmRoot"/>
+      </p:par>
+    </p:tnLst>
+  </p:timing>
 </p:sld>
 </file>
 
@@ -8632,6 +8646,13 @@
     <a:masterClrMapping/>
   </p:clrMapOvr>
   <p:transition/>
+  <p:timing>
+    <p:tnLst>
+      <p:par>
+        <p:cTn id="1" dur="indefinite" restart="never" nodeType="tmRoot"/>
+      </p:par>
+    </p:tnLst>
+  </p:timing>
 </p:sld>
 </file>
 
@@ -8886,16 +8907,7 @@
                 </a:solidFill>
                 <a:ea typeface="华文新魏" pitchFamily="2" charset="-122"/>
               </a:rPr>
-              <a:t>：第二日</a:t>
-            </a:r>
-            <a:r>
-              <a:rPr lang="zh-CN" sz="3800" b="1" dirty="0" smtClean="0">
-                <a:solidFill>
-                  <a:srgbClr val="0000FF"/>
-                </a:solidFill>
-                <a:ea typeface="华文新魏" pitchFamily="2" charset="-122"/>
-              </a:rPr>
-              <a:t>问题</a:t>
+              <a:t>：第二日问题</a:t>
             </a:r>
             <a:endParaRPr lang="en-US" altLang="zh-CN" sz="3800" b="1" dirty="0" smtClean="0">
               <a:solidFill>
@@ -8973,8 +8985,14 @@
                 </a:solidFill>
                 <a:ea typeface="华文新魏" pitchFamily="2" charset="-122"/>
               </a:rPr>
-              <a:t>ND3,ID,LDOM</a:t>
-            </a:r>
+              <a:t>ND3,ID,lDOM</a:t>
+            </a:r>
+            <a:endParaRPr lang="en-US" altLang="zh-CN" sz="3800" b="1" dirty="0" smtClean="0">
+              <a:solidFill>
+                <a:srgbClr val="0000FF"/>
+              </a:solidFill>
+              <a:ea typeface="华文新魏" pitchFamily="2" charset="-122"/>
+            </a:endParaRPr>
           </a:p>
           <a:p>
             <a:pPr marL="742950" indent="-742950" eaLnBrk="1" hangingPunct="1">
@@ -8989,6 +9007,21 @@
                 <a:ea typeface="华文新魏" pitchFamily="2" charset="-122"/>
               </a:rPr>
               <a:t>ND3,PD</a:t>
+            </a:r>
+          </a:p>
+          <a:p>
+            <a:pPr marL="742950" indent="-742950" eaLnBrk="1" hangingPunct="1">
+              <a:buFont typeface="+mj-lt"/>
+              <a:buAutoNum type="arabicPeriod"/>
+            </a:pPr>
+            <a:r>
+              <a:rPr lang="en-US" altLang="zh-CN" sz="3800" b="1" dirty="0" smtClean="0">
+                <a:solidFill>
+                  <a:srgbClr val="0000FF"/>
+                </a:solidFill>
+                <a:ea typeface="华文新魏" pitchFamily="2" charset="-122"/>
+              </a:rPr>
+              <a:t>ND3,VD,lDOM</a:t>
             </a:r>
             <a:endParaRPr lang="zh-CN" sz="3800" b="1" dirty="0" smtClean="0">
               <a:solidFill>
@@ -9064,6 +9097,13 @@
     <a:masterClrMapping/>
   </p:clrMapOvr>
   <p:transition/>
+  <p:timing>
+    <p:tnLst>
+      <p:par>
+        <p:cTn id="1" dur="indefinite" restart="never" nodeType="tmRoot"/>
+      </p:par>
+    </p:tnLst>
+  </p:timing>
 </p:sld>
 </file>
 
@@ -9376,6 +9416,13 @@
     <a:masterClrMapping/>
   </p:clrMapOvr>
   <p:transition/>
+  <p:timing>
+    <p:tnLst>
+      <p:par>
+        <p:cTn id="1" dur="indefinite" restart="never" nodeType="tmRoot"/>
+      </p:par>
+    </p:tnLst>
+  </p:timing>
 </p:sld>
 </file>
 
@@ -10445,12 +10492,148 @@
           </a:fontRef>
         </p:style>
       </p:cxnSp>
+      <p:sp>
+        <p:nvSpPr>
+          <p:cNvPr id="3" name="椭圆 2"/>
+          <p:cNvSpPr/>
+          <p:nvPr/>
+        </p:nvSpPr>
+        <p:spPr>
+          <a:xfrm>
+            <a:off x="8143901" y="3861048"/>
+            <a:ext cx="901148" cy="504056"/>
+          </a:xfrm>
+          <a:prstGeom prst="ellipse">
+            <a:avLst/>
+          </a:prstGeom>
+          <a:noFill/>
+        </p:spPr>
+        <p:style>
+          <a:lnRef idx="2">
+            <a:schemeClr val="accent1">
+              <a:shade val="50000"/>
+            </a:schemeClr>
+          </a:lnRef>
+          <a:fillRef idx="1">
+            <a:schemeClr val="accent1"/>
+          </a:fillRef>
+          <a:effectRef idx="0">
+            <a:schemeClr val="accent1"/>
+          </a:effectRef>
+          <a:fontRef idx="minor">
+            <a:schemeClr val="lt1"/>
+          </a:fontRef>
+        </p:style>
+        <p:txBody>
+          <a:bodyPr rtlCol="0" anchor="ctr"/>
+          <a:lstStyle/>
+          <a:p>
+            <a:pPr algn="ctr"/>
+            <a:r>
+              <a:rPr lang="en-US" altLang="zh-CN" dirty="0" err="1" smtClean="0">
+                <a:solidFill>
+                  <a:schemeClr val="tx1"/>
+                </a:solidFill>
+              </a:rPr>
+              <a:t>end</a:t>
+            </a:r>
+            <a:r>
+              <a:rPr lang="en-US" altLang="zh-CN" dirty="0" err="1" smtClean="0"/>
+              <a:t>d</a:t>
+            </a:r>
+            <a:endParaRPr lang="zh-CN" altLang="en-US" dirty="0"/>
+          </a:p>
+        </p:txBody>
+      </p:sp>
+      <p:cxnSp>
+        <p:nvCxnSpPr>
+          <p:cNvPr id="24" name="直接箭头连接符 23"/>
+          <p:cNvCxnSpPr>
+            <a:endCxn id="3" idx="0"/>
+          </p:cNvCxnSpPr>
+          <p:nvPr/>
+        </p:nvCxnSpPr>
+        <p:spPr>
+          <a:xfrm flipH="1">
+            <a:off x="8594475" y="3162217"/>
+            <a:ext cx="79953" cy="698831"/>
+          </a:xfrm>
+          <a:prstGeom prst="straightConnector1">
+            <a:avLst/>
+          </a:prstGeom>
+          <a:ln w="28575">
+            <a:solidFill>
+              <a:schemeClr val="tx1"/>
+            </a:solidFill>
+            <a:tailEnd type="arrow"/>
+          </a:ln>
+        </p:spPr>
+        <p:style>
+          <a:lnRef idx="1">
+            <a:schemeClr val="accent1"/>
+          </a:lnRef>
+          <a:fillRef idx="0">
+            <a:schemeClr val="accent1"/>
+          </a:fillRef>
+          <a:effectRef idx="0">
+            <a:schemeClr val="accent1"/>
+          </a:effectRef>
+          <a:fontRef idx="minor">
+            <a:schemeClr val="tx1"/>
+          </a:fontRef>
+        </p:style>
+      </p:cxnSp>
+      <p:cxnSp>
+        <p:nvCxnSpPr>
+          <p:cNvPr id="25" name="直接箭头连接符 24"/>
+          <p:cNvCxnSpPr>
+            <a:endCxn id="3" idx="2"/>
+          </p:cNvCxnSpPr>
+          <p:nvPr/>
+        </p:nvCxnSpPr>
+        <p:spPr>
+          <a:xfrm>
+            <a:off x="7772907" y="4113076"/>
+            <a:ext cx="370994" cy="0"/>
+          </a:xfrm>
+          <a:prstGeom prst="straightConnector1">
+            <a:avLst/>
+          </a:prstGeom>
+          <a:ln w="28575">
+            <a:solidFill>
+              <a:schemeClr val="tx1"/>
+            </a:solidFill>
+            <a:tailEnd type="arrow"/>
+          </a:ln>
+        </p:spPr>
+        <p:style>
+          <a:lnRef idx="1">
+            <a:schemeClr val="accent1"/>
+          </a:lnRef>
+          <a:fillRef idx="0">
+            <a:schemeClr val="accent1"/>
+          </a:fillRef>
+          <a:effectRef idx="0">
+            <a:schemeClr val="accent1"/>
+          </a:effectRef>
+          <a:fontRef idx="minor">
+            <a:schemeClr val="tx1"/>
+          </a:fontRef>
+        </p:style>
+      </p:cxnSp>
     </p:spTree>
   </p:cSld>
   <p:clrMapOvr>
     <a:masterClrMapping/>
   </p:clrMapOvr>
   <p:transition/>
+  <p:timing>
+    <p:tnLst>
+      <p:par>
+        <p:cTn id="1" dur="indefinite" restart="never" nodeType="tmRoot"/>
+      </p:par>
+    </p:tnLst>
+  </p:timing>
 </p:sld>
 </file>
 
@@ -10751,6 +10934,13 @@
     <a:masterClrMapping/>
   </p:clrMapOvr>
   <p:transition/>
+  <p:timing>
+    <p:tnLst>
+      <p:par>
+        <p:cTn id="1" dur="indefinite" restart="never" nodeType="tmRoot"/>
+      </p:par>
+    </p:tnLst>
+  </p:timing>
 </p:sld>
 </file>
 
@@ -11058,6 +11248,13 @@
     <a:masterClrMapping/>
   </p:clrMapOvr>
   <p:transition/>
+  <p:timing>
+    <p:tnLst>
+      <p:par>
+        <p:cTn id="1" dur="indefinite" restart="never" nodeType="tmRoot"/>
+      </p:par>
+    </p:tnLst>
+  </p:timing>
 </p:sld>
 </file>
 
@@ -11743,7 +11940,7 @@
           <a:graphicData uri="http://schemas.openxmlformats.org/presentationml/2006/ole">
             <mc:AlternateContent xmlns:mc="http://schemas.openxmlformats.org/markup-compatibility/2006">
               <mc:Choice xmlns:v="urn:schemas-microsoft-com:vml" Requires="v">
-                <p:oleObj spid="_x0000_s18447" r:id="rId3" imgW="3552120" imgH="1159560" progId="Visio.Drawing.11">
+                <p:oleObj spid="_x0000_s18454" r:id="rId3" imgW="3552120" imgH="1159560" progId="Visio.Drawing.11">
                   <p:embed/>
                 </p:oleObj>
               </mc:Choice>
@@ -12178,17 +12375,23 @@
           <p:cNvGraphicFramePr>
             <a:graphicFrameLocks noChangeAspect="1"/>
           </p:cNvGraphicFramePr>
-          <p:nvPr/>
+          <p:nvPr>
+            <p:extLst>
+              <p:ext uri="{D42A27DB-BD31-4B8C-83A1-F6EECF244321}">
+                <p14:modId xmlns:p14="http://schemas.microsoft.com/office/powerpoint/2010/main" val="4179786136"/>
+              </p:ext>
+            </p:extLst>
+          </p:nvPr>
         </p:nvGraphicFramePr>
         <p:xfrm>
-          <a:off x="1214438" y="2868613"/>
+          <a:off x="1214438" y="2708920"/>
           <a:ext cx="2571750" cy="2851150"/>
         </p:xfrm>
         <a:graphic>
           <a:graphicData uri="http://schemas.openxmlformats.org/presentationml/2006/ole">
             <mc:AlternateContent xmlns:mc="http://schemas.openxmlformats.org/markup-compatibility/2006">
               <mc:Choice xmlns:v="urn:schemas-microsoft-com:vml" Requires="v">
-                <p:oleObj spid="_x0000_s19482" r:id="rId3" imgW="1145160" imgH="1260360" progId="Visio.Drawing.11">
+                <p:oleObj spid="_x0000_s19496" r:id="rId3" imgW="1145160" imgH="1260360" progId="Visio.Drawing.11">
                   <p:embed/>
                 </p:oleObj>
               </mc:Choice>
@@ -12218,7 +12421,7 @@
                     </p:blipFill>
                     <p:spPr bwMode="auto">
                       <a:xfrm>
-                        <a:off x="1214438" y="2868613"/>
+                        <a:off x="1214438" y="2708920"/>
                         <a:ext cx="2571750" cy="2851150"/>
                       </a:xfrm>
                       <a:prstGeom prst="rect">
@@ -12321,7 +12524,7 @@
           <a:graphicData uri="http://schemas.openxmlformats.org/presentationml/2006/ole">
             <mc:AlternateContent xmlns:mc="http://schemas.openxmlformats.org/markup-compatibility/2006">
               <mc:Choice xmlns:v="urn:schemas-microsoft-com:vml" Requires="v">
-                <p:oleObj spid="_x0000_s19483" r:id="rId5" imgW="1337040" imgH="1598040" progId="Visio.Drawing.11">
+                <p:oleObj spid="_x0000_s19497" r:id="rId5" imgW="1337040" imgH="1598040" progId="Visio.Drawing.11">
                   <p:embed/>
                 </p:oleObj>
               </mc:Choice>
@@ -12866,7 +13069,7 @@
           <a:graphicData uri="http://schemas.openxmlformats.org/presentationml/2006/ole">
             <mc:AlternateContent xmlns:mc="http://schemas.openxmlformats.org/markup-compatibility/2006">
               <mc:Choice xmlns:v="urn:schemas-microsoft-com:vml" Requires="v">
-                <p:oleObj spid="_x0000_s20498" r:id="rId3" imgW="5149800" imgH="1726920" progId="Visio.Drawing.11">
+                <p:oleObj spid="_x0000_s20505" r:id="rId3" imgW="5149800" imgH="1726920" progId="Visio.Drawing.11">
                   <p:embed/>
                 </p:oleObj>
               </mc:Choice>
@@ -13195,6 +13398,13 @@
     <a:masterClrMapping/>
   </p:clrMapOvr>
   <p:transition/>
+  <p:timing>
+    <p:tnLst>
+      <p:par>
+        <p:cTn id="1" dur="indefinite" restart="never" nodeType="tmRoot"/>
+      </p:par>
+    </p:tnLst>
+  </p:timing>
 </p:sld>
 </file>
 
@@ -13425,29 +13635,41 @@
           <a:p>
             <a:pPr algn="just" eaLnBrk="1" hangingPunct="1"/>
             <a:r>
-              <a:rPr lang="zh-CN" sz="3400" b="1" smtClean="0"/>
+              <a:rPr lang="zh-CN" sz="3400" b="1" dirty="0" smtClean="0"/>
               <a:t>优势</a:t>
             </a:r>
-            <a:endParaRPr lang="en-US" sz="3400" b="1" smtClean="0"/>
+            <a:endParaRPr lang="en-US" sz="3400" b="1" dirty="0" smtClean="0"/>
           </a:p>
           <a:p>
             <a:pPr lvl="1"/>
             <a:r>
-              <a:rPr lang="zh-CN" b="1" smtClean="0"/>
-              <a:t>优先从根节点开始测试，有助于早期实现并验证系统主要功能，给开发团队和用户带来成功的信心，也便于早期验证主要的控制和判断，避免主控程序的缺陷，确保开发进度</a:t>
+              <a:rPr lang="zh-CN" b="1" dirty="0" smtClean="0"/>
+              <a:t>优先从根节点开始测试，有助于早期实现并验证系统主要功能，给开发团队和用户带来成功的信心，也便于早期验证主要的控制和判断，</a:t>
+            </a:r>
+            <a:r>
+              <a:rPr lang="zh-CN" b="1" dirty="0" smtClean="0">
+                <a:solidFill>
+                  <a:srgbClr val="FF0000"/>
+                </a:solidFill>
+              </a:rPr>
+              <a:t>避免主控程序的缺陷</a:t>
+            </a:r>
+            <a:r>
+              <a:rPr lang="zh-CN" b="1" dirty="0" smtClean="0"/>
+              <a:t>，确保开发进度</a:t>
             </a:r>
           </a:p>
           <a:p>
             <a:pPr lvl="1"/>
             <a:r>
-              <a:rPr lang="zh-CN" b="1" smtClean="0"/>
+              <a:rPr lang="zh-CN" b="1" dirty="0" smtClean="0"/>
               <a:t>单个测试用例包含多个模块，可从整体上降低测试用例规模</a:t>
             </a:r>
           </a:p>
           <a:p>
             <a:pPr lvl="1"/>
             <a:r>
-              <a:rPr lang="zh-CN" b="1" smtClean="0"/>
+              <a:rPr lang="zh-CN" b="1" dirty="0" smtClean="0"/>
               <a:t>采用递增方式展开测试，每个新的测试用例一般仅加入一个新的模块，便于缺陷定位</a:t>
             </a:r>
           </a:p>
@@ -16584,6 +16806,13 @@
     <a:masterClrMapping/>
   </p:clrMapOvr>
   <p:transition/>
+  <p:timing>
+    <p:tnLst>
+      <p:par>
+        <p:cTn id="1" dur="indefinite" restart="never" nodeType="tmRoot"/>
+      </p:par>
+    </p:tnLst>
+  </p:timing>
 </p:sld>
 </file>
 
@@ -18341,8 +18570,52 @@
                 <a:latin typeface="黑体" pitchFamily="49" charset="-122"/>
                 <a:ea typeface="黑体" pitchFamily="49" charset="-122"/>
               </a:rPr>
-              <a:t>谢 谢</a:t>
-            </a:r>
+              <a:t>谢 </a:t>
+            </a:r>
+            <a:r>
+              <a:rPr lang="zh-CN" b="1" dirty="0" smtClean="0">
+                <a:latin typeface="黑体" pitchFamily="49" charset="-122"/>
+                <a:ea typeface="黑体" pitchFamily="49" charset="-122"/>
+              </a:rPr>
+              <a:t>谢</a:t>
+            </a:r>
+            <a:r>
+              <a:rPr lang="en-US" altLang="zh-CN" b="1" dirty="0" smtClean="0">
+                <a:latin typeface="黑体" pitchFamily="49" charset="-122"/>
+                <a:ea typeface="黑体" pitchFamily="49" charset="-122"/>
+              </a:rPr>
+              <a:t/>
+            </a:r>
+            <a:br>
+              <a:rPr lang="en-US" altLang="zh-CN" b="1" dirty="0" smtClean="0">
+                <a:latin typeface="黑体" pitchFamily="49" charset="-122"/>
+                <a:ea typeface="黑体" pitchFamily="49" charset="-122"/>
+              </a:rPr>
+            </a:br>
+            <a:r>
+              <a:rPr lang="en-US" altLang="zh-CN" b="1" dirty="0">
+                <a:latin typeface="黑体" pitchFamily="49" charset="-122"/>
+                <a:ea typeface="黑体" pitchFamily="49" charset="-122"/>
+              </a:rPr>
+              <a:t/>
+            </a:r>
+            <a:br>
+              <a:rPr lang="en-US" altLang="zh-CN" b="1" dirty="0">
+                <a:latin typeface="黑体" pitchFamily="49" charset="-122"/>
+                <a:ea typeface="黑体" pitchFamily="49" charset="-122"/>
+              </a:rPr>
+            </a:br>
+            <a:r>
+              <a:rPr lang="en-US" altLang="zh-CN" b="1" dirty="0">
+                <a:latin typeface="黑体" pitchFamily="49" charset="-122"/>
+                <a:ea typeface="黑体" pitchFamily="49" charset="-122"/>
+              </a:rPr>
+              <a:t>https://pan.baidu.com/s/1nv002Zv</a:t>
+            </a:r>
+            <a:endParaRPr lang="zh-CN" b="1" dirty="0" smtClean="0">
+              <a:latin typeface="黑体" pitchFamily="49" charset="-122"/>
+              <a:ea typeface="黑体" pitchFamily="49" charset="-122"/>
+            </a:endParaRPr>
           </a:p>
         </p:txBody>
       </p:sp>
@@ -18743,7 +19016,19 @@
             <a:pPr algn="just" eaLnBrk="1" hangingPunct="1"/>
             <a:r>
               <a:rPr lang="zh-CN" sz="3400" b="1" dirty="0" smtClean="0"/>
-              <a:t>集成测试就是在单元测试的基础上，将所有已通过单元测试的模块按照概要设计的要求组装为子系统或系统，并进行测试的过程，目的是确保各单元模块组合在一起后能够按既定意图协作运行，并确保增量的行为正确</a:t>
+              <a:t>集成测试就是在单元测试的基础上，将所有已通过单元测试的模块按照概要设计的要求组装为子系统或系统，并进行测试的过程，</a:t>
+            </a:r>
+            <a:r>
+              <a:rPr lang="zh-CN" sz="3400" b="1" dirty="0" smtClean="0">
+                <a:solidFill>
+                  <a:srgbClr val="FF0000"/>
+                </a:solidFill>
+              </a:rPr>
+              <a:t>目的是确保各单元模块组合在一起后能够按既定意图协作运行</a:t>
+            </a:r>
+            <a:r>
+              <a:rPr lang="zh-CN" sz="3400" b="1" dirty="0" smtClean="0"/>
+              <a:t>，并确保增量的行为正确</a:t>
             </a:r>
             <a:endParaRPr lang="en-US" sz="3400" b="1" dirty="0" smtClean="0"/>
           </a:p>
@@ -18755,6 +19040,13 @@
     <a:masterClrMapping/>
   </p:clrMapOvr>
   <p:transition/>
+  <p:timing>
+    <p:tnLst>
+      <p:par>
+        <p:cTn id="1" dur="indefinite" restart="never" nodeType="tmRoot"/>
+      </p:par>
+    </p:tnLst>
+  </p:timing>
 </p:sld>
 </file>
 
@@ -19034,6 +19326,13 @@
     <a:masterClrMapping/>
   </p:clrMapOvr>
   <p:transition/>
+  <p:timing>
+    <p:tnLst>
+      <p:par>
+        <p:cTn id="1" dur="indefinite" restart="never" nodeType="tmRoot"/>
+      </p:par>
+    </p:tnLst>
+  </p:timing>
 </p:sld>
 </file>
 
@@ -19300,6 +19599,13 @@
     <a:masterClrMapping/>
   </p:clrMapOvr>
   <p:transition/>
+  <p:timing>
+    <p:tnLst>
+      <p:par>
+        <p:cTn id="1" dur="indefinite" restart="never" nodeType="tmRoot"/>
+      </p:par>
+    </p:tnLst>
+  </p:timing>
 </p:sld>
 </file>
 
@@ -19570,6 +19876,13 @@
     <a:masterClrMapping/>
   </p:clrMapOvr>
   <p:transition/>
+  <p:timing>
+    <p:tnLst>
+      <p:par>
+        <p:cTn id="1" dur="indefinite" restart="never" nodeType="tmRoot"/>
+      </p:par>
+    </p:tnLst>
+  </p:timing>
 </p:sld>
 </file>
 
@@ -19961,6 +20274,13 @@
     <a:masterClrMapping/>
   </p:clrMapOvr>
   <p:transition/>
+  <p:timing>
+    <p:tnLst>
+      <p:par>
+        <p:cTn id="1" dur="indefinite" restart="never" nodeType="tmRoot"/>
+      </p:par>
+    </p:tnLst>
+  </p:timing>
 </p:sld>
 </file>
 
@@ -20231,6 +20551,13 @@
     <a:masterClrMapping/>
   </p:clrMapOvr>
   <p:transition/>
+  <p:timing>
+    <p:tnLst>
+      <p:par>
+        <p:cTn id="1" dur="indefinite" restart="never" nodeType="tmRoot"/>
+      </p:par>
+    </p:tnLst>
+  </p:timing>
 </p:sld>
 </file>
 
